--- a/Twitter Heron.pptx
+++ b/Twitter Heron.pptx
@@ -2,28 +2,11 @@
 <file path=ppt/presentation.xml><?xml version="1.0" encoding="utf-8"?>
 <p:presentation xmlns:a="http://schemas.openxmlformats.org/drawingml/2006/main" xmlns:r="http://schemas.openxmlformats.org/officeDocument/2006/relationships" xmlns:p="http://schemas.openxmlformats.org/presentationml/2006/main" autoCompressPictures="0">
   <p:sldMasterIdLst>
-    <p:sldMasterId id="2147483669" r:id="rId1"/>
+    <p:sldMasterId id="2147483648" r:id="rId1"/>
   </p:sldMasterIdLst>
   <p:sldIdLst>
     <p:sldId id="256" r:id="rId2"/>
-    <p:sldId id="260" r:id="rId3"/>
-    <p:sldId id="259" r:id="rId4"/>
-    <p:sldId id="277" r:id="rId5"/>
-    <p:sldId id="261" r:id="rId6"/>
-    <p:sldId id="276" r:id="rId7"/>
-    <p:sldId id="262" r:id="rId8"/>
-    <p:sldId id="263" r:id="rId9"/>
-    <p:sldId id="264" r:id="rId10"/>
-    <p:sldId id="265" r:id="rId11"/>
-    <p:sldId id="268" r:id="rId12"/>
-    <p:sldId id="278" r:id="rId13"/>
-    <p:sldId id="273" r:id="rId14"/>
-    <p:sldId id="269" r:id="rId15"/>
-    <p:sldId id="270" r:id="rId16"/>
-    <p:sldId id="271" r:id="rId17"/>
-    <p:sldId id="272" r:id="rId18"/>
-    <p:sldId id="274" r:id="rId19"/>
-    <p:sldId id="275" r:id="rId20"/>
+    <p:sldId id="259" r:id="rId3"/>
   </p:sldIdLst>
   <p:sldSz cx="12192000" cy="6858000"/>
   <p:notesSz cx="6858000" cy="9144000"/>
@@ -300,8 +283,8 @@
           <a:lstStyle/>
           <a:p>
             <a:fld id="{48A87A34-81AB-432B-8DAE-1953F412C126}" type="datetimeFigureOut">
-              <a:rPr lang="en-US" smtClean="0"/>
-              <a:t>11/28/2016</a:t>
+              <a:rPr lang="en-US" dirty="0"/>
+              <a:t>11/26/2016</a:t>
             </a:fld>
             <a:endParaRPr lang="en-US" dirty="0"/>
           </a:p>
@@ -342,7 +325,7 @@
           <a:lstStyle/>
           <a:p>
             <a:fld id="{6D22F896-40B5-4ADD-8801-0D06FADFA095}" type="slidenum">
-              <a:rPr lang="en-US" smtClean="0"/>
+              <a:rPr lang="en-US" dirty="0"/>
               <a:t>‹#›</a:t>
             </a:fld>
             <a:endParaRPr lang="en-US" dirty="0"/>
@@ -350,11 +333,6 @@
         </p:txBody>
       </p:sp>
     </p:spTree>
-    <p:extLst>
-      <p:ext uri="{BB962C8B-B14F-4D97-AF65-F5344CB8AC3E}">
-        <p14:creationId xmlns:p14="http://schemas.microsoft.com/office/powerpoint/2010/main" val="1307470660"/>
-      </p:ext>
-    </p:extLst>
   </p:cSld>
   <p:clrMapOvr>
     <a:masterClrMapping/>
@@ -464,10 +442,7 @@
           <a:noFill/>
           <a:ln w="82550" cap="sq">
             <a:solidFill>
-              <a:schemeClr val="bg2">
-                <a:lumMod val="60000"/>
-                <a:lumOff val="40000"/>
-              </a:schemeClr>
+              <a:srgbClr val="EAEAEA"/>
             </a:solidFill>
             <a:miter lim="800000"/>
           </a:ln>
@@ -615,8 +590,8 @@
           <a:lstStyle/>
           <a:p>
             <a:fld id="{48A87A34-81AB-432B-8DAE-1953F412C126}" type="datetimeFigureOut">
-              <a:rPr lang="en-US" smtClean="0"/>
-              <a:t>11/28/2016</a:t>
+              <a:rPr lang="en-US" dirty="0"/>
+              <a:t>11/26/2016</a:t>
             </a:fld>
             <a:endParaRPr lang="en-US" dirty="0"/>
           </a:p>
@@ -657,7 +632,7 @@
           <a:lstStyle/>
           <a:p>
             <a:fld id="{6D22F896-40B5-4ADD-8801-0D06FADFA095}" type="slidenum">
-              <a:rPr lang="en-US" smtClean="0"/>
+              <a:rPr lang="en-US" dirty="0"/>
               <a:t>‹#›</a:t>
             </a:fld>
             <a:endParaRPr lang="en-US" dirty="0"/>
@@ -665,11 +640,6 @@
         </p:txBody>
       </p:sp>
     </p:spTree>
-    <p:extLst>
-      <p:ext uri="{BB962C8B-B14F-4D97-AF65-F5344CB8AC3E}">
-        <p14:creationId xmlns:p14="http://schemas.microsoft.com/office/powerpoint/2010/main" val="3332715402"/>
-      </p:ext>
-    </p:extLst>
   </p:cSld>
   <p:clrMapOvr>
     <a:masterClrMapping/>
@@ -837,8 +807,8 @@
           <a:lstStyle/>
           <a:p>
             <a:fld id="{48A87A34-81AB-432B-8DAE-1953F412C126}" type="datetimeFigureOut">
-              <a:rPr lang="en-US" smtClean="0"/>
-              <a:t>11/28/2016</a:t>
+              <a:rPr lang="en-US" dirty="0"/>
+              <a:t>11/26/2016</a:t>
             </a:fld>
             <a:endParaRPr lang="en-US" dirty="0"/>
           </a:p>
@@ -879,7 +849,7 @@
           <a:lstStyle/>
           <a:p>
             <a:fld id="{6D22F896-40B5-4ADD-8801-0D06FADFA095}" type="slidenum">
-              <a:rPr lang="en-US" smtClean="0"/>
+              <a:rPr lang="en-US" dirty="0"/>
               <a:t>‹#›</a:t>
             </a:fld>
             <a:endParaRPr lang="en-US" dirty="0"/>
@@ -887,11 +857,6 @@
         </p:txBody>
       </p:sp>
     </p:spTree>
-    <p:extLst>
-      <p:ext uri="{BB962C8B-B14F-4D97-AF65-F5344CB8AC3E}">
-        <p14:creationId xmlns:p14="http://schemas.microsoft.com/office/powerpoint/2010/main" val="1220603240"/>
-      </p:ext>
-    </p:extLst>
   </p:cSld>
   <p:clrMapOvr>
     <a:masterClrMapping/>
@@ -1128,8 +1093,8 @@
           <a:lstStyle/>
           <a:p>
             <a:fld id="{48A87A34-81AB-432B-8DAE-1953F412C126}" type="datetimeFigureOut">
-              <a:rPr lang="en-US" smtClean="0"/>
-              <a:t>11/28/2016</a:t>
+              <a:rPr lang="en-US" dirty="0"/>
+              <a:t>11/26/2016</a:t>
             </a:fld>
             <a:endParaRPr lang="en-US" dirty="0"/>
           </a:p>
@@ -1170,7 +1135,7 @@
           <a:lstStyle/>
           <a:p>
             <a:fld id="{6D22F896-40B5-4ADD-8801-0D06FADFA095}" type="slidenum">
-              <a:rPr lang="en-US" smtClean="0"/>
+              <a:rPr lang="en-US" dirty="0"/>
               <a:t>‹#›</a:t>
             </a:fld>
             <a:endParaRPr lang="en-US" dirty="0"/>
@@ -1410,11 +1375,6 @@
         </p:txBody>
       </p:sp>
     </p:spTree>
-    <p:extLst>
-      <p:ext uri="{BB962C8B-B14F-4D97-AF65-F5344CB8AC3E}">
-        <p14:creationId xmlns:p14="http://schemas.microsoft.com/office/powerpoint/2010/main" val="3462622200"/>
-      </p:ext>
-    </p:extLst>
   </p:cSld>
   <p:clrMapOvr>
     <a:masterClrMapping/>
@@ -1582,8 +1542,8 @@
           <a:lstStyle/>
           <a:p>
             <a:fld id="{48A87A34-81AB-432B-8DAE-1953F412C126}" type="datetimeFigureOut">
-              <a:rPr lang="en-US" smtClean="0"/>
-              <a:t>11/28/2016</a:t>
+              <a:rPr lang="en-US" dirty="0"/>
+              <a:t>11/26/2016</a:t>
             </a:fld>
             <a:endParaRPr lang="en-US" dirty="0"/>
           </a:p>
@@ -1624,7 +1584,7 @@
           <a:lstStyle/>
           <a:p>
             <a:fld id="{6D22F896-40B5-4ADD-8801-0D06FADFA095}" type="slidenum">
-              <a:rPr lang="en-US" smtClean="0"/>
+              <a:rPr lang="en-US" dirty="0"/>
               <a:t>‹#›</a:t>
             </a:fld>
             <a:endParaRPr lang="en-US" dirty="0"/>
@@ -1632,11 +1592,6 @@
         </p:txBody>
       </p:sp>
     </p:spTree>
-    <p:extLst>
-      <p:ext uri="{BB962C8B-B14F-4D97-AF65-F5344CB8AC3E}">
-        <p14:creationId xmlns:p14="http://schemas.microsoft.com/office/powerpoint/2010/main" val="3154803197"/>
-      </p:ext>
-    </p:extLst>
   </p:cSld>
   <p:clrMapOvr>
     <a:masterClrMapping/>
@@ -2158,8 +2113,8 @@
           <a:lstStyle/>
           <a:p>
             <a:fld id="{48A87A34-81AB-432B-8DAE-1953F412C126}" type="datetimeFigureOut">
-              <a:rPr lang="en-US" smtClean="0"/>
-              <a:t>11/28/2016</a:t>
+              <a:rPr lang="en-US" dirty="0"/>
+              <a:t>11/26/2016</a:t>
             </a:fld>
             <a:endParaRPr lang="en-US" dirty="0"/>
           </a:p>
@@ -2200,7 +2155,7 @@
           <a:lstStyle/>
           <a:p>
             <a:fld id="{6D22F896-40B5-4ADD-8801-0D06FADFA095}" type="slidenum">
-              <a:rPr lang="en-US" smtClean="0"/>
+              <a:rPr lang="en-US" dirty="0"/>
               <a:t>‹#›</a:t>
             </a:fld>
             <a:endParaRPr lang="en-US" dirty="0"/>
@@ -2208,11 +2163,6 @@
         </p:txBody>
       </p:sp>
     </p:spTree>
-    <p:extLst>
-      <p:ext uri="{BB962C8B-B14F-4D97-AF65-F5344CB8AC3E}">
-        <p14:creationId xmlns:p14="http://schemas.microsoft.com/office/powerpoint/2010/main" val="2535195194"/>
-      </p:ext>
-    </p:extLst>
   </p:cSld>
   <p:clrMapOvr>
     <a:masterClrMapping/>
@@ -2392,10 +2342,7 @@
           <a:noFill/>
           <a:ln w="82550" cap="sq">
             <a:solidFill>
-              <a:schemeClr val="bg2">
-                <a:lumMod val="60000"/>
-                <a:lumOff val="40000"/>
-              </a:schemeClr>
+              <a:srgbClr val="EAEAEA"/>
             </a:solidFill>
             <a:miter lim="800000"/>
           </a:ln>
@@ -2628,10 +2575,7 @@
           <a:noFill/>
           <a:ln w="82550" cap="sq">
             <a:solidFill>
-              <a:schemeClr val="bg2">
-                <a:lumMod val="60000"/>
-                <a:lumOff val="40000"/>
-              </a:schemeClr>
+              <a:srgbClr val="EAEAEA"/>
             </a:solidFill>
             <a:miter lim="800000"/>
           </a:ln>
@@ -2864,10 +2808,7 @@
           <a:noFill/>
           <a:ln w="82550" cap="sq">
             <a:solidFill>
-              <a:schemeClr val="bg2">
-                <a:lumMod val="60000"/>
-                <a:lumOff val="40000"/>
-              </a:schemeClr>
+              <a:srgbClr val="EAEAEA"/>
             </a:solidFill>
             <a:miter lim="800000"/>
           </a:ln>
@@ -3019,8 +2960,8 @@
           <a:lstStyle/>
           <a:p>
             <a:fld id="{48A87A34-81AB-432B-8DAE-1953F412C126}" type="datetimeFigureOut">
-              <a:rPr lang="en-US" smtClean="0"/>
-              <a:t>11/28/2016</a:t>
+              <a:rPr lang="en-US" dirty="0"/>
+              <a:t>11/26/2016</a:t>
             </a:fld>
             <a:endParaRPr lang="en-US" dirty="0"/>
           </a:p>
@@ -3061,7 +3002,7 @@
           <a:lstStyle/>
           <a:p>
             <a:fld id="{6D22F896-40B5-4ADD-8801-0D06FADFA095}" type="slidenum">
-              <a:rPr lang="en-US" smtClean="0"/>
+              <a:rPr lang="en-US" dirty="0"/>
               <a:t>‹#›</a:t>
             </a:fld>
             <a:endParaRPr lang="en-US" dirty="0"/>
@@ -3069,11 +3010,6 @@
         </p:txBody>
       </p:sp>
     </p:spTree>
-    <p:extLst>
-      <p:ext uri="{BB962C8B-B14F-4D97-AF65-F5344CB8AC3E}">
-        <p14:creationId xmlns:p14="http://schemas.microsoft.com/office/powerpoint/2010/main" val="4067039274"/>
-      </p:ext>
-    </p:extLst>
   </p:cSld>
   <p:clrMapOvr>
     <a:masterClrMapping/>
@@ -3224,8 +3160,8 @@
           <a:lstStyle/>
           <a:p>
             <a:fld id="{48A87A34-81AB-432B-8DAE-1953F412C126}" type="datetimeFigureOut">
-              <a:rPr lang="en-US" smtClean="0"/>
-              <a:t>11/28/2016</a:t>
+              <a:rPr lang="en-US" dirty="0"/>
+              <a:t>11/26/2016</a:t>
             </a:fld>
             <a:endParaRPr lang="en-US" dirty="0"/>
           </a:p>
@@ -3266,7 +3202,7 @@
           <a:lstStyle/>
           <a:p>
             <a:fld id="{6D22F896-40B5-4ADD-8801-0D06FADFA095}" type="slidenum">
-              <a:rPr lang="en-US" smtClean="0"/>
+              <a:rPr lang="en-US" dirty="0"/>
               <a:t>‹#›</a:t>
             </a:fld>
             <a:endParaRPr lang="en-US" dirty="0"/>
@@ -3274,11 +3210,6 @@
         </p:txBody>
       </p:sp>
     </p:spTree>
-    <p:extLst>
-      <p:ext uri="{BB962C8B-B14F-4D97-AF65-F5344CB8AC3E}">
-        <p14:creationId xmlns:p14="http://schemas.microsoft.com/office/powerpoint/2010/main" val="3528591054"/>
-      </p:ext>
-    </p:extLst>
   </p:cSld>
   <p:clrMapOvr>
     <a:masterClrMapping/>
@@ -3438,8 +3369,8 @@
           <a:lstStyle/>
           <a:p>
             <a:fld id="{48A87A34-81AB-432B-8DAE-1953F412C126}" type="datetimeFigureOut">
-              <a:rPr lang="en-US" smtClean="0"/>
-              <a:t>11/28/2016</a:t>
+              <a:rPr lang="en-US" dirty="0"/>
+              <a:t>11/26/2016</a:t>
             </a:fld>
             <a:endParaRPr lang="en-US" dirty="0"/>
           </a:p>
@@ -3480,7 +3411,7 @@
           <a:lstStyle/>
           <a:p>
             <a:fld id="{6D22F896-40B5-4ADD-8801-0D06FADFA095}" type="slidenum">
-              <a:rPr lang="en-US" smtClean="0"/>
+              <a:rPr lang="en-US" dirty="0"/>
               <a:t>‹#›</a:t>
             </a:fld>
             <a:endParaRPr lang="en-US" dirty="0"/>
@@ -3488,11 +3419,6 @@
         </p:txBody>
       </p:sp>
     </p:spTree>
-    <p:extLst>
-      <p:ext uri="{BB962C8B-B14F-4D97-AF65-F5344CB8AC3E}">
-        <p14:creationId xmlns:p14="http://schemas.microsoft.com/office/powerpoint/2010/main" val="1873772548"/>
-      </p:ext>
-    </p:extLst>
   </p:cSld>
   <p:clrMapOvr>
     <a:masterClrMapping/>
@@ -3643,8 +3569,8 @@
           <a:lstStyle/>
           <a:p>
             <a:fld id="{48A87A34-81AB-432B-8DAE-1953F412C126}" type="datetimeFigureOut">
-              <a:rPr lang="en-US" smtClean="0"/>
-              <a:t>11/28/2016</a:t>
+              <a:rPr lang="en-US" dirty="0"/>
+              <a:t>11/26/2016</a:t>
             </a:fld>
             <a:endParaRPr lang="en-US" dirty="0"/>
           </a:p>
@@ -3685,7 +3611,7 @@
           <a:lstStyle/>
           <a:p>
             <a:fld id="{6D22F896-40B5-4ADD-8801-0D06FADFA095}" type="slidenum">
-              <a:rPr lang="en-US" smtClean="0"/>
+              <a:rPr lang="en-US" dirty="0"/>
               <a:t>‹#›</a:t>
             </a:fld>
             <a:endParaRPr lang="en-US" dirty="0"/>
@@ -3693,11 +3619,6 @@
         </p:txBody>
       </p:sp>
     </p:spTree>
-    <p:extLst>
-      <p:ext uri="{BB962C8B-B14F-4D97-AF65-F5344CB8AC3E}">
-        <p14:creationId xmlns:p14="http://schemas.microsoft.com/office/powerpoint/2010/main" val="4280038591"/>
-      </p:ext>
-    </p:extLst>
   </p:cSld>
   <p:clrMapOvr>
     <a:masterClrMapping/>
@@ -3923,8 +3844,8 @@
           <a:lstStyle/>
           <a:p>
             <a:fld id="{48A87A34-81AB-432B-8DAE-1953F412C126}" type="datetimeFigureOut">
-              <a:rPr lang="en-US" smtClean="0"/>
-              <a:t>11/28/2016</a:t>
+              <a:rPr lang="en-US" dirty="0"/>
+              <a:t>11/26/2016</a:t>
             </a:fld>
             <a:endParaRPr lang="en-US" dirty="0"/>
           </a:p>
@@ -3965,7 +3886,7 @@
           <a:lstStyle/>
           <a:p>
             <a:fld id="{6D22F896-40B5-4ADD-8801-0D06FADFA095}" type="slidenum">
-              <a:rPr lang="en-US" smtClean="0"/>
+              <a:rPr lang="en-US" dirty="0"/>
               <a:t>‹#›</a:t>
             </a:fld>
             <a:endParaRPr lang="en-US" dirty="0"/>
@@ -3973,11 +3894,6 @@
         </p:txBody>
       </p:sp>
     </p:spTree>
-    <p:extLst>
-      <p:ext uri="{BB962C8B-B14F-4D97-AF65-F5344CB8AC3E}">
-        <p14:creationId xmlns:p14="http://schemas.microsoft.com/office/powerpoint/2010/main" val="2478303378"/>
-      </p:ext>
-    </p:extLst>
   </p:cSld>
   <p:clrMapOvr>
     <a:masterClrMapping/>
@@ -4190,8 +4106,8 @@
           <a:lstStyle/>
           <a:p>
             <a:fld id="{48A87A34-81AB-432B-8DAE-1953F412C126}" type="datetimeFigureOut">
-              <a:rPr lang="en-US" smtClean="0"/>
-              <a:t>11/28/2016</a:t>
+              <a:rPr lang="en-US" dirty="0"/>
+              <a:t>11/26/2016</a:t>
             </a:fld>
             <a:endParaRPr lang="en-US" dirty="0"/>
           </a:p>
@@ -4232,7 +4148,7 @@
           <a:lstStyle/>
           <a:p>
             <a:fld id="{6D22F896-40B5-4ADD-8801-0D06FADFA095}" type="slidenum">
-              <a:rPr lang="en-US" smtClean="0"/>
+              <a:rPr lang="en-US" dirty="0"/>
               <a:t>‹#›</a:t>
             </a:fld>
             <a:endParaRPr lang="en-US" dirty="0"/>
@@ -4240,11 +4156,6 @@
         </p:txBody>
       </p:sp>
     </p:spTree>
-    <p:extLst>
-      <p:ext uri="{BB962C8B-B14F-4D97-AF65-F5344CB8AC3E}">
-        <p14:creationId xmlns:p14="http://schemas.microsoft.com/office/powerpoint/2010/main" val="2417355365"/>
-      </p:ext>
-    </p:extLst>
   </p:cSld>
   <p:clrMapOvr>
     <a:masterClrMapping/>
@@ -4605,8 +4516,8 @@
           <a:lstStyle/>
           <a:p>
             <a:fld id="{48A87A34-81AB-432B-8DAE-1953F412C126}" type="datetimeFigureOut">
-              <a:rPr lang="en-US" smtClean="0"/>
-              <a:t>11/28/2016</a:t>
+              <a:rPr lang="en-US" dirty="0"/>
+              <a:t>11/26/2016</a:t>
             </a:fld>
             <a:endParaRPr lang="en-US" dirty="0"/>
           </a:p>
@@ -4647,7 +4558,7 @@
           <a:lstStyle/>
           <a:p>
             <a:fld id="{6D22F896-40B5-4ADD-8801-0D06FADFA095}" type="slidenum">
-              <a:rPr lang="en-US" smtClean="0"/>
+              <a:rPr lang="en-US" dirty="0"/>
               <a:t>‹#›</a:t>
             </a:fld>
             <a:endParaRPr lang="en-US" dirty="0"/>
@@ -4655,11 +4566,6 @@
         </p:txBody>
       </p:sp>
     </p:spTree>
-    <p:extLst>
-      <p:ext uri="{BB962C8B-B14F-4D97-AF65-F5344CB8AC3E}">
-        <p14:creationId xmlns:p14="http://schemas.microsoft.com/office/powerpoint/2010/main" val="3108725078"/>
-      </p:ext>
-    </p:extLst>
   </p:cSld>
   <p:clrMapOvr>
     <a:masterClrMapping/>
@@ -4753,8 +4659,8 @@
           <a:lstStyle/>
           <a:p>
             <a:fld id="{48A87A34-81AB-432B-8DAE-1953F412C126}" type="datetimeFigureOut">
-              <a:rPr lang="en-US" smtClean="0"/>
-              <a:t>11/28/2016</a:t>
+              <a:rPr lang="en-US" dirty="0"/>
+              <a:t>11/26/2016</a:t>
             </a:fld>
             <a:endParaRPr lang="en-US" dirty="0"/>
           </a:p>
@@ -4795,7 +4701,7 @@
           <a:lstStyle/>
           <a:p>
             <a:fld id="{6D22F896-40B5-4ADD-8801-0D06FADFA095}" type="slidenum">
-              <a:rPr lang="en-US" smtClean="0"/>
+              <a:rPr lang="en-US" dirty="0"/>
               <a:t>‹#›</a:t>
             </a:fld>
             <a:endParaRPr lang="en-US" dirty="0"/>
@@ -4803,11 +4709,6 @@
         </p:txBody>
       </p:sp>
     </p:spTree>
-    <p:extLst>
-      <p:ext uri="{BB962C8B-B14F-4D97-AF65-F5344CB8AC3E}">
-        <p14:creationId xmlns:p14="http://schemas.microsoft.com/office/powerpoint/2010/main" val="153151912"/>
-      </p:ext>
-    </p:extLst>
   </p:cSld>
   <p:clrMapOvr>
     <a:masterClrMapping/>
@@ -4878,8 +4779,8 @@
           <a:lstStyle/>
           <a:p>
             <a:fld id="{48A87A34-81AB-432B-8DAE-1953F412C126}" type="datetimeFigureOut">
-              <a:rPr lang="en-US" smtClean="0"/>
-              <a:t>11/28/2016</a:t>
+              <a:rPr lang="en-US" dirty="0"/>
+              <a:t>11/26/2016</a:t>
             </a:fld>
             <a:endParaRPr lang="en-US" dirty="0"/>
           </a:p>
@@ -4920,7 +4821,7 @@
           <a:lstStyle/>
           <a:p>
             <a:fld id="{6D22F896-40B5-4ADD-8801-0D06FADFA095}" type="slidenum">
-              <a:rPr lang="en-US" smtClean="0"/>
+              <a:rPr lang="en-US" dirty="0"/>
               <a:t>‹#›</a:t>
             </a:fld>
             <a:endParaRPr lang="en-US" dirty="0"/>
@@ -4928,11 +4829,6 @@
         </p:txBody>
       </p:sp>
     </p:spTree>
-    <p:extLst>
-      <p:ext uri="{BB962C8B-B14F-4D97-AF65-F5344CB8AC3E}">
-        <p14:creationId xmlns:p14="http://schemas.microsoft.com/office/powerpoint/2010/main" val="29072361"/>
-      </p:ext>
-    </p:extLst>
   </p:cSld>
   <p:clrMapOvr>
     <a:masterClrMapping/>
@@ -5157,8 +5053,8 @@
           <a:lstStyle/>
           <a:p>
             <a:fld id="{48A87A34-81AB-432B-8DAE-1953F412C126}" type="datetimeFigureOut">
-              <a:rPr lang="en-US" smtClean="0"/>
-              <a:t>11/28/2016</a:t>
+              <a:rPr lang="en-US" dirty="0"/>
+              <a:t>11/26/2016</a:t>
             </a:fld>
             <a:endParaRPr lang="en-US" dirty="0"/>
           </a:p>
@@ -5199,7 +5095,7 @@
           <a:lstStyle/>
           <a:p>
             <a:fld id="{6D22F896-40B5-4ADD-8801-0D06FADFA095}" type="slidenum">
-              <a:rPr lang="en-US" smtClean="0"/>
+              <a:rPr lang="en-US" dirty="0"/>
               <a:t>‹#›</a:t>
             </a:fld>
             <a:endParaRPr lang="en-US" dirty="0"/>
@@ -5207,11 +5103,6 @@
         </p:txBody>
       </p:sp>
     </p:spTree>
-    <p:extLst>
-      <p:ext uri="{BB962C8B-B14F-4D97-AF65-F5344CB8AC3E}">
-        <p14:creationId xmlns:p14="http://schemas.microsoft.com/office/powerpoint/2010/main" val="3326224782"/>
-      </p:ext>
-    </p:extLst>
   </p:cSld>
   <p:clrMapOvr>
     <a:masterClrMapping/>
@@ -5321,10 +5212,7 @@
           <a:noFill/>
           <a:ln w="82550" cap="sq">
             <a:solidFill>
-              <a:schemeClr val="bg2">
-                <a:lumMod val="60000"/>
-                <a:lumOff val="40000"/>
-              </a:schemeClr>
+              <a:srgbClr val="EAEAEA"/>
             </a:solidFill>
             <a:miter lim="800000"/>
           </a:ln>
@@ -5472,8 +5360,8 @@
           <a:lstStyle/>
           <a:p>
             <a:fld id="{48A87A34-81AB-432B-8DAE-1953F412C126}" type="datetimeFigureOut">
-              <a:rPr lang="en-US" smtClean="0"/>
-              <a:t>11/28/2016</a:t>
+              <a:rPr lang="en-US" dirty="0"/>
+              <a:t>11/26/2016</a:t>
             </a:fld>
             <a:endParaRPr lang="en-US" dirty="0"/>
           </a:p>
@@ -5514,7 +5402,7 @@
           <a:lstStyle/>
           <a:p>
             <a:fld id="{6D22F896-40B5-4ADD-8801-0D06FADFA095}" type="slidenum">
-              <a:rPr lang="en-US" smtClean="0"/>
+              <a:rPr lang="en-US" dirty="0"/>
               <a:t>‹#›</a:t>
             </a:fld>
             <a:endParaRPr lang="en-US" dirty="0"/>
@@ -5522,11 +5410,6 @@
         </p:txBody>
       </p:sp>
     </p:spTree>
-    <p:extLst>
-      <p:ext uri="{BB962C8B-B14F-4D97-AF65-F5344CB8AC3E}">
-        <p14:creationId xmlns:p14="http://schemas.microsoft.com/office/powerpoint/2010/main" val="1829097023"/>
-      </p:ext>
-    </p:extLst>
   </p:cSld>
   <p:clrMapOvr>
     <a:masterClrMapping/>
@@ -5538,8 +5421,8 @@
 <p:sldMaster xmlns:a="http://schemas.openxmlformats.org/drawingml/2006/main" xmlns:r="http://schemas.openxmlformats.org/officeDocument/2006/relationships" xmlns:p="http://schemas.openxmlformats.org/presentationml/2006/main">
   <p:cSld>
     <p:bg>
-      <p:bgRef idx="1003">
-        <a:schemeClr val="bg2"/>
+      <p:bgRef idx="1002">
+        <a:schemeClr val="bg1"/>
       </p:bgRef>
     </p:bg>
     <p:spTree>
@@ -5566,7 +5449,7 @@
         </p:nvPicPr>
         <p:blipFill>
           <a:blip r:embed="rId19">
-            <a:alphaModFix amt="70000"/>
+            <a:alphaModFix/>
             <a:extLst>
               <a:ext uri="{28A0092B-C50C-407E-A947-70E740481C1C}">
                 <a14:useLocalDpi xmlns:a14="http://schemas.microsoft.com/office/drawing/2010/main" val="0"/>
@@ -5580,7 +5463,7 @@
         </p:blipFill>
         <p:spPr bwMode="auto">
           <a:xfrm>
-            <a:off x="0" y="0"/>
+            <a:off x="0" y="-1"/>
             <a:ext cx="12192003" cy="6858001"/>
           </a:xfrm>
           <a:prstGeom prst="rect">
@@ -5725,9 +5608,9 @@
           </a:lstStyle>
           <a:p>
             <a:fld id="{48A87A34-81AB-432B-8DAE-1953F412C126}" type="datetimeFigureOut">
-              <a:rPr lang="en-US" smtClean="0"/>
+              <a:rPr lang="en-US" dirty="0"/>
               <a:pPr/>
-              <a:t>11/28/2016</a:t>
+              <a:t>11/26/2016</a:t>
             </a:fld>
             <a:endParaRPr lang="en-US" dirty="0"/>
           </a:p>
@@ -5800,7 +5683,7 @@
           </a:lstStyle>
           <a:p>
             <a:fld id="{6D22F896-40B5-4ADD-8801-0D06FADFA095}" type="slidenum">
-              <a:rPr lang="en-US" smtClean="0"/>
+              <a:rPr lang="en-US" dirty="0"/>
               <a:pPr/>
               <a:t>‹#›</a:t>
             </a:fld>
@@ -5809,31 +5692,26 @@
         </p:txBody>
       </p:sp>
     </p:spTree>
-    <p:extLst>
-      <p:ext uri="{BB962C8B-B14F-4D97-AF65-F5344CB8AC3E}">
-        <p14:creationId xmlns:p14="http://schemas.microsoft.com/office/powerpoint/2010/main" val="1535694775"/>
-      </p:ext>
-    </p:extLst>
   </p:cSld>
   <p:clrMap bg1="lt1" tx1="dk1" bg2="lt2" tx2="dk2" accent1="accent1" accent2="accent2" accent3="accent3" accent4="accent4" accent5="accent5" accent6="accent6" hlink="hlink" folHlink="folHlink"/>
   <p:sldLayoutIdLst>
-    <p:sldLayoutId id="2147483670" r:id="rId1"/>
-    <p:sldLayoutId id="2147483671" r:id="rId2"/>
-    <p:sldLayoutId id="2147483672" r:id="rId3"/>
-    <p:sldLayoutId id="2147483673" r:id="rId4"/>
-    <p:sldLayoutId id="2147483674" r:id="rId5"/>
-    <p:sldLayoutId id="2147483675" r:id="rId6"/>
-    <p:sldLayoutId id="2147483676" r:id="rId7"/>
-    <p:sldLayoutId id="2147483677" r:id="rId8"/>
-    <p:sldLayoutId id="2147483678" r:id="rId9"/>
-    <p:sldLayoutId id="2147483679" r:id="rId10"/>
-    <p:sldLayoutId id="2147483680" r:id="rId11"/>
-    <p:sldLayoutId id="2147483681" r:id="rId12"/>
-    <p:sldLayoutId id="2147483682" r:id="rId13"/>
-    <p:sldLayoutId id="2147483683" r:id="rId14"/>
-    <p:sldLayoutId id="2147483684" r:id="rId15"/>
-    <p:sldLayoutId id="2147483685" r:id="rId16"/>
-    <p:sldLayoutId id="2147483686" r:id="rId17"/>
+    <p:sldLayoutId id="2147483649" r:id="rId1"/>
+    <p:sldLayoutId id="2147483650" r:id="rId2"/>
+    <p:sldLayoutId id="2147483651" r:id="rId3"/>
+    <p:sldLayoutId id="2147483652" r:id="rId4"/>
+    <p:sldLayoutId id="2147483653" r:id="rId5"/>
+    <p:sldLayoutId id="2147483654" r:id="rId6"/>
+    <p:sldLayoutId id="2147483655" r:id="rId7"/>
+    <p:sldLayoutId id="2147483656" r:id="rId8"/>
+    <p:sldLayoutId id="2147483657" r:id="rId9"/>
+    <p:sldLayoutId id="2147483660" r:id="rId10"/>
+    <p:sldLayoutId id="2147483661" r:id="rId11"/>
+    <p:sldLayoutId id="2147483666" r:id="rId12"/>
+    <p:sldLayoutId id="2147483663" r:id="rId13"/>
+    <p:sldLayoutId id="2147483667" r:id="rId14"/>
+    <p:sldLayoutId id="2147483668" r:id="rId15"/>
+    <p:sldLayoutId id="2147483658" r:id="rId16"/>
+    <p:sldLayoutId id="2147483659" r:id="rId17"/>
   </p:sldLayoutIdLst>
   <p:txStyles>
     <p:titleStyle>
@@ -6195,11 +6073,15 @@
           <a:lstStyle/>
           <a:p>
             <a:r>
-              <a:rPr lang="en-US" sz="7200" cap="none" dirty="0">
+              <a:rPr lang="en-US" sz="7200" dirty="0">
                 <a:latin typeface="Times New Roman" panose="02020603050405020304" pitchFamily="18" charset="0"/>
                 <a:cs typeface="Times New Roman" panose="02020603050405020304" pitchFamily="18" charset="0"/>
               </a:rPr>
-              <a:t>TWITTER HERON</a:t>
+              <a:t>Twitter</a:t>
+            </a:r>
+            <a:r>
+              <a:rPr lang="en-US" sz="7200" dirty="0"/>
+              <a:t> Heron</a:t>
             </a:r>
           </a:p>
         </p:txBody>
@@ -6216,8 +6098,8 @@
         </p:nvSpPr>
         <p:spPr>
           <a:xfrm>
-            <a:off x="1751012" y="3180522"/>
-            <a:ext cx="9645858" cy="2984608"/>
+            <a:off x="1751012" y="3886200"/>
+            <a:ext cx="8689976" cy="2278930"/>
           </a:xfrm>
         </p:spPr>
         <p:txBody>
@@ -6232,36 +6114,66 @@
                   <a:schemeClr val="tx1"/>
                 </a:solidFill>
               </a:rPr>
-              <a:t>	</a:t>
-            </a:r>
-            <a:r>
-              <a:rPr lang="en-US" sz="4000" b="1" cap="none" dirty="0">
+              <a:t>						</a:t>
+            </a:r>
+            <a:r>
+              <a:rPr lang="en-US" sz="3200" dirty="0">
                 <a:solidFill>
                   <a:schemeClr val="tx1"/>
                 </a:solidFill>
                 <a:latin typeface="Times New Roman" panose="02020603050405020304" pitchFamily="18" charset="0"/>
                 <a:cs typeface="Times New Roman" panose="02020603050405020304" pitchFamily="18" charset="0"/>
               </a:rPr>
-              <a:t>By</a:t>
+              <a:t>	By</a:t>
             </a:r>
           </a:p>
           <a:p>
             <a:pPr algn="r"/>
             <a:r>
-              <a:rPr lang="en-US" sz="4000" b="1" cap="none" dirty="0">
+              <a:rPr lang="en-US" sz="3200" dirty="0" err="1">
                 <a:solidFill>
                   <a:schemeClr val="tx1"/>
                 </a:solidFill>
                 <a:latin typeface="Times New Roman" panose="02020603050405020304" pitchFamily="18" charset="0"/>
                 <a:cs typeface="Times New Roman" panose="02020603050405020304" pitchFamily="18" charset="0"/>
               </a:rPr>
-              <a:t>Akhilesh Gattu (5)</a:t>
+              <a:t>Akhilesh</a:t>
+            </a:r>
+            <a:r>
+              <a:rPr lang="en-US" sz="3200" dirty="0">
+                <a:solidFill>
+                  <a:schemeClr val="tx1"/>
+                </a:solidFill>
+                <a:latin typeface="Times New Roman" panose="02020603050405020304" pitchFamily="18" charset="0"/>
+                <a:cs typeface="Times New Roman" panose="02020603050405020304" pitchFamily="18" charset="0"/>
+              </a:rPr>
+              <a:t> </a:t>
+            </a:r>
+            <a:r>
+              <a:rPr lang="en-US" sz="3200" dirty="0" err="1">
+                <a:solidFill>
+                  <a:schemeClr val="tx1"/>
+                </a:solidFill>
+                <a:latin typeface="Times New Roman" panose="02020603050405020304" pitchFamily="18" charset="0"/>
+                <a:cs typeface="Times New Roman" panose="02020603050405020304" pitchFamily="18" charset="0"/>
+              </a:rPr>
+              <a:t>Gattu</a:t>
+            </a:r>
+            <a:r>
+              <a:rPr lang="en-US" sz="3200" dirty="0">
+                <a:solidFill>
+                  <a:schemeClr val="tx1"/>
+                </a:solidFill>
+                <a:latin typeface="Times New Roman" panose="02020603050405020304" pitchFamily="18" charset="0"/>
+                <a:cs typeface="Times New Roman" panose="02020603050405020304" pitchFamily="18" charset="0"/>
+              </a:rPr>
+              <a:t> (5)</a:t>
             </a:r>
           </a:p>
           <a:p>
             <a:pPr algn="r"/>
             <a:r>
-              <a:rPr lang="en-US" sz="4000" b="1" cap="none" dirty="0">
+              <a:rPr lang="en-US" sz="3200" dirty="0">
                 <a:solidFill>
                   <a:schemeClr val="tx1"/>
                 </a:solidFill>
@@ -6271,7 +6183,7 @@
               <a:t>Latha Muddu (15</a:t>
             </a:r>
             <a:r>
-              <a:rPr lang="en-US" sz="4000" b="1" cap="none" dirty="0">
+              <a:rPr lang="en-US" sz="3200" dirty="0">
                 <a:solidFill>
                   <a:schemeClr val="tx1"/>
                 </a:solidFill>
@@ -6285,809 +6197,6 @@
     <p:extLst>
       <p:ext uri="{BB962C8B-B14F-4D97-AF65-F5344CB8AC3E}">
         <p14:creationId xmlns:p14="http://schemas.microsoft.com/office/powerpoint/2010/main" val="3977623874"/>
-      </p:ext>
-    </p:extLst>
-  </p:cSld>
-  <p:clrMapOvr>
-    <a:masterClrMapping/>
-  </p:clrMapOvr>
-</p:sld>
-</file>
-
-<file path=ppt/slides/slide10.xml><?xml version="1.0" encoding="utf-8"?>
-<p:sld xmlns:a="http://schemas.openxmlformats.org/drawingml/2006/main" xmlns:r="http://schemas.openxmlformats.org/officeDocument/2006/relationships" xmlns:p="http://schemas.openxmlformats.org/presentationml/2006/main">
-  <p:cSld>
-    <p:spTree>
-      <p:nvGrpSpPr>
-        <p:cNvPr id="1" name=""/>
-        <p:cNvGrpSpPr/>
-        <p:nvPr/>
-      </p:nvGrpSpPr>
-      <p:grpSpPr>
-        <a:xfrm>
-          <a:off x="0" y="0"/>
-          <a:ext cx="0" cy="0"/>
-          <a:chOff x="0" y="0"/>
-          <a:chExt cx="0" cy="0"/>
-        </a:xfrm>
-      </p:grpSpPr>
-      <p:sp>
-        <p:nvSpPr>
-          <p:cNvPr id="2" name="Title 1"/>
-          <p:cNvSpPr>
-            <a:spLocks noGrp="1"/>
-          </p:cNvSpPr>
-          <p:nvPr>
-            <p:ph type="title"/>
-          </p:nvPr>
-        </p:nvSpPr>
-        <p:spPr/>
-        <p:txBody>
-          <a:bodyPr>
-            <a:normAutofit/>
-          </a:bodyPr>
-          <a:lstStyle/>
-          <a:p>
-            <a:r>
-              <a:rPr lang="en-US" sz="4000" dirty="0">
-                <a:latin typeface="Times New Roman" panose="02020603050405020304" pitchFamily="18" charset="0"/>
-                <a:cs typeface="Times New Roman" panose="02020603050405020304" pitchFamily="18" charset="0"/>
-              </a:rPr>
-              <a:t>Heron vs storm Throughput and end to end latency</a:t>
-            </a:r>
-          </a:p>
-        </p:txBody>
-      </p:sp>
-      <p:pic>
-        <p:nvPicPr>
-          <p:cNvPr id="8" name="Content Placeholder 7"/>
-          <p:cNvPicPr>
-            <a:picLocks noGrp="1" noChangeAspect="1"/>
-          </p:cNvPicPr>
-          <p:nvPr>
-            <p:ph sz="quarter" idx="13"/>
-          </p:nvPr>
-        </p:nvPicPr>
-        <p:blipFill>
-          <a:blip r:embed="rId2"/>
-          <a:stretch>
-            <a:fillRect/>
-          </a:stretch>
-        </p:blipFill>
-        <p:spPr>
-          <a:xfrm>
-            <a:off x="1519237" y="2640806"/>
-            <a:ext cx="3895725" cy="2876550"/>
-          </a:xfrm>
-        </p:spPr>
-      </p:pic>
-      <p:pic>
-        <p:nvPicPr>
-          <p:cNvPr id="9" name="Content Placeholder 8"/>
-          <p:cNvPicPr>
-            <a:picLocks noGrp="1" noChangeAspect="1"/>
-          </p:cNvPicPr>
-          <p:nvPr>
-            <p:ph sz="quarter" idx="14"/>
-          </p:nvPr>
-        </p:nvPicPr>
-        <p:blipFill>
-          <a:blip r:embed="rId3"/>
-          <a:stretch>
-            <a:fillRect/>
-          </a:stretch>
-        </p:blipFill>
-        <p:spPr>
-          <a:xfrm>
-            <a:off x="6715125" y="2655094"/>
-            <a:ext cx="4019550" cy="2847975"/>
-          </a:xfrm>
-        </p:spPr>
-      </p:pic>
-    </p:spTree>
-    <p:extLst>
-      <p:ext uri="{BB962C8B-B14F-4D97-AF65-F5344CB8AC3E}">
-        <p14:creationId xmlns:p14="http://schemas.microsoft.com/office/powerpoint/2010/main" val="1357883946"/>
-      </p:ext>
-    </p:extLst>
-  </p:cSld>
-  <p:clrMapOvr>
-    <a:masterClrMapping/>
-  </p:clrMapOvr>
-</p:sld>
-</file>
-
-<file path=ppt/slides/slide11.xml><?xml version="1.0" encoding="utf-8"?>
-<p:sld xmlns:a="http://schemas.openxmlformats.org/drawingml/2006/main" xmlns:r="http://schemas.openxmlformats.org/officeDocument/2006/relationships" xmlns:p="http://schemas.openxmlformats.org/presentationml/2006/main">
-  <p:cSld>
-    <p:spTree>
-      <p:nvGrpSpPr>
-        <p:cNvPr id="1" name=""/>
-        <p:cNvGrpSpPr/>
-        <p:nvPr/>
-      </p:nvGrpSpPr>
-      <p:grpSpPr>
-        <a:xfrm>
-          <a:off x="0" y="0"/>
-          <a:ext cx="0" cy="0"/>
-          <a:chOff x="0" y="0"/>
-          <a:chExt cx="0" cy="0"/>
-        </a:xfrm>
-      </p:grpSpPr>
-      <p:sp>
-        <p:nvSpPr>
-          <p:cNvPr id="2" name="Title 1"/>
-          <p:cNvSpPr>
-            <a:spLocks noGrp="1"/>
-          </p:cNvSpPr>
-          <p:nvPr>
-            <p:ph type="title"/>
-          </p:nvPr>
-        </p:nvSpPr>
-        <p:spPr/>
-        <p:txBody>
-          <a:bodyPr>
-            <a:normAutofit/>
-          </a:bodyPr>
-          <a:lstStyle/>
-          <a:p>
-            <a:r>
-              <a:rPr lang="en-US" sz="4000" dirty="0">
-                <a:latin typeface="Times New Roman" panose="02020603050405020304" pitchFamily="18" charset="0"/>
-                <a:cs typeface="Times New Roman" panose="02020603050405020304" pitchFamily="18" charset="0"/>
-              </a:rPr>
-              <a:t>Heron vs storm </a:t>
-            </a:r>
-            <a:r>
-              <a:rPr lang="en-US" sz="4000" dirty="0" err="1">
-                <a:latin typeface="Times New Roman" panose="02020603050405020304" pitchFamily="18" charset="0"/>
-                <a:cs typeface="Times New Roman" panose="02020603050405020304" pitchFamily="18" charset="0"/>
-              </a:rPr>
-              <a:t>cpu</a:t>
-            </a:r>
-            <a:r>
-              <a:rPr lang="en-US" sz="4000" dirty="0">
-                <a:latin typeface="Times New Roman" panose="02020603050405020304" pitchFamily="18" charset="0"/>
-                <a:cs typeface="Times New Roman" panose="02020603050405020304" pitchFamily="18" charset="0"/>
-              </a:rPr>
-              <a:t> usage</a:t>
-            </a:r>
-          </a:p>
-        </p:txBody>
-      </p:sp>
-      <p:pic>
-        <p:nvPicPr>
-          <p:cNvPr id="5" name="Content Placeholder 4"/>
-          <p:cNvPicPr>
-            <a:picLocks noGrp="1" noChangeAspect="1"/>
-          </p:cNvPicPr>
-          <p:nvPr>
-            <p:ph sz="quarter" idx="13"/>
-          </p:nvPr>
-        </p:nvPicPr>
-        <p:blipFill>
-          <a:blip r:embed="rId2"/>
-          <a:stretch>
-            <a:fillRect/>
-          </a:stretch>
-        </p:blipFill>
-        <p:spPr>
-          <a:xfrm>
-            <a:off x="4114800" y="2650331"/>
-            <a:ext cx="3962400" cy="2857500"/>
-          </a:xfrm>
-        </p:spPr>
-      </p:pic>
-    </p:spTree>
-    <p:extLst>
-      <p:ext uri="{BB962C8B-B14F-4D97-AF65-F5344CB8AC3E}">
-        <p14:creationId xmlns:p14="http://schemas.microsoft.com/office/powerpoint/2010/main" val="225052243"/>
-      </p:ext>
-    </p:extLst>
-  </p:cSld>
-  <p:clrMapOvr>
-    <a:masterClrMapping/>
-  </p:clrMapOvr>
-</p:sld>
-</file>
-
-<file path=ppt/slides/slide12.xml><?xml version="1.0" encoding="utf-8"?>
-<p:sld xmlns:a="http://schemas.openxmlformats.org/drawingml/2006/main" xmlns:r="http://schemas.openxmlformats.org/officeDocument/2006/relationships" xmlns:p="http://schemas.openxmlformats.org/presentationml/2006/main">
-  <p:cSld>
-    <p:spTree>
-      <p:nvGrpSpPr>
-        <p:cNvPr id="1" name=""/>
-        <p:cNvGrpSpPr/>
-        <p:nvPr/>
-      </p:nvGrpSpPr>
-      <p:grpSpPr>
-        <a:xfrm>
-          <a:off x="0" y="0"/>
-          <a:ext cx="0" cy="0"/>
-          <a:chOff x="0" y="0"/>
-          <a:chExt cx="0" cy="0"/>
-        </a:xfrm>
-      </p:grpSpPr>
-      <p:sp>
-        <p:nvSpPr>
-          <p:cNvPr id="2" name="Title 1"/>
-          <p:cNvSpPr>
-            <a:spLocks noGrp="1"/>
-          </p:cNvSpPr>
-          <p:nvPr>
-            <p:ph type="title"/>
-          </p:nvPr>
-        </p:nvSpPr>
-        <p:spPr/>
-        <p:txBody>
-          <a:bodyPr>
-            <a:normAutofit/>
-          </a:bodyPr>
-          <a:lstStyle/>
-          <a:p>
-            <a:r>
-              <a:rPr lang="en-US" sz="4000" dirty="0">
-                <a:latin typeface="Times New Roman" panose="02020603050405020304" pitchFamily="18" charset="0"/>
-                <a:cs typeface="Times New Roman" panose="02020603050405020304" pitchFamily="18" charset="0"/>
-              </a:rPr>
-              <a:t>Explanation</a:t>
-            </a:r>
-          </a:p>
-        </p:txBody>
-      </p:sp>
-      <p:sp>
-        <p:nvSpPr>
-          <p:cNvPr id="3" name="Content Placeholder 2"/>
-          <p:cNvSpPr>
-            <a:spLocks noGrp="1"/>
-          </p:cNvSpPr>
-          <p:nvPr>
-            <p:ph sz="quarter" idx="13"/>
-          </p:nvPr>
-        </p:nvSpPr>
-        <p:spPr/>
-        <p:txBody>
-          <a:bodyPr/>
-          <a:lstStyle/>
-          <a:p>
-            <a:endParaRPr lang="en-US" dirty="0"/>
-          </a:p>
-        </p:txBody>
-      </p:sp>
-    </p:spTree>
-    <p:extLst>
-      <p:ext uri="{BB962C8B-B14F-4D97-AF65-F5344CB8AC3E}">
-        <p14:creationId xmlns:p14="http://schemas.microsoft.com/office/powerpoint/2010/main" val="3533341985"/>
-      </p:ext>
-    </p:extLst>
-  </p:cSld>
-  <p:clrMapOvr>
-    <a:masterClrMapping/>
-  </p:clrMapOvr>
-</p:sld>
-</file>
-
-<file path=ppt/slides/slide13.xml><?xml version="1.0" encoding="utf-8"?>
-<p:sld xmlns:a="http://schemas.openxmlformats.org/drawingml/2006/main" xmlns:r="http://schemas.openxmlformats.org/officeDocument/2006/relationships" xmlns:p="http://schemas.openxmlformats.org/presentationml/2006/main">
-  <p:cSld>
-    <p:spTree>
-      <p:nvGrpSpPr>
-        <p:cNvPr id="1" name=""/>
-        <p:cNvGrpSpPr/>
-        <p:nvPr/>
-      </p:nvGrpSpPr>
-      <p:grpSpPr>
-        <a:xfrm>
-          <a:off x="0" y="0"/>
-          <a:ext cx="0" cy="0"/>
-          <a:chOff x="0" y="0"/>
-          <a:chExt cx="0" cy="0"/>
-        </a:xfrm>
-      </p:grpSpPr>
-      <p:sp>
-        <p:nvSpPr>
-          <p:cNvPr id="2" name="Title 1"/>
-          <p:cNvSpPr>
-            <a:spLocks noGrp="1"/>
-          </p:cNvSpPr>
-          <p:nvPr>
-            <p:ph type="title"/>
-          </p:nvPr>
-        </p:nvSpPr>
-        <p:spPr/>
-        <p:txBody>
-          <a:bodyPr/>
-          <a:lstStyle/>
-          <a:p>
-            <a:r>
-              <a:rPr lang="en-US" dirty="0"/>
-              <a:t>Twitter use case</a:t>
-            </a:r>
-          </a:p>
-        </p:txBody>
-      </p:sp>
-      <p:sp>
-        <p:nvSpPr>
-          <p:cNvPr id="3" name="Content Placeholder 2"/>
-          <p:cNvSpPr>
-            <a:spLocks noGrp="1"/>
-          </p:cNvSpPr>
-          <p:nvPr>
-            <p:ph sz="quarter" idx="13"/>
-          </p:nvPr>
-        </p:nvSpPr>
-        <p:spPr/>
-        <p:txBody>
-          <a:bodyPr/>
-          <a:lstStyle/>
-          <a:p>
-            <a:endParaRPr lang="en-US" dirty="0"/>
-          </a:p>
-        </p:txBody>
-      </p:sp>
-    </p:spTree>
-    <p:extLst>
-      <p:ext uri="{BB962C8B-B14F-4D97-AF65-F5344CB8AC3E}">
-        <p14:creationId xmlns:p14="http://schemas.microsoft.com/office/powerpoint/2010/main" val="3139840273"/>
-      </p:ext>
-    </p:extLst>
-  </p:cSld>
-  <p:clrMapOvr>
-    <a:masterClrMapping/>
-  </p:clrMapOvr>
-</p:sld>
-</file>
-
-<file path=ppt/slides/slide14.xml><?xml version="1.0" encoding="utf-8"?>
-<p:sld xmlns:a="http://schemas.openxmlformats.org/drawingml/2006/main" xmlns:r="http://schemas.openxmlformats.org/officeDocument/2006/relationships" xmlns:p="http://schemas.openxmlformats.org/presentationml/2006/main">
-  <p:cSld>
-    <p:spTree>
-      <p:nvGrpSpPr>
-        <p:cNvPr id="1" name=""/>
-        <p:cNvGrpSpPr/>
-        <p:nvPr/>
-      </p:nvGrpSpPr>
-      <p:grpSpPr>
-        <a:xfrm>
-          <a:off x="0" y="0"/>
-          <a:ext cx="0" cy="0"/>
-          <a:chOff x="0" y="0"/>
-          <a:chExt cx="0" cy="0"/>
-        </a:xfrm>
-      </p:grpSpPr>
-      <p:sp>
-        <p:nvSpPr>
-          <p:cNvPr id="2" name="Title 1"/>
-          <p:cNvSpPr>
-            <a:spLocks noGrp="1"/>
-          </p:cNvSpPr>
-          <p:nvPr>
-            <p:ph type="title"/>
-          </p:nvPr>
-        </p:nvSpPr>
-        <p:spPr/>
-        <p:txBody>
-          <a:bodyPr/>
-          <a:lstStyle/>
-          <a:p>
-            <a:r>
-              <a:rPr lang="en-US" dirty="0"/>
-              <a:t>Twitter heron Use case architecture</a:t>
-            </a:r>
-          </a:p>
-        </p:txBody>
-      </p:sp>
-      <p:pic>
-        <p:nvPicPr>
-          <p:cNvPr id="4" name="Content Placeholder 3"/>
-          <p:cNvPicPr>
-            <a:picLocks noGrp="1" noChangeAspect="1"/>
-          </p:cNvPicPr>
-          <p:nvPr>
-            <p:ph sz="quarter" idx="13"/>
-          </p:nvPr>
-        </p:nvPicPr>
-        <p:blipFill>
-          <a:blip r:embed="rId2">
-            <a:extLst>
-              <a:ext uri="{28A0092B-C50C-407E-A947-70E740481C1C}">
-                <a14:useLocalDpi xmlns:a14="http://schemas.microsoft.com/office/drawing/2010/main" val="0"/>
-              </a:ext>
-            </a:extLst>
-          </a:blip>
-          <a:stretch>
-            <a:fillRect/>
-          </a:stretch>
-        </p:blipFill>
-        <p:spPr>
-          <a:xfrm>
-            <a:off x="1786597" y="2366963"/>
-            <a:ext cx="8018585" cy="3808754"/>
-          </a:xfrm>
-          <a:prstGeom prst="rect">
-            <a:avLst/>
-          </a:prstGeom>
-        </p:spPr>
-      </p:pic>
-    </p:spTree>
-    <p:extLst>
-      <p:ext uri="{BB962C8B-B14F-4D97-AF65-F5344CB8AC3E}">
-        <p14:creationId xmlns:p14="http://schemas.microsoft.com/office/powerpoint/2010/main" val="826093784"/>
-      </p:ext>
-    </p:extLst>
-  </p:cSld>
-  <p:clrMapOvr>
-    <a:masterClrMapping/>
-  </p:clrMapOvr>
-</p:sld>
-</file>
-
-<file path=ppt/slides/slide15.xml><?xml version="1.0" encoding="utf-8"?>
-<p:sld xmlns:a="http://schemas.openxmlformats.org/drawingml/2006/main" xmlns:r="http://schemas.openxmlformats.org/officeDocument/2006/relationships" xmlns:p="http://schemas.openxmlformats.org/presentationml/2006/main">
-  <p:cSld>
-    <p:spTree>
-      <p:nvGrpSpPr>
-        <p:cNvPr id="1" name=""/>
-        <p:cNvGrpSpPr/>
-        <p:nvPr/>
-      </p:nvGrpSpPr>
-      <p:grpSpPr>
-        <a:xfrm>
-          <a:off x="0" y="0"/>
-          <a:ext cx="0" cy="0"/>
-          <a:chOff x="0" y="0"/>
-          <a:chExt cx="0" cy="0"/>
-        </a:xfrm>
-      </p:grpSpPr>
-      <p:sp>
-        <p:nvSpPr>
-          <p:cNvPr id="2" name="Title 1"/>
-          <p:cNvSpPr>
-            <a:spLocks noGrp="1"/>
-          </p:cNvSpPr>
-          <p:nvPr>
-            <p:ph type="title"/>
-          </p:nvPr>
-        </p:nvSpPr>
-        <p:spPr/>
-        <p:txBody>
-          <a:bodyPr>
-            <a:normAutofit/>
-          </a:bodyPr>
-          <a:lstStyle/>
-          <a:p>
-            <a:r>
-              <a:rPr lang="en-US" sz="4000" dirty="0">
-                <a:latin typeface="Times New Roman" panose="02020603050405020304" pitchFamily="18" charset="0"/>
-                <a:cs typeface="Times New Roman" panose="02020603050405020304" pitchFamily="18" charset="0"/>
-              </a:rPr>
-              <a:t>Implementation</a:t>
-            </a:r>
-          </a:p>
-        </p:txBody>
-      </p:sp>
-      <p:pic>
-        <p:nvPicPr>
-          <p:cNvPr id="4" name="Content Placeholder 3"/>
-          <p:cNvPicPr>
-            <a:picLocks noGrp="1" noChangeAspect="1"/>
-          </p:cNvPicPr>
-          <p:nvPr>
-            <p:ph sz="quarter" idx="13"/>
-          </p:nvPr>
-        </p:nvPicPr>
-        <p:blipFill>
-          <a:blip r:embed="rId2"/>
-          <a:stretch>
-            <a:fillRect/>
-          </a:stretch>
-        </p:blipFill>
-        <p:spPr>
-          <a:xfrm>
-            <a:off x="3052234" y="2366963"/>
-            <a:ext cx="6087532" cy="3424237"/>
-          </a:xfrm>
-          <a:prstGeom prst="rect">
-            <a:avLst/>
-          </a:prstGeom>
-        </p:spPr>
-      </p:pic>
-    </p:spTree>
-    <p:extLst>
-      <p:ext uri="{BB962C8B-B14F-4D97-AF65-F5344CB8AC3E}">
-        <p14:creationId xmlns:p14="http://schemas.microsoft.com/office/powerpoint/2010/main" val="2560140790"/>
-      </p:ext>
-    </p:extLst>
-  </p:cSld>
-  <p:clrMapOvr>
-    <a:masterClrMapping/>
-  </p:clrMapOvr>
-</p:sld>
-</file>
-
-<file path=ppt/slides/slide16.xml><?xml version="1.0" encoding="utf-8"?>
-<p:sld xmlns:a="http://schemas.openxmlformats.org/drawingml/2006/main" xmlns:r="http://schemas.openxmlformats.org/officeDocument/2006/relationships" xmlns:p="http://schemas.openxmlformats.org/presentationml/2006/main">
-  <p:cSld>
-    <p:spTree>
-      <p:nvGrpSpPr>
-        <p:cNvPr id="1" name=""/>
-        <p:cNvGrpSpPr/>
-        <p:nvPr/>
-      </p:nvGrpSpPr>
-      <p:grpSpPr>
-        <a:xfrm>
-          <a:off x="0" y="0"/>
-          <a:ext cx="0" cy="0"/>
-          <a:chOff x="0" y="0"/>
-          <a:chExt cx="0" cy="0"/>
-        </a:xfrm>
-      </p:grpSpPr>
-      <p:sp>
-        <p:nvSpPr>
-          <p:cNvPr id="2" name="Title 1"/>
-          <p:cNvSpPr>
-            <a:spLocks noGrp="1"/>
-          </p:cNvSpPr>
-          <p:nvPr>
-            <p:ph type="title"/>
-          </p:nvPr>
-        </p:nvSpPr>
-        <p:spPr/>
-        <p:txBody>
-          <a:bodyPr>
-            <a:normAutofit/>
-          </a:bodyPr>
-          <a:lstStyle/>
-          <a:p>
-            <a:r>
-              <a:rPr lang="en-US" sz="4000" dirty="0">
-                <a:latin typeface="Times New Roman" panose="02020603050405020304" pitchFamily="18" charset="0"/>
-                <a:cs typeface="Times New Roman" panose="02020603050405020304" pitchFamily="18" charset="0"/>
-              </a:rPr>
-              <a:t>Cont..,</a:t>
-            </a:r>
-          </a:p>
-        </p:txBody>
-      </p:sp>
-      <p:pic>
-        <p:nvPicPr>
-          <p:cNvPr id="4" name="Content Placeholder 3"/>
-          <p:cNvPicPr>
-            <a:picLocks noGrp="1" noChangeAspect="1"/>
-          </p:cNvPicPr>
-          <p:nvPr>
-            <p:ph sz="quarter" idx="13"/>
-          </p:nvPr>
-        </p:nvPicPr>
-        <p:blipFill>
-          <a:blip r:embed="rId2"/>
-          <a:stretch>
-            <a:fillRect/>
-          </a:stretch>
-        </p:blipFill>
-        <p:spPr>
-          <a:xfrm>
-            <a:off x="3052234" y="2366963"/>
-            <a:ext cx="6087532" cy="3424237"/>
-          </a:xfrm>
-          <a:prstGeom prst="rect">
-            <a:avLst/>
-          </a:prstGeom>
-        </p:spPr>
-      </p:pic>
-    </p:spTree>
-    <p:extLst>
-      <p:ext uri="{BB962C8B-B14F-4D97-AF65-F5344CB8AC3E}">
-        <p14:creationId xmlns:p14="http://schemas.microsoft.com/office/powerpoint/2010/main" val="1980176151"/>
-      </p:ext>
-    </p:extLst>
-  </p:cSld>
-  <p:clrMapOvr>
-    <a:masterClrMapping/>
-  </p:clrMapOvr>
-</p:sld>
-</file>
-
-<file path=ppt/slides/slide17.xml><?xml version="1.0" encoding="utf-8"?>
-<p:sld xmlns:a="http://schemas.openxmlformats.org/drawingml/2006/main" xmlns:r="http://schemas.openxmlformats.org/officeDocument/2006/relationships" xmlns:p="http://schemas.openxmlformats.org/presentationml/2006/main">
-  <p:cSld>
-    <p:spTree>
-      <p:nvGrpSpPr>
-        <p:cNvPr id="1" name=""/>
-        <p:cNvGrpSpPr/>
-        <p:nvPr/>
-      </p:nvGrpSpPr>
-      <p:grpSpPr>
-        <a:xfrm>
-          <a:off x="0" y="0"/>
-          <a:ext cx="0" cy="0"/>
-          <a:chOff x="0" y="0"/>
-          <a:chExt cx="0" cy="0"/>
-        </a:xfrm>
-      </p:grpSpPr>
-      <p:sp>
-        <p:nvSpPr>
-          <p:cNvPr id="2" name="Title 1"/>
-          <p:cNvSpPr>
-            <a:spLocks noGrp="1"/>
-          </p:cNvSpPr>
-          <p:nvPr>
-            <p:ph type="title"/>
-          </p:nvPr>
-        </p:nvSpPr>
-        <p:spPr/>
-        <p:txBody>
-          <a:bodyPr/>
-          <a:lstStyle/>
-          <a:p>
-            <a:r>
-              <a:rPr lang="en-US" dirty="0">
-                <a:latin typeface="Times New Roman" panose="02020603050405020304" pitchFamily="18" charset="0"/>
-                <a:cs typeface="Times New Roman" panose="02020603050405020304" pitchFamily="18" charset="0"/>
-              </a:rPr>
-              <a:t>Cont..,</a:t>
-            </a:r>
-            <a:endParaRPr lang="en-US" dirty="0"/>
-          </a:p>
-        </p:txBody>
-      </p:sp>
-      <p:pic>
-        <p:nvPicPr>
-          <p:cNvPr id="4" name="Content Placeholder 3"/>
-          <p:cNvPicPr>
-            <a:picLocks noGrp="1" noChangeAspect="1"/>
-          </p:cNvPicPr>
-          <p:nvPr>
-            <p:ph sz="quarter" idx="13"/>
-          </p:nvPr>
-        </p:nvPicPr>
-        <p:blipFill>
-          <a:blip r:embed="rId2"/>
-          <a:stretch>
-            <a:fillRect/>
-          </a:stretch>
-        </p:blipFill>
-        <p:spPr>
-          <a:xfrm>
-            <a:off x="2191882" y="2366963"/>
-            <a:ext cx="7808236" cy="3424237"/>
-          </a:xfrm>
-          <a:prstGeom prst="rect">
-            <a:avLst/>
-          </a:prstGeom>
-        </p:spPr>
-      </p:pic>
-    </p:spTree>
-    <p:extLst>
-      <p:ext uri="{BB962C8B-B14F-4D97-AF65-F5344CB8AC3E}">
-        <p14:creationId xmlns:p14="http://schemas.microsoft.com/office/powerpoint/2010/main" val="3184762812"/>
-      </p:ext>
-    </p:extLst>
-  </p:cSld>
-  <p:clrMapOvr>
-    <a:masterClrMapping/>
-  </p:clrMapOvr>
-</p:sld>
-</file>
-
-<file path=ppt/slides/slide18.xml><?xml version="1.0" encoding="utf-8"?>
-<p:sld xmlns:a="http://schemas.openxmlformats.org/drawingml/2006/main" xmlns:r="http://schemas.openxmlformats.org/officeDocument/2006/relationships" xmlns:p="http://schemas.openxmlformats.org/presentationml/2006/main">
-  <p:cSld>
-    <p:spTree>
-      <p:nvGrpSpPr>
-        <p:cNvPr id="1" name=""/>
-        <p:cNvGrpSpPr/>
-        <p:nvPr/>
-      </p:nvGrpSpPr>
-      <p:grpSpPr>
-        <a:xfrm>
-          <a:off x="0" y="0"/>
-          <a:ext cx="0" cy="0"/>
-          <a:chOff x="0" y="0"/>
-          <a:chExt cx="0" cy="0"/>
-        </a:xfrm>
-      </p:grpSpPr>
-      <p:pic>
-        <p:nvPicPr>
-          <p:cNvPr id="1028" name="Picture 4" descr="Image result for any queries"/>
-          <p:cNvPicPr>
-            <a:picLocks noChangeAspect="1" noChangeArrowheads="1"/>
-          </p:cNvPicPr>
-          <p:nvPr/>
-        </p:nvPicPr>
-        <p:blipFill>
-          <a:blip r:embed="rId2">
-            <a:extLst>
-              <a:ext uri="{28A0092B-C50C-407E-A947-70E740481C1C}">
-                <a14:useLocalDpi xmlns:a14="http://schemas.microsoft.com/office/drawing/2010/main" val="0"/>
-              </a:ext>
-            </a:extLst>
-          </a:blip>
-          <a:srcRect/>
-          <a:stretch>
-            <a:fillRect/>
-          </a:stretch>
-        </p:blipFill>
-        <p:spPr bwMode="auto">
-          <a:xfrm>
-            <a:off x="0" y="0"/>
-            <a:ext cx="12192000" cy="6858000"/>
-          </a:xfrm>
-          <a:prstGeom prst="rect">
-            <a:avLst/>
-          </a:prstGeom>
-          <a:noFill/>
-          <a:extLst>
-            <a:ext uri="{909E8E84-426E-40DD-AFC4-6F175D3DCCD1}">
-              <a14:hiddenFill xmlns:a14="http://schemas.microsoft.com/office/drawing/2010/main">
-                <a:solidFill>
-                  <a:srgbClr val="FFFFFF"/>
-                </a:solidFill>
-              </a14:hiddenFill>
-            </a:ext>
-          </a:extLst>
-        </p:spPr>
-      </p:pic>
-    </p:spTree>
-    <p:extLst>
-      <p:ext uri="{BB962C8B-B14F-4D97-AF65-F5344CB8AC3E}">
-        <p14:creationId xmlns:p14="http://schemas.microsoft.com/office/powerpoint/2010/main" val="1017786524"/>
-      </p:ext>
-    </p:extLst>
-  </p:cSld>
-  <p:clrMapOvr>
-    <a:masterClrMapping/>
-  </p:clrMapOvr>
-</p:sld>
-</file>
-
-<file path=ppt/slides/slide19.xml><?xml version="1.0" encoding="utf-8"?>
-<p:sld xmlns:a="http://schemas.openxmlformats.org/drawingml/2006/main" xmlns:r="http://schemas.openxmlformats.org/officeDocument/2006/relationships" xmlns:p="http://schemas.openxmlformats.org/presentationml/2006/main">
-  <p:cSld>
-    <p:spTree>
-      <p:nvGrpSpPr>
-        <p:cNvPr id="1" name=""/>
-        <p:cNvGrpSpPr/>
-        <p:nvPr/>
-      </p:nvGrpSpPr>
-      <p:grpSpPr>
-        <a:xfrm>
-          <a:off x="0" y="0"/>
-          <a:ext cx="0" cy="0"/>
-          <a:chOff x="0" y="0"/>
-          <a:chExt cx="0" cy="0"/>
-        </a:xfrm>
-      </p:grpSpPr>
-      <p:pic>
-        <p:nvPicPr>
-          <p:cNvPr id="6" name="Content Placeholder 5"/>
-          <p:cNvPicPr>
-            <a:picLocks noGrp="1" noChangeAspect="1"/>
-          </p:cNvPicPr>
-          <p:nvPr>
-            <p:ph sz="quarter" idx="4294967295"/>
-          </p:nvPr>
-        </p:nvPicPr>
-        <p:blipFill>
-          <a:blip r:embed="rId2"/>
-          <a:stretch>
-            <a:fillRect/>
-          </a:stretch>
-        </p:blipFill>
-        <p:spPr>
-          <a:xfrm>
-            <a:off x="1431234" y="1775791"/>
-            <a:ext cx="9581322" cy="3809999"/>
-          </a:xfrm>
-          <a:prstGeom prst="rect">
-            <a:avLst/>
-          </a:prstGeom>
-        </p:spPr>
-      </p:pic>
-    </p:spTree>
-    <p:extLst>
-      <p:ext uri="{BB962C8B-B14F-4D97-AF65-F5344CB8AC3E}">
-        <p14:creationId xmlns:p14="http://schemas.microsoft.com/office/powerpoint/2010/main" val="2452726414"/>
       </p:ext>
     </p:extLst>
   </p:cSld>
@@ -7132,116 +6241,7 @@
           <a:lstStyle/>
           <a:p>
             <a:r>
-              <a:rPr lang="en-US" sz="4000" dirty="0">
-                <a:latin typeface="Times New Roman" panose="02020603050405020304" pitchFamily="18" charset="0"/>
-                <a:cs typeface="Times New Roman" panose="02020603050405020304" pitchFamily="18" charset="0"/>
-              </a:rPr>
-              <a:t>Heron</a:t>
-            </a:r>
-          </a:p>
-        </p:txBody>
-      </p:sp>
-      <p:sp>
-        <p:nvSpPr>
-          <p:cNvPr id="3" name="Content Placeholder 2"/>
-          <p:cNvSpPr>
-            <a:spLocks noGrp="1"/>
-          </p:cNvSpPr>
-          <p:nvPr>
-            <p:ph sz="quarter" idx="13"/>
-          </p:nvPr>
-        </p:nvSpPr>
-        <p:spPr/>
-        <p:txBody>
-          <a:bodyPr/>
-          <a:lstStyle/>
-          <a:p>
-            <a:r>
-              <a:rPr lang="en-US" sz="3000" cap="none" dirty="0">
-                <a:latin typeface="Times New Roman" panose="02020603050405020304" pitchFamily="18" charset="0"/>
-                <a:cs typeface="Times New Roman" panose="02020603050405020304" pitchFamily="18" charset="0"/>
-              </a:rPr>
-              <a:t>Better debugging capabilities</a:t>
-            </a:r>
-          </a:p>
-          <a:p>
-            <a:r>
-              <a:rPr lang="en-US" sz="3000" cap="none" dirty="0">
-                <a:latin typeface="Times New Roman" panose="02020603050405020304" pitchFamily="18" charset="0"/>
-                <a:cs typeface="Times New Roman" panose="02020603050405020304" pitchFamily="18" charset="0"/>
-              </a:rPr>
-              <a:t>Performance</a:t>
-            </a:r>
-          </a:p>
-          <a:p>
-            <a:r>
-              <a:rPr lang="en-US" sz="3000" cap="none" dirty="0">
-                <a:latin typeface="Times New Roman" panose="02020603050405020304" pitchFamily="18" charset="0"/>
-                <a:cs typeface="Times New Roman" panose="02020603050405020304" pitchFamily="18" charset="0"/>
-              </a:rPr>
-              <a:t>Easy to manage </a:t>
-            </a:r>
-          </a:p>
-          <a:p>
-            <a:endParaRPr lang="en-US" dirty="0">
-              <a:latin typeface="Times New Roman" panose="02020603050405020304" pitchFamily="18" charset="0"/>
-              <a:cs typeface="Times New Roman" panose="02020603050405020304" pitchFamily="18" charset="0"/>
-            </a:endParaRPr>
-          </a:p>
-        </p:txBody>
-      </p:sp>
-    </p:spTree>
-    <p:extLst>
-      <p:ext uri="{BB962C8B-B14F-4D97-AF65-F5344CB8AC3E}">
-        <p14:creationId xmlns:p14="http://schemas.microsoft.com/office/powerpoint/2010/main" val="1896574495"/>
-      </p:ext>
-    </p:extLst>
-  </p:cSld>
-  <p:clrMapOvr>
-    <a:masterClrMapping/>
-  </p:clrMapOvr>
-</p:sld>
-</file>
-
-<file path=ppt/slides/slide3.xml><?xml version="1.0" encoding="utf-8"?>
-<p:sld xmlns:a="http://schemas.openxmlformats.org/drawingml/2006/main" xmlns:r="http://schemas.openxmlformats.org/officeDocument/2006/relationships" xmlns:p="http://schemas.openxmlformats.org/presentationml/2006/main">
-  <p:cSld>
-    <p:spTree>
-      <p:nvGrpSpPr>
-        <p:cNvPr id="1" name=""/>
-        <p:cNvGrpSpPr/>
-        <p:nvPr/>
-      </p:nvGrpSpPr>
-      <p:grpSpPr>
-        <a:xfrm>
-          <a:off x="0" y="0"/>
-          <a:ext cx="0" cy="0"/>
-          <a:chOff x="0" y="0"/>
-          <a:chExt cx="0" cy="0"/>
-        </a:xfrm>
-      </p:grpSpPr>
-      <p:sp>
-        <p:nvSpPr>
-          <p:cNvPr id="2" name="Title 1"/>
-          <p:cNvSpPr>
-            <a:spLocks noGrp="1"/>
-          </p:cNvSpPr>
-          <p:nvPr>
-            <p:ph type="title"/>
-          </p:nvPr>
-        </p:nvSpPr>
-        <p:spPr/>
-        <p:txBody>
-          <a:bodyPr>
-            <a:normAutofit/>
-          </a:bodyPr>
-          <a:lstStyle/>
-          <a:p>
-            <a:r>
-              <a:rPr lang="en-US" sz="4000" dirty="0">
-                <a:latin typeface="Times New Roman" panose="02020603050405020304" pitchFamily="18" charset="0"/>
-                <a:cs typeface="Times New Roman" panose="02020603050405020304" pitchFamily="18" charset="0"/>
-              </a:rPr>
+              <a:rPr lang="en-US" sz="6000" dirty="0"/>
               <a:t>Architecture</a:t>
             </a:r>
           </a:p>
@@ -7265,8 +6265,31 @@
         </p:blipFill>
         <p:spPr>
           <a:xfrm>
-            <a:off x="1457739" y="2358887"/>
-            <a:ext cx="8825948" cy="3538330"/>
+            <a:off x="913775" y="2507531"/>
+            <a:ext cx="4968551" cy="4223208"/>
+          </a:xfrm>
+        </p:spPr>
+      </p:pic>
+      <p:pic>
+        <p:nvPicPr>
+          <p:cNvPr id="6" name="Content Placeholder 5"/>
+          <p:cNvPicPr>
+            <a:picLocks noGrp="1" noChangeAspect="1"/>
+          </p:cNvPicPr>
+          <p:nvPr>
+            <p:ph sz="quarter" idx="14"/>
+          </p:nvPr>
+        </p:nvPicPr>
+        <p:blipFill>
+          <a:blip r:embed="rId3"/>
+          <a:stretch>
+            <a:fillRect/>
+          </a:stretch>
+        </p:blipFill>
+        <p:spPr>
+          <a:xfrm>
+            <a:off x="6014301" y="2507530"/>
+            <a:ext cx="5263925" cy="4223208"/>
           </a:xfrm>
         </p:spPr>
       </p:pic>
@@ -7274,607 +6297,6 @@
     <p:extLst>
       <p:ext uri="{BB962C8B-B14F-4D97-AF65-F5344CB8AC3E}">
         <p14:creationId xmlns:p14="http://schemas.microsoft.com/office/powerpoint/2010/main" val="3204967620"/>
-      </p:ext>
-    </p:extLst>
-  </p:cSld>
-  <p:clrMapOvr>
-    <a:masterClrMapping/>
-  </p:clrMapOvr>
-</p:sld>
-</file>
-
-<file path=ppt/slides/slide4.xml><?xml version="1.0" encoding="utf-8"?>
-<p:sld xmlns:a="http://schemas.openxmlformats.org/drawingml/2006/main" xmlns:r="http://schemas.openxmlformats.org/officeDocument/2006/relationships" xmlns:p="http://schemas.openxmlformats.org/presentationml/2006/main">
-  <p:cSld>
-    <p:spTree>
-      <p:nvGrpSpPr>
-        <p:cNvPr id="1" name=""/>
-        <p:cNvGrpSpPr/>
-        <p:nvPr/>
-      </p:nvGrpSpPr>
-      <p:grpSpPr>
-        <a:xfrm>
-          <a:off x="0" y="0"/>
-          <a:ext cx="0" cy="0"/>
-          <a:chOff x="0" y="0"/>
-          <a:chExt cx="0" cy="0"/>
-        </a:xfrm>
-      </p:grpSpPr>
-      <p:sp>
-        <p:nvSpPr>
-          <p:cNvPr id="2" name="Title 1"/>
-          <p:cNvSpPr>
-            <a:spLocks noGrp="1"/>
-          </p:cNvSpPr>
-          <p:nvPr>
-            <p:ph type="title"/>
-          </p:nvPr>
-        </p:nvSpPr>
-        <p:spPr/>
-        <p:txBody>
-          <a:bodyPr/>
-          <a:lstStyle/>
-          <a:p>
-            <a:r>
-              <a:rPr lang="en-US" dirty="0"/>
-              <a:t>Aurora scheduler</a:t>
-            </a:r>
-          </a:p>
-        </p:txBody>
-      </p:sp>
-      <p:sp>
-        <p:nvSpPr>
-          <p:cNvPr id="3" name="Content Placeholder 2"/>
-          <p:cNvSpPr>
-            <a:spLocks noGrp="1"/>
-          </p:cNvSpPr>
-          <p:nvPr>
-            <p:ph sz="quarter" idx="13"/>
-          </p:nvPr>
-        </p:nvSpPr>
-        <p:spPr/>
-        <p:txBody>
-          <a:bodyPr>
-            <a:normAutofit/>
-          </a:bodyPr>
-          <a:lstStyle/>
-          <a:p>
-            <a:r>
-              <a:rPr lang="en-US" sz="3000" cap="none" dirty="0">
-                <a:latin typeface="Times New Roman" panose="02020603050405020304" pitchFamily="18" charset="0"/>
-                <a:cs typeface="Times New Roman" panose="02020603050405020304" pitchFamily="18" charset="0"/>
-              </a:rPr>
-              <a:t>Users employ heron </a:t>
-            </a:r>
-            <a:r>
-              <a:rPr lang="en-US" sz="3000" cap="none" dirty="0" err="1">
-                <a:latin typeface="Times New Roman" panose="02020603050405020304" pitchFamily="18" charset="0"/>
-                <a:cs typeface="Times New Roman" panose="02020603050405020304" pitchFamily="18" charset="0"/>
-              </a:rPr>
-              <a:t>api</a:t>
-            </a:r>
-            <a:r>
-              <a:rPr lang="en-US" sz="3000" cap="none" dirty="0">
-                <a:latin typeface="Times New Roman" panose="02020603050405020304" pitchFamily="18" charset="0"/>
-                <a:cs typeface="Times New Roman" panose="02020603050405020304" pitchFamily="18" charset="0"/>
-              </a:rPr>
-              <a:t> to create and deploy topologies to aurora scheduler</a:t>
-            </a:r>
-          </a:p>
-          <a:p>
-            <a:r>
-              <a:rPr lang="en-US" sz="3000" cap="none" dirty="0">
-                <a:latin typeface="Times New Roman" panose="02020603050405020304" pitchFamily="18" charset="0"/>
-                <a:cs typeface="Times New Roman" panose="02020603050405020304" pitchFamily="18" charset="0"/>
-              </a:rPr>
-              <a:t>Aurora scheduler schedules each </a:t>
-            </a:r>
-            <a:r>
-              <a:rPr lang="en-US" sz="3000" cap="none" dirty="0" err="1">
-                <a:latin typeface="Times New Roman" panose="02020603050405020304" pitchFamily="18" charset="0"/>
-                <a:cs typeface="Times New Roman" panose="02020603050405020304" pitchFamily="18" charset="0"/>
-              </a:rPr>
-              <a:t>tak</a:t>
-            </a:r>
-            <a:r>
-              <a:rPr lang="en-US" sz="3000" cap="none" dirty="0">
-                <a:latin typeface="Times New Roman" panose="02020603050405020304" pitchFamily="18" charset="0"/>
-                <a:cs typeface="Times New Roman" panose="02020603050405020304" pitchFamily="18" charset="0"/>
-              </a:rPr>
-              <a:t> as and when to be performed</a:t>
-            </a:r>
-          </a:p>
-          <a:p>
-            <a:endParaRPr lang="en-US" sz="3000" cap="none" dirty="0">
-              <a:latin typeface="Times New Roman" panose="02020603050405020304" pitchFamily="18" charset="0"/>
-              <a:cs typeface="Times New Roman" panose="02020603050405020304" pitchFamily="18" charset="0"/>
-            </a:endParaRPr>
-          </a:p>
-          <a:p>
-            <a:pPr marL="0" indent="0">
-              <a:buNone/>
-            </a:pPr>
-            <a:endParaRPr lang="en-US" sz="3000" cap="none" dirty="0">
-              <a:latin typeface="Times New Roman" panose="02020603050405020304" pitchFamily="18" charset="0"/>
-              <a:cs typeface="Times New Roman" panose="02020603050405020304" pitchFamily="18" charset="0"/>
-            </a:endParaRPr>
-          </a:p>
-        </p:txBody>
-      </p:sp>
-    </p:spTree>
-    <p:extLst>
-      <p:ext uri="{BB962C8B-B14F-4D97-AF65-F5344CB8AC3E}">
-        <p14:creationId xmlns:p14="http://schemas.microsoft.com/office/powerpoint/2010/main" val="3283994384"/>
-      </p:ext>
-    </p:extLst>
-  </p:cSld>
-  <p:clrMapOvr>
-    <a:masterClrMapping/>
-  </p:clrMapOvr>
-</p:sld>
-</file>
-
-<file path=ppt/slides/slide5.xml><?xml version="1.0" encoding="utf-8"?>
-<p:sld xmlns:a="http://schemas.openxmlformats.org/drawingml/2006/main" xmlns:r="http://schemas.openxmlformats.org/officeDocument/2006/relationships" xmlns:p="http://schemas.openxmlformats.org/presentationml/2006/main">
-  <p:cSld>
-    <p:spTree>
-      <p:nvGrpSpPr>
-        <p:cNvPr id="1" name=""/>
-        <p:cNvGrpSpPr/>
-        <p:nvPr/>
-      </p:nvGrpSpPr>
-      <p:grpSpPr>
-        <a:xfrm>
-          <a:off x="0" y="0"/>
-          <a:ext cx="0" cy="0"/>
-          <a:chOff x="0" y="0"/>
-          <a:chExt cx="0" cy="0"/>
-        </a:xfrm>
-      </p:grpSpPr>
-      <p:sp>
-        <p:nvSpPr>
-          <p:cNvPr id="5" name="Title 4"/>
-          <p:cNvSpPr>
-            <a:spLocks noGrp="1"/>
-          </p:cNvSpPr>
-          <p:nvPr>
-            <p:ph type="title"/>
-          </p:nvPr>
-        </p:nvSpPr>
-        <p:spPr>
-          <a:xfrm>
-            <a:off x="993288" y="114935"/>
-            <a:ext cx="10364451" cy="1596177"/>
-          </a:xfrm>
-        </p:spPr>
-        <p:txBody>
-          <a:bodyPr>
-            <a:normAutofit/>
-          </a:bodyPr>
-          <a:lstStyle/>
-          <a:p>
-            <a:r>
-              <a:rPr lang="en-US" sz="4000" dirty="0">
-                <a:latin typeface="Times New Roman" panose="02020603050405020304" pitchFamily="18" charset="0"/>
-                <a:cs typeface="Times New Roman" panose="02020603050405020304" pitchFamily="18" charset="0"/>
-              </a:rPr>
-              <a:t>Heron architecture</a:t>
-            </a:r>
-          </a:p>
-        </p:txBody>
-      </p:sp>
-      <p:pic>
-        <p:nvPicPr>
-          <p:cNvPr id="7" name="Content Placeholder 5"/>
-          <p:cNvPicPr>
-            <a:picLocks noGrp="1" noChangeAspect="1"/>
-          </p:cNvPicPr>
-          <p:nvPr>
-            <p:ph sz="quarter" idx="13"/>
-          </p:nvPr>
-        </p:nvPicPr>
-        <p:blipFill>
-          <a:blip r:embed="rId2"/>
-          <a:stretch>
-            <a:fillRect/>
-          </a:stretch>
-        </p:blipFill>
-        <p:spPr>
-          <a:xfrm>
-            <a:off x="1497496" y="1711112"/>
-            <a:ext cx="9581321" cy="4214191"/>
-          </a:xfrm>
-        </p:spPr>
-      </p:pic>
-    </p:spTree>
-    <p:extLst>
-      <p:ext uri="{BB962C8B-B14F-4D97-AF65-F5344CB8AC3E}">
-        <p14:creationId xmlns:p14="http://schemas.microsoft.com/office/powerpoint/2010/main" val="3975141323"/>
-      </p:ext>
-    </p:extLst>
-  </p:cSld>
-  <p:clrMapOvr>
-    <a:masterClrMapping/>
-  </p:clrMapOvr>
-</p:sld>
-</file>
-
-<file path=ppt/slides/slide6.xml><?xml version="1.0" encoding="utf-8"?>
-<p:sld xmlns:a="http://schemas.openxmlformats.org/drawingml/2006/main" xmlns:r="http://schemas.openxmlformats.org/officeDocument/2006/relationships" xmlns:p="http://schemas.openxmlformats.org/presentationml/2006/main">
-  <p:cSld>
-    <p:spTree>
-      <p:nvGrpSpPr>
-        <p:cNvPr id="1" name=""/>
-        <p:cNvGrpSpPr/>
-        <p:nvPr/>
-      </p:nvGrpSpPr>
-      <p:grpSpPr>
-        <a:xfrm>
-          <a:off x="0" y="0"/>
-          <a:ext cx="0" cy="0"/>
-          <a:chOff x="0" y="0"/>
-          <a:chExt cx="0" cy="0"/>
-        </a:xfrm>
-      </p:grpSpPr>
-      <p:sp>
-        <p:nvSpPr>
-          <p:cNvPr id="2" name="Title 1"/>
-          <p:cNvSpPr>
-            <a:spLocks noGrp="1"/>
-          </p:cNvSpPr>
-          <p:nvPr>
-            <p:ph type="title"/>
-          </p:nvPr>
-        </p:nvSpPr>
-        <p:spPr/>
-        <p:txBody>
-          <a:bodyPr/>
-          <a:lstStyle/>
-          <a:p>
-            <a:endParaRPr lang="en-US" dirty="0"/>
-          </a:p>
-        </p:txBody>
-      </p:sp>
-      <p:sp>
-        <p:nvSpPr>
-          <p:cNvPr id="3" name="Content Placeholder 2"/>
-          <p:cNvSpPr>
-            <a:spLocks noGrp="1"/>
-          </p:cNvSpPr>
-          <p:nvPr>
-            <p:ph sz="quarter" idx="13"/>
-          </p:nvPr>
-        </p:nvSpPr>
-        <p:spPr/>
-        <p:txBody>
-          <a:bodyPr>
-            <a:normAutofit fontScale="92500" lnSpcReduction="10000"/>
-          </a:bodyPr>
-          <a:lstStyle/>
-          <a:p>
-            <a:r>
-              <a:rPr lang="en-US" sz="3000" cap="none" dirty="0">
-                <a:latin typeface="Times New Roman" panose="02020603050405020304" pitchFamily="18" charset="0"/>
-                <a:cs typeface="Times New Roman" panose="02020603050405020304" pitchFamily="18" charset="0"/>
-              </a:rPr>
-              <a:t>Topology master – responsible for managing topology throughout the existence of the topology</a:t>
-            </a:r>
-          </a:p>
-          <a:p>
-            <a:r>
-              <a:rPr lang="en-US" sz="3000" cap="none" dirty="0" err="1">
-                <a:latin typeface="Times New Roman" panose="02020603050405020304" pitchFamily="18" charset="0"/>
-                <a:cs typeface="Times New Roman" panose="02020603050405020304" pitchFamily="18" charset="0"/>
-              </a:rPr>
-              <a:t>Zokeeper</a:t>
-            </a:r>
-            <a:r>
-              <a:rPr lang="en-US" sz="3000" cap="none" dirty="0">
-                <a:latin typeface="Times New Roman" panose="02020603050405020304" pitchFamily="18" charset="0"/>
-                <a:cs typeface="Times New Roman" panose="02020603050405020304" pitchFamily="18" charset="0"/>
-              </a:rPr>
-              <a:t> - </a:t>
-            </a:r>
-          </a:p>
-          <a:p>
-            <a:r>
-              <a:rPr lang="en-US" sz="3000" cap="none" dirty="0">
-                <a:latin typeface="Times New Roman" panose="02020603050405020304" pitchFamily="18" charset="0"/>
-                <a:cs typeface="Times New Roman" panose="02020603050405020304" pitchFamily="18" charset="0"/>
-              </a:rPr>
-              <a:t>Stream manager- task is to route of tuples efficiently </a:t>
-            </a:r>
-          </a:p>
-          <a:p>
-            <a:r>
-              <a:rPr lang="en-US" sz="3000" cap="none" dirty="0">
-                <a:latin typeface="Times New Roman" panose="02020603050405020304" pitchFamily="18" charset="0"/>
-                <a:cs typeface="Times New Roman" panose="02020603050405020304" pitchFamily="18" charset="0"/>
-              </a:rPr>
-              <a:t>Metrics manager – collects and exports metrics from all the components in the system</a:t>
-            </a:r>
-          </a:p>
-          <a:p>
-            <a:endParaRPr lang="en-US" dirty="0"/>
-          </a:p>
-          <a:p>
-            <a:endParaRPr lang="en-US" dirty="0"/>
-          </a:p>
-        </p:txBody>
-      </p:sp>
-    </p:spTree>
-    <p:extLst>
-      <p:ext uri="{BB962C8B-B14F-4D97-AF65-F5344CB8AC3E}">
-        <p14:creationId xmlns:p14="http://schemas.microsoft.com/office/powerpoint/2010/main" val="2840017711"/>
-      </p:ext>
-    </p:extLst>
-  </p:cSld>
-  <p:clrMapOvr>
-    <a:masterClrMapping/>
-  </p:clrMapOvr>
-</p:sld>
-</file>
-
-<file path=ppt/slides/slide7.xml><?xml version="1.0" encoding="utf-8"?>
-<p:sld xmlns:a="http://schemas.openxmlformats.org/drawingml/2006/main" xmlns:r="http://schemas.openxmlformats.org/officeDocument/2006/relationships" xmlns:p="http://schemas.openxmlformats.org/presentationml/2006/main">
-  <p:cSld>
-    <p:spTree>
-      <p:nvGrpSpPr>
-        <p:cNvPr id="1" name=""/>
-        <p:cNvGrpSpPr/>
-        <p:nvPr/>
-      </p:nvGrpSpPr>
-      <p:grpSpPr>
-        <a:xfrm>
-          <a:off x="0" y="0"/>
-          <a:ext cx="0" cy="0"/>
-          <a:chOff x="0" y="0"/>
-          <a:chExt cx="0" cy="0"/>
-        </a:xfrm>
-      </p:grpSpPr>
-      <p:sp>
-        <p:nvSpPr>
-          <p:cNvPr id="2" name="Title 1"/>
-          <p:cNvSpPr>
-            <a:spLocks noGrp="1"/>
-          </p:cNvSpPr>
-          <p:nvPr>
-            <p:ph type="title"/>
-          </p:nvPr>
-        </p:nvSpPr>
-        <p:spPr>
-          <a:xfrm>
-            <a:off x="913775" y="145775"/>
-            <a:ext cx="10364451" cy="1457738"/>
-          </a:xfrm>
-        </p:spPr>
-        <p:txBody>
-          <a:bodyPr>
-            <a:normAutofit/>
-          </a:bodyPr>
-          <a:lstStyle/>
-          <a:p>
-            <a:r>
-              <a:rPr lang="en-US" sz="4000" cap="none" dirty="0">
-                <a:latin typeface="Times New Roman" panose="02020603050405020304" pitchFamily="18" charset="0"/>
-                <a:cs typeface="Times New Roman" panose="02020603050405020304" pitchFamily="18" charset="0"/>
-              </a:rPr>
-              <a:t>Tuple Processing</a:t>
-            </a:r>
-          </a:p>
-        </p:txBody>
-      </p:sp>
-      <p:sp>
-        <p:nvSpPr>
-          <p:cNvPr id="3" name="Content Placeholder 2"/>
-          <p:cNvSpPr>
-            <a:spLocks noGrp="1"/>
-          </p:cNvSpPr>
-          <p:nvPr>
-            <p:ph sz="quarter" idx="13"/>
-          </p:nvPr>
-        </p:nvSpPr>
-        <p:spPr>
-          <a:xfrm>
-            <a:off x="913774" y="1603514"/>
-            <a:ext cx="10363826" cy="4187686"/>
-          </a:xfrm>
-        </p:spPr>
-        <p:txBody>
-          <a:bodyPr>
-            <a:noAutofit/>
-          </a:bodyPr>
-          <a:lstStyle/>
-          <a:p>
-            <a:r>
-              <a:rPr lang="en-US" sz="3000" cap="none" dirty="0">
-                <a:latin typeface="Times New Roman" panose="02020603050405020304" pitchFamily="18" charset="0"/>
-                <a:cs typeface="Times New Roman" panose="02020603050405020304" pitchFamily="18" charset="0"/>
-              </a:rPr>
-              <a:t>At most once - no tuple is processed more than once, although some tuples may be dropped, and thus may miss being analyzed by the topology</a:t>
-            </a:r>
-          </a:p>
-          <a:p>
-            <a:endParaRPr lang="en-US" sz="3000" cap="none" dirty="0">
-              <a:latin typeface="Times New Roman" panose="02020603050405020304" pitchFamily="18" charset="0"/>
-              <a:cs typeface="Times New Roman" panose="02020603050405020304" pitchFamily="18" charset="0"/>
-            </a:endParaRPr>
-          </a:p>
-          <a:p>
-            <a:r>
-              <a:rPr lang="en-US" sz="3000" cap="none" dirty="0">
-                <a:latin typeface="Times New Roman" panose="02020603050405020304" pitchFamily="18" charset="0"/>
-                <a:cs typeface="Times New Roman" panose="02020603050405020304" pitchFamily="18" charset="0"/>
-              </a:rPr>
-              <a:t>At least once - – each tuple is guaranteed to be processed at least once, although some tuples may be processed more than once, and may contribute to the result of the topology multiple times. </a:t>
-            </a:r>
-          </a:p>
-        </p:txBody>
-      </p:sp>
-    </p:spTree>
-    <p:extLst>
-      <p:ext uri="{BB962C8B-B14F-4D97-AF65-F5344CB8AC3E}">
-        <p14:creationId xmlns:p14="http://schemas.microsoft.com/office/powerpoint/2010/main" val="888952492"/>
-      </p:ext>
-    </p:extLst>
-  </p:cSld>
-  <p:clrMapOvr>
-    <a:masterClrMapping/>
-  </p:clrMapOvr>
-</p:sld>
-</file>
-
-<file path=ppt/slides/slide8.xml><?xml version="1.0" encoding="utf-8"?>
-<p:sld xmlns:a="http://schemas.openxmlformats.org/drawingml/2006/main" xmlns:r="http://schemas.openxmlformats.org/officeDocument/2006/relationships" xmlns:p="http://schemas.openxmlformats.org/presentationml/2006/main">
-  <p:cSld>
-    <p:spTree>
-      <p:nvGrpSpPr>
-        <p:cNvPr id="1" name=""/>
-        <p:cNvGrpSpPr/>
-        <p:nvPr/>
-      </p:nvGrpSpPr>
-      <p:grpSpPr>
-        <a:xfrm>
-          <a:off x="0" y="0"/>
-          <a:ext cx="0" cy="0"/>
-          <a:chOff x="0" y="0"/>
-          <a:chExt cx="0" cy="0"/>
-        </a:xfrm>
-      </p:grpSpPr>
-      <p:sp>
-        <p:nvSpPr>
-          <p:cNvPr id="2" name="Title 1"/>
-          <p:cNvSpPr>
-            <a:spLocks noGrp="1"/>
-          </p:cNvSpPr>
-          <p:nvPr>
-            <p:ph type="title"/>
-          </p:nvPr>
-        </p:nvSpPr>
-        <p:spPr/>
-        <p:txBody>
-          <a:bodyPr>
-            <a:normAutofit/>
-          </a:bodyPr>
-          <a:lstStyle/>
-          <a:p>
-            <a:r>
-              <a:rPr lang="en-US" sz="4000" cap="none" dirty="0">
-                <a:latin typeface="Times New Roman" panose="02020603050405020304" pitchFamily="18" charset="0"/>
-                <a:cs typeface="Times New Roman" panose="02020603050405020304" pitchFamily="18" charset="0"/>
-              </a:rPr>
-              <a:t>Heron instance and services</a:t>
-            </a:r>
-          </a:p>
-        </p:txBody>
-      </p:sp>
-      <p:pic>
-        <p:nvPicPr>
-          <p:cNvPr id="4" name="Content Placeholder 3"/>
-          <p:cNvPicPr>
-            <a:picLocks noGrp="1" noChangeAspect="1"/>
-          </p:cNvPicPr>
-          <p:nvPr>
-            <p:ph sz="quarter" idx="13"/>
-          </p:nvPr>
-        </p:nvPicPr>
-        <p:blipFill>
-          <a:blip r:embed="rId2"/>
-          <a:stretch>
-            <a:fillRect/>
-          </a:stretch>
-        </p:blipFill>
-        <p:spPr>
-          <a:xfrm>
-            <a:off x="689113" y="2516981"/>
-            <a:ext cx="10734261" cy="3671784"/>
-          </a:xfrm>
-        </p:spPr>
-      </p:pic>
-    </p:spTree>
-    <p:extLst>
-      <p:ext uri="{BB962C8B-B14F-4D97-AF65-F5344CB8AC3E}">
-        <p14:creationId xmlns:p14="http://schemas.microsoft.com/office/powerpoint/2010/main" val="1716092105"/>
-      </p:ext>
-    </p:extLst>
-  </p:cSld>
-  <p:clrMapOvr>
-    <a:masterClrMapping/>
-  </p:clrMapOvr>
-</p:sld>
-</file>
-
-<file path=ppt/slides/slide9.xml><?xml version="1.0" encoding="utf-8"?>
-<p:sld xmlns:a="http://schemas.openxmlformats.org/drawingml/2006/main" xmlns:r="http://schemas.openxmlformats.org/officeDocument/2006/relationships" xmlns:p="http://schemas.openxmlformats.org/presentationml/2006/main">
-  <p:cSld>
-    <p:spTree>
-      <p:nvGrpSpPr>
-        <p:cNvPr id="1" name=""/>
-        <p:cNvGrpSpPr/>
-        <p:nvPr/>
-      </p:nvGrpSpPr>
-      <p:grpSpPr>
-        <a:xfrm>
-          <a:off x="0" y="0"/>
-          <a:ext cx="0" cy="0"/>
-          <a:chOff x="0" y="0"/>
-          <a:chExt cx="0" cy="0"/>
-        </a:xfrm>
-      </p:grpSpPr>
-      <p:sp>
-        <p:nvSpPr>
-          <p:cNvPr id="2" name="Title 1"/>
-          <p:cNvSpPr>
-            <a:spLocks noGrp="1"/>
-          </p:cNvSpPr>
-          <p:nvPr>
-            <p:ph type="title"/>
-          </p:nvPr>
-        </p:nvSpPr>
-        <p:spPr/>
-        <p:txBody>
-          <a:bodyPr>
-            <a:normAutofit/>
-          </a:bodyPr>
-          <a:lstStyle/>
-          <a:p>
-            <a:r>
-              <a:rPr lang="en-US" sz="4000" dirty="0">
-                <a:latin typeface="Times New Roman" panose="02020603050405020304" pitchFamily="18" charset="0"/>
-                <a:cs typeface="Times New Roman" panose="02020603050405020304" pitchFamily="18" charset="0"/>
-              </a:rPr>
-              <a:t>Heron Topology</a:t>
-            </a:r>
-          </a:p>
-        </p:txBody>
-      </p:sp>
-      <p:pic>
-        <p:nvPicPr>
-          <p:cNvPr id="4" name="Content Placeholder 3"/>
-          <p:cNvPicPr>
-            <a:picLocks noGrp="1" noChangeAspect="1"/>
-          </p:cNvPicPr>
-          <p:nvPr>
-            <p:ph sz="quarter" idx="13"/>
-          </p:nvPr>
-        </p:nvPicPr>
-        <p:blipFill>
-          <a:blip r:embed="rId2"/>
-          <a:stretch>
-            <a:fillRect/>
-          </a:stretch>
-        </p:blipFill>
-        <p:spPr>
-          <a:xfrm>
-            <a:off x="2610678" y="2859880"/>
-            <a:ext cx="6520070" cy="3103597"/>
-          </a:xfrm>
-        </p:spPr>
-      </p:pic>
-    </p:spTree>
-    <p:extLst>
-      <p:ext uri="{BB962C8B-B14F-4D97-AF65-F5344CB8AC3E}">
-        <p14:creationId xmlns:p14="http://schemas.microsoft.com/office/powerpoint/2010/main" val="2018490905"/>
       </p:ext>
     </p:extLst>
   </p:cSld>
@@ -7895,34 +6317,34 @@
         <a:sysClr val="window" lastClr="FFFFFF"/>
       </a:lt1>
       <a:dk2>
-        <a:srgbClr val="1C647B"/>
+        <a:srgbClr val="355071"/>
       </a:dk2>
       <a:lt2>
-        <a:srgbClr val="98B7D3"/>
+        <a:srgbClr val="AABED7"/>
       </a:lt2>
       <a:accent1>
-        <a:srgbClr val="274FA4"/>
+        <a:srgbClr val="2FA3EE"/>
       </a:accent1>
       <a:accent2>
-        <a:srgbClr val="48A8D0"/>
+        <a:srgbClr val="4BCAAD"/>
       </a:accent2>
       <a:accent3>
-        <a:srgbClr val="53B18F"/>
+        <a:srgbClr val="86C157"/>
       </a:accent3>
       <a:accent4>
-        <a:srgbClr val="D78D38"/>
+        <a:srgbClr val="D99C3F"/>
       </a:accent4>
       <a:accent5>
-        <a:srgbClr val="BA3F51"/>
+        <a:srgbClr val="CE6633"/>
       </a:accent5>
       <a:accent6>
-        <a:srgbClr val="AE52D9"/>
+        <a:srgbClr val="A35DD1"/>
       </a:accent6>
       <a:hlink>
-        <a:srgbClr val="2AA2DA"/>
+        <a:srgbClr val="56BCFE"/>
       </a:hlink>
       <a:folHlink>
-        <a:srgbClr val="76A3B8"/>
+        <a:srgbClr val="97C5E3"/>
       </a:folHlink>
     </a:clrScheme>
     <a:fontScheme name="Droplet">
@@ -8120,16 +6542,16 @@
               <a:schemeClr val="phClr">
                 <a:tint val="84000"/>
                 <a:shade val="100000"/>
-                <a:hueMod val="92000"/>
-                <a:satMod val="180000"/>
-                <a:lumMod val="114000"/>
+                <a:hueMod val="130000"/>
+                <a:satMod val="150000"/>
+                <a:lumMod val="112000"/>
               </a:schemeClr>
             </a:gs>
             <a:gs pos="100000">
               <a:schemeClr val="phClr">
                 <a:shade val="92000"/>
-                <a:satMod val="170000"/>
-                <a:lumMod val="96000"/>
+                <a:satMod val="140000"/>
+                <a:lumMod val="110000"/>
               </a:schemeClr>
             </a:gs>
           </a:gsLst>
@@ -8142,7 +6564,7 @@
   <a:extraClrSchemeLst/>
   <a:extLst>
     <a:ext uri="{05A4C25C-085E-4340-85A3-A5531E510DB2}">
-      <thm15:themeFamily xmlns:thm15="http://schemas.microsoft.com/office/thememl/2012/main" name="Droplet" id="{8984A317-299A-4E50-B45D-BFC9EDE2337A}" vid="{DEB094D4-7FD8-4F86-93D5-B0F1341EF586}"/>
+      <thm15:themeFamily xmlns:thm15="http://schemas.microsoft.com/office/thememl/2012/main" name="Droplet" id="{8984A317-299A-4E50-B45D-BFC9EDE2337A}" vid="{A633B6A3-9E7F-4C10-9C98-2517A3134361}"/>
     </a:ext>
   </a:extLst>
 </a:theme>

--- a/Twitter Heron.pptx
+++ b/Twitter Heron.pptx
@@ -2,11 +2,28 @@
 <file path=ppt/presentation.xml><?xml version="1.0" encoding="utf-8"?>
 <p:presentation xmlns:a="http://schemas.openxmlformats.org/drawingml/2006/main" xmlns:r="http://schemas.openxmlformats.org/officeDocument/2006/relationships" xmlns:p="http://schemas.openxmlformats.org/presentationml/2006/main" autoCompressPictures="0">
   <p:sldMasterIdLst>
-    <p:sldMasterId id="2147483648" r:id="rId1"/>
+    <p:sldMasterId id="2147483669" r:id="rId1"/>
   </p:sldMasterIdLst>
   <p:sldIdLst>
     <p:sldId id="256" r:id="rId2"/>
-    <p:sldId id="259" r:id="rId3"/>
+    <p:sldId id="260" r:id="rId3"/>
+    <p:sldId id="279" r:id="rId4"/>
+    <p:sldId id="259" r:id="rId5"/>
+    <p:sldId id="277" r:id="rId6"/>
+    <p:sldId id="261" r:id="rId7"/>
+    <p:sldId id="276" r:id="rId8"/>
+    <p:sldId id="262" r:id="rId9"/>
+    <p:sldId id="263" r:id="rId10"/>
+    <p:sldId id="264" r:id="rId11"/>
+    <p:sldId id="265" r:id="rId12"/>
+    <p:sldId id="268" r:id="rId13"/>
+    <p:sldId id="273" r:id="rId14"/>
+    <p:sldId id="269" r:id="rId15"/>
+    <p:sldId id="270" r:id="rId16"/>
+    <p:sldId id="271" r:id="rId17"/>
+    <p:sldId id="272" r:id="rId18"/>
+    <p:sldId id="274" r:id="rId19"/>
+    <p:sldId id="275" r:id="rId20"/>
   </p:sldIdLst>
   <p:sldSz cx="12192000" cy="6858000"/>
   <p:notesSz cx="6858000" cy="9144000"/>
@@ -283,8 +300,8 @@
           <a:lstStyle/>
           <a:p>
             <a:fld id="{48A87A34-81AB-432B-8DAE-1953F412C126}" type="datetimeFigureOut">
-              <a:rPr lang="en-US" dirty="0"/>
-              <a:t>11/26/2016</a:t>
+              <a:rPr lang="en-US" smtClean="0"/>
+              <a:t>11/29/2016</a:t>
             </a:fld>
             <a:endParaRPr lang="en-US" dirty="0"/>
           </a:p>
@@ -325,7 +342,7 @@
           <a:lstStyle/>
           <a:p>
             <a:fld id="{6D22F896-40B5-4ADD-8801-0D06FADFA095}" type="slidenum">
-              <a:rPr lang="en-US" dirty="0"/>
+              <a:rPr lang="en-US" smtClean="0"/>
               <a:t>‹#›</a:t>
             </a:fld>
             <a:endParaRPr lang="en-US" dirty="0"/>
@@ -333,6 +350,11 @@
         </p:txBody>
       </p:sp>
     </p:spTree>
+    <p:extLst>
+      <p:ext uri="{BB962C8B-B14F-4D97-AF65-F5344CB8AC3E}">
+        <p14:creationId xmlns:p14="http://schemas.microsoft.com/office/powerpoint/2010/main" val="1307470660"/>
+      </p:ext>
+    </p:extLst>
   </p:cSld>
   <p:clrMapOvr>
     <a:masterClrMapping/>
@@ -442,7 +464,10 @@
           <a:noFill/>
           <a:ln w="82550" cap="sq">
             <a:solidFill>
-              <a:srgbClr val="EAEAEA"/>
+              <a:schemeClr val="bg2">
+                <a:lumMod val="60000"/>
+                <a:lumOff val="40000"/>
+              </a:schemeClr>
             </a:solidFill>
             <a:miter lim="800000"/>
           </a:ln>
@@ -590,8 +615,8 @@
           <a:lstStyle/>
           <a:p>
             <a:fld id="{48A87A34-81AB-432B-8DAE-1953F412C126}" type="datetimeFigureOut">
-              <a:rPr lang="en-US" dirty="0"/>
-              <a:t>11/26/2016</a:t>
+              <a:rPr lang="en-US" smtClean="0"/>
+              <a:t>11/29/2016</a:t>
             </a:fld>
             <a:endParaRPr lang="en-US" dirty="0"/>
           </a:p>
@@ -632,7 +657,7 @@
           <a:lstStyle/>
           <a:p>
             <a:fld id="{6D22F896-40B5-4ADD-8801-0D06FADFA095}" type="slidenum">
-              <a:rPr lang="en-US" dirty="0"/>
+              <a:rPr lang="en-US" smtClean="0"/>
               <a:t>‹#›</a:t>
             </a:fld>
             <a:endParaRPr lang="en-US" dirty="0"/>
@@ -640,6 +665,11 @@
         </p:txBody>
       </p:sp>
     </p:spTree>
+    <p:extLst>
+      <p:ext uri="{BB962C8B-B14F-4D97-AF65-F5344CB8AC3E}">
+        <p14:creationId xmlns:p14="http://schemas.microsoft.com/office/powerpoint/2010/main" val="3332715402"/>
+      </p:ext>
+    </p:extLst>
   </p:cSld>
   <p:clrMapOvr>
     <a:masterClrMapping/>
@@ -807,8 +837,8 @@
           <a:lstStyle/>
           <a:p>
             <a:fld id="{48A87A34-81AB-432B-8DAE-1953F412C126}" type="datetimeFigureOut">
-              <a:rPr lang="en-US" dirty="0"/>
-              <a:t>11/26/2016</a:t>
+              <a:rPr lang="en-US" smtClean="0"/>
+              <a:t>11/29/2016</a:t>
             </a:fld>
             <a:endParaRPr lang="en-US" dirty="0"/>
           </a:p>
@@ -849,7 +879,7 @@
           <a:lstStyle/>
           <a:p>
             <a:fld id="{6D22F896-40B5-4ADD-8801-0D06FADFA095}" type="slidenum">
-              <a:rPr lang="en-US" dirty="0"/>
+              <a:rPr lang="en-US" smtClean="0"/>
               <a:t>‹#›</a:t>
             </a:fld>
             <a:endParaRPr lang="en-US" dirty="0"/>
@@ -857,6 +887,11 @@
         </p:txBody>
       </p:sp>
     </p:spTree>
+    <p:extLst>
+      <p:ext uri="{BB962C8B-B14F-4D97-AF65-F5344CB8AC3E}">
+        <p14:creationId xmlns:p14="http://schemas.microsoft.com/office/powerpoint/2010/main" val="1220603240"/>
+      </p:ext>
+    </p:extLst>
   </p:cSld>
   <p:clrMapOvr>
     <a:masterClrMapping/>
@@ -1093,8 +1128,8 @@
           <a:lstStyle/>
           <a:p>
             <a:fld id="{48A87A34-81AB-432B-8DAE-1953F412C126}" type="datetimeFigureOut">
-              <a:rPr lang="en-US" dirty="0"/>
-              <a:t>11/26/2016</a:t>
+              <a:rPr lang="en-US" smtClean="0"/>
+              <a:t>11/29/2016</a:t>
             </a:fld>
             <a:endParaRPr lang="en-US" dirty="0"/>
           </a:p>
@@ -1135,7 +1170,7 @@
           <a:lstStyle/>
           <a:p>
             <a:fld id="{6D22F896-40B5-4ADD-8801-0D06FADFA095}" type="slidenum">
-              <a:rPr lang="en-US" dirty="0"/>
+              <a:rPr lang="en-US" smtClean="0"/>
               <a:t>‹#›</a:t>
             </a:fld>
             <a:endParaRPr lang="en-US" dirty="0"/>
@@ -1375,6 +1410,11 @@
         </p:txBody>
       </p:sp>
     </p:spTree>
+    <p:extLst>
+      <p:ext uri="{BB962C8B-B14F-4D97-AF65-F5344CB8AC3E}">
+        <p14:creationId xmlns:p14="http://schemas.microsoft.com/office/powerpoint/2010/main" val="3462622200"/>
+      </p:ext>
+    </p:extLst>
   </p:cSld>
   <p:clrMapOvr>
     <a:masterClrMapping/>
@@ -1542,8 +1582,8 @@
           <a:lstStyle/>
           <a:p>
             <a:fld id="{48A87A34-81AB-432B-8DAE-1953F412C126}" type="datetimeFigureOut">
-              <a:rPr lang="en-US" dirty="0"/>
-              <a:t>11/26/2016</a:t>
+              <a:rPr lang="en-US" smtClean="0"/>
+              <a:t>11/29/2016</a:t>
             </a:fld>
             <a:endParaRPr lang="en-US" dirty="0"/>
           </a:p>
@@ -1584,7 +1624,7 @@
           <a:lstStyle/>
           <a:p>
             <a:fld id="{6D22F896-40B5-4ADD-8801-0D06FADFA095}" type="slidenum">
-              <a:rPr lang="en-US" dirty="0"/>
+              <a:rPr lang="en-US" smtClean="0"/>
               <a:t>‹#›</a:t>
             </a:fld>
             <a:endParaRPr lang="en-US" dirty="0"/>
@@ -1592,6 +1632,11 @@
         </p:txBody>
       </p:sp>
     </p:spTree>
+    <p:extLst>
+      <p:ext uri="{BB962C8B-B14F-4D97-AF65-F5344CB8AC3E}">
+        <p14:creationId xmlns:p14="http://schemas.microsoft.com/office/powerpoint/2010/main" val="3154803197"/>
+      </p:ext>
+    </p:extLst>
   </p:cSld>
   <p:clrMapOvr>
     <a:masterClrMapping/>
@@ -2113,8 +2158,8 @@
           <a:lstStyle/>
           <a:p>
             <a:fld id="{48A87A34-81AB-432B-8DAE-1953F412C126}" type="datetimeFigureOut">
-              <a:rPr lang="en-US" dirty="0"/>
-              <a:t>11/26/2016</a:t>
+              <a:rPr lang="en-US" smtClean="0"/>
+              <a:t>11/29/2016</a:t>
             </a:fld>
             <a:endParaRPr lang="en-US" dirty="0"/>
           </a:p>
@@ -2155,7 +2200,7 @@
           <a:lstStyle/>
           <a:p>
             <a:fld id="{6D22F896-40B5-4ADD-8801-0D06FADFA095}" type="slidenum">
-              <a:rPr lang="en-US" dirty="0"/>
+              <a:rPr lang="en-US" smtClean="0"/>
               <a:t>‹#›</a:t>
             </a:fld>
             <a:endParaRPr lang="en-US" dirty="0"/>
@@ -2163,6 +2208,11 @@
         </p:txBody>
       </p:sp>
     </p:spTree>
+    <p:extLst>
+      <p:ext uri="{BB962C8B-B14F-4D97-AF65-F5344CB8AC3E}">
+        <p14:creationId xmlns:p14="http://schemas.microsoft.com/office/powerpoint/2010/main" val="2535195194"/>
+      </p:ext>
+    </p:extLst>
   </p:cSld>
   <p:clrMapOvr>
     <a:masterClrMapping/>
@@ -2342,7 +2392,10 @@
           <a:noFill/>
           <a:ln w="82550" cap="sq">
             <a:solidFill>
-              <a:srgbClr val="EAEAEA"/>
+              <a:schemeClr val="bg2">
+                <a:lumMod val="60000"/>
+                <a:lumOff val="40000"/>
+              </a:schemeClr>
             </a:solidFill>
             <a:miter lim="800000"/>
           </a:ln>
@@ -2575,7 +2628,10 @@
           <a:noFill/>
           <a:ln w="82550" cap="sq">
             <a:solidFill>
-              <a:srgbClr val="EAEAEA"/>
+              <a:schemeClr val="bg2">
+                <a:lumMod val="60000"/>
+                <a:lumOff val="40000"/>
+              </a:schemeClr>
             </a:solidFill>
             <a:miter lim="800000"/>
           </a:ln>
@@ -2808,7 +2864,10 @@
           <a:noFill/>
           <a:ln w="82550" cap="sq">
             <a:solidFill>
-              <a:srgbClr val="EAEAEA"/>
+              <a:schemeClr val="bg2">
+                <a:lumMod val="60000"/>
+                <a:lumOff val="40000"/>
+              </a:schemeClr>
             </a:solidFill>
             <a:miter lim="800000"/>
           </a:ln>
@@ -2960,8 +3019,8 @@
           <a:lstStyle/>
           <a:p>
             <a:fld id="{48A87A34-81AB-432B-8DAE-1953F412C126}" type="datetimeFigureOut">
-              <a:rPr lang="en-US" dirty="0"/>
-              <a:t>11/26/2016</a:t>
+              <a:rPr lang="en-US" smtClean="0"/>
+              <a:t>11/29/2016</a:t>
             </a:fld>
             <a:endParaRPr lang="en-US" dirty="0"/>
           </a:p>
@@ -3002,7 +3061,7 @@
           <a:lstStyle/>
           <a:p>
             <a:fld id="{6D22F896-40B5-4ADD-8801-0D06FADFA095}" type="slidenum">
-              <a:rPr lang="en-US" dirty="0"/>
+              <a:rPr lang="en-US" smtClean="0"/>
               <a:t>‹#›</a:t>
             </a:fld>
             <a:endParaRPr lang="en-US" dirty="0"/>
@@ -3010,6 +3069,11 @@
         </p:txBody>
       </p:sp>
     </p:spTree>
+    <p:extLst>
+      <p:ext uri="{BB962C8B-B14F-4D97-AF65-F5344CB8AC3E}">
+        <p14:creationId xmlns:p14="http://schemas.microsoft.com/office/powerpoint/2010/main" val="4067039274"/>
+      </p:ext>
+    </p:extLst>
   </p:cSld>
   <p:clrMapOvr>
     <a:masterClrMapping/>
@@ -3160,8 +3224,8 @@
           <a:lstStyle/>
           <a:p>
             <a:fld id="{48A87A34-81AB-432B-8DAE-1953F412C126}" type="datetimeFigureOut">
-              <a:rPr lang="en-US" dirty="0"/>
-              <a:t>11/26/2016</a:t>
+              <a:rPr lang="en-US" smtClean="0"/>
+              <a:t>11/29/2016</a:t>
             </a:fld>
             <a:endParaRPr lang="en-US" dirty="0"/>
           </a:p>
@@ -3202,7 +3266,7 @@
           <a:lstStyle/>
           <a:p>
             <a:fld id="{6D22F896-40B5-4ADD-8801-0D06FADFA095}" type="slidenum">
-              <a:rPr lang="en-US" dirty="0"/>
+              <a:rPr lang="en-US" smtClean="0"/>
               <a:t>‹#›</a:t>
             </a:fld>
             <a:endParaRPr lang="en-US" dirty="0"/>
@@ -3210,6 +3274,11 @@
         </p:txBody>
       </p:sp>
     </p:spTree>
+    <p:extLst>
+      <p:ext uri="{BB962C8B-B14F-4D97-AF65-F5344CB8AC3E}">
+        <p14:creationId xmlns:p14="http://schemas.microsoft.com/office/powerpoint/2010/main" val="3528591054"/>
+      </p:ext>
+    </p:extLst>
   </p:cSld>
   <p:clrMapOvr>
     <a:masterClrMapping/>
@@ -3369,8 +3438,8 @@
           <a:lstStyle/>
           <a:p>
             <a:fld id="{48A87A34-81AB-432B-8DAE-1953F412C126}" type="datetimeFigureOut">
-              <a:rPr lang="en-US" dirty="0"/>
-              <a:t>11/26/2016</a:t>
+              <a:rPr lang="en-US" smtClean="0"/>
+              <a:t>11/29/2016</a:t>
             </a:fld>
             <a:endParaRPr lang="en-US" dirty="0"/>
           </a:p>
@@ -3411,7 +3480,7 @@
           <a:lstStyle/>
           <a:p>
             <a:fld id="{6D22F896-40B5-4ADD-8801-0D06FADFA095}" type="slidenum">
-              <a:rPr lang="en-US" dirty="0"/>
+              <a:rPr lang="en-US" smtClean="0"/>
               <a:t>‹#›</a:t>
             </a:fld>
             <a:endParaRPr lang="en-US" dirty="0"/>
@@ -3419,6 +3488,11 @@
         </p:txBody>
       </p:sp>
     </p:spTree>
+    <p:extLst>
+      <p:ext uri="{BB962C8B-B14F-4D97-AF65-F5344CB8AC3E}">
+        <p14:creationId xmlns:p14="http://schemas.microsoft.com/office/powerpoint/2010/main" val="1873772548"/>
+      </p:ext>
+    </p:extLst>
   </p:cSld>
   <p:clrMapOvr>
     <a:masterClrMapping/>
@@ -3569,8 +3643,8 @@
           <a:lstStyle/>
           <a:p>
             <a:fld id="{48A87A34-81AB-432B-8DAE-1953F412C126}" type="datetimeFigureOut">
-              <a:rPr lang="en-US" dirty="0"/>
-              <a:t>11/26/2016</a:t>
+              <a:rPr lang="en-US" smtClean="0"/>
+              <a:t>11/29/2016</a:t>
             </a:fld>
             <a:endParaRPr lang="en-US" dirty="0"/>
           </a:p>
@@ -3611,7 +3685,7 @@
           <a:lstStyle/>
           <a:p>
             <a:fld id="{6D22F896-40B5-4ADD-8801-0D06FADFA095}" type="slidenum">
-              <a:rPr lang="en-US" dirty="0"/>
+              <a:rPr lang="en-US" smtClean="0"/>
               <a:t>‹#›</a:t>
             </a:fld>
             <a:endParaRPr lang="en-US" dirty="0"/>
@@ -3619,6 +3693,11 @@
         </p:txBody>
       </p:sp>
     </p:spTree>
+    <p:extLst>
+      <p:ext uri="{BB962C8B-B14F-4D97-AF65-F5344CB8AC3E}">
+        <p14:creationId xmlns:p14="http://schemas.microsoft.com/office/powerpoint/2010/main" val="4280038591"/>
+      </p:ext>
+    </p:extLst>
   </p:cSld>
   <p:clrMapOvr>
     <a:masterClrMapping/>
@@ -3844,8 +3923,8 @@
           <a:lstStyle/>
           <a:p>
             <a:fld id="{48A87A34-81AB-432B-8DAE-1953F412C126}" type="datetimeFigureOut">
-              <a:rPr lang="en-US" dirty="0"/>
-              <a:t>11/26/2016</a:t>
+              <a:rPr lang="en-US" smtClean="0"/>
+              <a:t>11/29/2016</a:t>
             </a:fld>
             <a:endParaRPr lang="en-US" dirty="0"/>
           </a:p>
@@ -3886,7 +3965,7 @@
           <a:lstStyle/>
           <a:p>
             <a:fld id="{6D22F896-40B5-4ADD-8801-0D06FADFA095}" type="slidenum">
-              <a:rPr lang="en-US" dirty="0"/>
+              <a:rPr lang="en-US" smtClean="0"/>
               <a:t>‹#›</a:t>
             </a:fld>
             <a:endParaRPr lang="en-US" dirty="0"/>
@@ -3894,6 +3973,11 @@
         </p:txBody>
       </p:sp>
     </p:spTree>
+    <p:extLst>
+      <p:ext uri="{BB962C8B-B14F-4D97-AF65-F5344CB8AC3E}">
+        <p14:creationId xmlns:p14="http://schemas.microsoft.com/office/powerpoint/2010/main" val="2478303378"/>
+      </p:ext>
+    </p:extLst>
   </p:cSld>
   <p:clrMapOvr>
     <a:masterClrMapping/>
@@ -4106,8 +4190,8 @@
           <a:lstStyle/>
           <a:p>
             <a:fld id="{48A87A34-81AB-432B-8DAE-1953F412C126}" type="datetimeFigureOut">
-              <a:rPr lang="en-US" dirty="0"/>
-              <a:t>11/26/2016</a:t>
+              <a:rPr lang="en-US" smtClean="0"/>
+              <a:t>11/29/2016</a:t>
             </a:fld>
             <a:endParaRPr lang="en-US" dirty="0"/>
           </a:p>
@@ -4148,7 +4232,7 @@
           <a:lstStyle/>
           <a:p>
             <a:fld id="{6D22F896-40B5-4ADD-8801-0D06FADFA095}" type="slidenum">
-              <a:rPr lang="en-US" dirty="0"/>
+              <a:rPr lang="en-US" smtClean="0"/>
               <a:t>‹#›</a:t>
             </a:fld>
             <a:endParaRPr lang="en-US" dirty="0"/>
@@ -4156,6 +4240,11 @@
         </p:txBody>
       </p:sp>
     </p:spTree>
+    <p:extLst>
+      <p:ext uri="{BB962C8B-B14F-4D97-AF65-F5344CB8AC3E}">
+        <p14:creationId xmlns:p14="http://schemas.microsoft.com/office/powerpoint/2010/main" val="2417355365"/>
+      </p:ext>
+    </p:extLst>
   </p:cSld>
   <p:clrMapOvr>
     <a:masterClrMapping/>
@@ -4516,8 +4605,8 @@
           <a:lstStyle/>
           <a:p>
             <a:fld id="{48A87A34-81AB-432B-8DAE-1953F412C126}" type="datetimeFigureOut">
-              <a:rPr lang="en-US" dirty="0"/>
-              <a:t>11/26/2016</a:t>
+              <a:rPr lang="en-US" smtClean="0"/>
+              <a:t>11/29/2016</a:t>
             </a:fld>
             <a:endParaRPr lang="en-US" dirty="0"/>
           </a:p>
@@ -4558,7 +4647,7 @@
           <a:lstStyle/>
           <a:p>
             <a:fld id="{6D22F896-40B5-4ADD-8801-0D06FADFA095}" type="slidenum">
-              <a:rPr lang="en-US" dirty="0"/>
+              <a:rPr lang="en-US" smtClean="0"/>
               <a:t>‹#›</a:t>
             </a:fld>
             <a:endParaRPr lang="en-US" dirty="0"/>
@@ -4566,6 +4655,11 @@
         </p:txBody>
       </p:sp>
     </p:spTree>
+    <p:extLst>
+      <p:ext uri="{BB962C8B-B14F-4D97-AF65-F5344CB8AC3E}">
+        <p14:creationId xmlns:p14="http://schemas.microsoft.com/office/powerpoint/2010/main" val="3108725078"/>
+      </p:ext>
+    </p:extLst>
   </p:cSld>
   <p:clrMapOvr>
     <a:masterClrMapping/>
@@ -4659,8 +4753,8 @@
           <a:lstStyle/>
           <a:p>
             <a:fld id="{48A87A34-81AB-432B-8DAE-1953F412C126}" type="datetimeFigureOut">
-              <a:rPr lang="en-US" dirty="0"/>
-              <a:t>11/26/2016</a:t>
+              <a:rPr lang="en-US" smtClean="0"/>
+              <a:t>11/29/2016</a:t>
             </a:fld>
             <a:endParaRPr lang="en-US" dirty="0"/>
           </a:p>
@@ -4701,7 +4795,7 @@
           <a:lstStyle/>
           <a:p>
             <a:fld id="{6D22F896-40B5-4ADD-8801-0D06FADFA095}" type="slidenum">
-              <a:rPr lang="en-US" dirty="0"/>
+              <a:rPr lang="en-US" smtClean="0"/>
               <a:t>‹#›</a:t>
             </a:fld>
             <a:endParaRPr lang="en-US" dirty="0"/>
@@ -4709,6 +4803,11 @@
         </p:txBody>
       </p:sp>
     </p:spTree>
+    <p:extLst>
+      <p:ext uri="{BB962C8B-B14F-4D97-AF65-F5344CB8AC3E}">
+        <p14:creationId xmlns:p14="http://schemas.microsoft.com/office/powerpoint/2010/main" val="153151912"/>
+      </p:ext>
+    </p:extLst>
   </p:cSld>
   <p:clrMapOvr>
     <a:masterClrMapping/>
@@ -4779,8 +4878,8 @@
           <a:lstStyle/>
           <a:p>
             <a:fld id="{48A87A34-81AB-432B-8DAE-1953F412C126}" type="datetimeFigureOut">
-              <a:rPr lang="en-US" dirty="0"/>
-              <a:t>11/26/2016</a:t>
+              <a:rPr lang="en-US" smtClean="0"/>
+              <a:t>11/29/2016</a:t>
             </a:fld>
             <a:endParaRPr lang="en-US" dirty="0"/>
           </a:p>
@@ -4821,7 +4920,7 @@
           <a:lstStyle/>
           <a:p>
             <a:fld id="{6D22F896-40B5-4ADD-8801-0D06FADFA095}" type="slidenum">
-              <a:rPr lang="en-US" dirty="0"/>
+              <a:rPr lang="en-US" smtClean="0"/>
               <a:t>‹#›</a:t>
             </a:fld>
             <a:endParaRPr lang="en-US" dirty="0"/>
@@ -4829,6 +4928,11 @@
         </p:txBody>
       </p:sp>
     </p:spTree>
+    <p:extLst>
+      <p:ext uri="{BB962C8B-B14F-4D97-AF65-F5344CB8AC3E}">
+        <p14:creationId xmlns:p14="http://schemas.microsoft.com/office/powerpoint/2010/main" val="29072361"/>
+      </p:ext>
+    </p:extLst>
   </p:cSld>
   <p:clrMapOvr>
     <a:masterClrMapping/>
@@ -5053,8 +5157,8 @@
           <a:lstStyle/>
           <a:p>
             <a:fld id="{48A87A34-81AB-432B-8DAE-1953F412C126}" type="datetimeFigureOut">
-              <a:rPr lang="en-US" dirty="0"/>
-              <a:t>11/26/2016</a:t>
+              <a:rPr lang="en-US" smtClean="0"/>
+              <a:t>11/29/2016</a:t>
             </a:fld>
             <a:endParaRPr lang="en-US" dirty="0"/>
           </a:p>
@@ -5095,7 +5199,7 @@
           <a:lstStyle/>
           <a:p>
             <a:fld id="{6D22F896-40B5-4ADD-8801-0D06FADFA095}" type="slidenum">
-              <a:rPr lang="en-US" dirty="0"/>
+              <a:rPr lang="en-US" smtClean="0"/>
               <a:t>‹#›</a:t>
             </a:fld>
             <a:endParaRPr lang="en-US" dirty="0"/>
@@ -5103,6 +5207,11 @@
         </p:txBody>
       </p:sp>
     </p:spTree>
+    <p:extLst>
+      <p:ext uri="{BB962C8B-B14F-4D97-AF65-F5344CB8AC3E}">
+        <p14:creationId xmlns:p14="http://schemas.microsoft.com/office/powerpoint/2010/main" val="3326224782"/>
+      </p:ext>
+    </p:extLst>
   </p:cSld>
   <p:clrMapOvr>
     <a:masterClrMapping/>
@@ -5212,7 +5321,10 @@
           <a:noFill/>
           <a:ln w="82550" cap="sq">
             <a:solidFill>
-              <a:srgbClr val="EAEAEA"/>
+              <a:schemeClr val="bg2">
+                <a:lumMod val="60000"/>
+                <a:lumOff val="40000"/>
+              </a:schemeClr>
             </a:solidFill>
             <a:miter lim="800000"/>
           </a:ln>
@@ -5360,8 +5472,8 @@
           <a:lstStyle/>
           <a:p>
             <a:fld id="{48A87A34-81AB-432B-8DAE-1953F412C126}" type="datetimeFigureOut">
-              <a:rPr lang="en-US" dirty="0"/>
-              <a:t>11/26/2016</a:t>
+              <a:rPr lang="en-US" smtClean="0"/>
+              <a:t>11/29/2016</a:t>
             </a:fld>
             <a:endParaRPr lang="en-US" dirty="0"/>
           </a:p>
@@ -5402,7 +5514,7 @@
           <a:lstStyle/>
           <a:p>
             <a:fld id="{6D22F896-40B5-4ADD-8801-0D06FADFA095}" type="slidenum">
-              <a:rPr lang="en-US" dirty="0"/>
+              <a:rPr lang="en-US" smtClean="0"/>
               <a:t>‹#›</a:t>
             </a:fld>
             <a:endParaRPr lang="en-US" dirty="0"/>
@@ -5410,6 +5522,11 @@
         </p:txBody>
       </p:sp>
     </p:spTree>
+    <p:extLst>
+      <p:ext uri="{BB962C8B-B14F-4D97-AF65-F5344CB8AC3E}">
+        <p14:creationId xmlns:p14="http://schemas.microsoft.com/office/powerpoint/2010/main" val="1829097023"/>
+      </p:ext>
+    </p:extLst>
   </p:cSld>
   <p:clrMapOvr>
     <a:masterClrMapping/>
@@ -5421,8 +5538,8 @@
 <p:sldMaster xmlns:a="http://schemas.openxmlformats.org/drawingml/2006/main" xmlns:r="http://schemas.openxmlformats.org/officeDocument/2006/relationships" xmlns:p="http://schemas.openxmlformats.org/presentationml/2006/main">
   <p:cSld>
     <p:bg>
-      <p:bgRef idx="1002">
-        <a:schemeClr val="bg1"/>
+      <p:bgRef idx="1003">
+        <a:schemeClr val="bg2"/>
       </p:bgRef>
     </p:bg>
     <p:spTree>
@@ -5449,7 +5566,7 @@
         </p:nvPicPr>
         <p:blipFill>
           <a:blip r:embed="rId19">
-            <a:alphaModFix/>
+            <a:alphaModFix amt="70000"/>
             <a:extLst>
               <a:ext uri="{28A0092B-C50C-407E-A947-70E740481C1C}">
                 <a14:useLocalDpi xmlns:a14="http://schemas.microsoft.com/office/drawing/2010/main" val="0"/>
@@ -5463,7 +5580,7 @@
         </p:blipFill>
         <p:spPr bwMode="auto">
           <a:xfrm>
-            <a:off x="0" y="-1"/>
+            <a:off x="0" y="0"/>
             <a:ext cx="12192003" cy="6858001"/>
           </a:xfrm>
           <a:prstGeom prst="rect">
@@ -5608,9 +5725,9 @@
           </a:lstStyle>
           <a:p>
             <a:fld id="{48A87A34-81AB-432B-8DAE-1953F412C126}" type="datetimeFigureOut">
-              <a:rPr lang="en-US" dirty="0"/>
+              <a:rPr lang="en-US" smtClean="0"/>
               <a:pPr/>
-              <a:t>11/26/2016</a:t>
+              <a:t>11/29/2016</a:t>
             </a:fld>
             <a:endParaRPr lang="en-US" dirty="0"/>
           </a:p>
@@ -5683,7 +5800,7 @@
           </a:lstStyle>
           <a:p>
             <a:fld id="{6D22F896-40B5-4ADD-8801-0D06FADFA095}" type="slidenum">
-              <a:rPr lang="en-US" dirty="0"/>
+              <a:rPr lang="en-US" smtClean="0"/>
               <a:pPr/>
               <a:t>‹#›</a:t>
             </a:fld>
@@ -5692,26 +5809,31 @@
         </p:txBody>
       </p:sp>
     </p:spTree>
+    <p:extLst>
+      <p:ext uri="{BB962C8B-B14F-4D97-AF65-F5344CB8AC3E}">
+        <p14:creationId xmlns:p14="http://schemas.microsoft.com/office/powerpoint/2010/main" val="1535694775"/>
+      </p:ext>
+    </p:extLst>
   </p:cSld>
   <p:clrMap bg1="lt1" tx1="dk1" bg2="lt2" tx2="dk2" accent1="accent1" accent2="accent2" accent3="accent3" accent4="accent4" accent5="accent5" accent6="accent6" hlink="hlink" folHlink="folHlink"/>
   <p:sldLayoutIdLst>
-    <p:sldLayoutId id="2147483649" r:id="rId1"/>
-    <p:sldLayoutId id="2147483650" r:id="rId2"/>
-    <p:sldLayoutId id="2147483651" r:id="rId3"/>
-    <p:sldLayoutId id="2147483652" r:id="rId4"/>
-    <p:sldLayoutId id="2147483653" r:id="rId5"/>
-    <p:sldLayoutId id="2147483654" r:id="rId6"/>
-    <p:sldLayoutId id="2147483655" r:id="rId7"/>
-    <p:sldLayoutId id="2147483656" r:id="rId8"/>
-    <p:sldLayoutId id="2147483657" r:id="rId9"/>
-    <p:sldLayoutId id="2147483660" r:id="rId10"/>
-    <p:sldLayoutId id="2147483661" r:id="rId11"/>
-    <p:sldLayoutId id="2147483666" r:id="rId12"/>
-    <p:sldLayoutId id="2147483663" r:id="rId13"/>
-    <p:sldLayoutId id="2147483667" r:id="rId14"/>
-    <p:sldLayoutId id="2147483668" r:id="rId15"/>
-    <p:sldLayoutId id="2147483658" r:id="rId16"/>
-    <p:sldLayoutId id="2147483659" r:id="rId17"/>
+    <p:sldLayoutId id="2147483670" r:id="rId1"/>
+    <p:sldLayoutId id="2147483671" r:id="rId2"/>
+    <p:sldLayoutId id="2147483672" r:id="rId3"/>
+    <p:sldLayoutId id="2147483673" r:id="rId4"/>
+    <p:sldLayoutId id="2147483674" r:id="rId5"/>
+    <p:sldLayoutId id="2147483675" r:id="rId6"/>
+    <p:sldLayoutId id="2147483676" r:id="rId7"/>
+    <p:sldLayoutId id="2147483677" r:id="rId8"/>
+    <p:sldLayoutId id="2147483678" r:id="rId9"/>
+    <p:sldLayoutId id="2147483679" r:id="rId10"/>
+    <p:sldLayoutId id="2147483680" r:id="rId11"/>
+    <p:sldLayoutId id="2147483681" r:id="rId12"/>
+    <p:sldLayoutId id="2147483682" r:id="rId13"/>
+    <p:sldLayoutId id="2147483683" r:id="rId14"/>
+    <p:sldLayoutId id="2147483684" r:id="rId15"/>
+    <p:sldLayoutId id="2147483685" r:id="rId16"/>
+    <p:sldLayoutId id="2147483686" r:id="rId17"/>
   </p:sldLayoutIdLst>
   <p:txStyles>
     <p:titleStyle>
@@ -6073,15 +6195,11 @@
           <a:lstStyle/>
           <a:p>
             <a:r>
-              <a:rPr lang="en-US" sz="7200" dirty="0">
+              <a:rPr lang="en-US" sz="7200" cap="none" dirty="0">
                 <a:latin typeface="Times New Roman" panose="02020603050405020304" pitchFamily="18" charset="0"/>
                 <a:cs typeface="Times New Roman" panose="02020603050405020304" pitchFamily="18" charset="0"/>
               </a:rPr>
-              <a:t>Twitter</a:t>
-            </a:r>
-            <a:r>
-              <a:rPr lang="en-US" sz="7200" dirty="0"/>
-              <a:t> Heron</a:t>
+              <a:t>TWITTER HERON</a:t>
             </a:r>
           </a:p>
         </p:txBody>
@@ -6098,8 +6216,8 @@
         </p:nvSpPr>
         <p:spPr>
           <a:xfrm>
-            <a:off x="1751012" y="3886200"/>
-            <a:ext cx="8689976" cy="2278930"/>
+            <a:off x="1751012" y="3180522"/>
+            <a:ext cx="9645858" cy="2984608"/>
           </a:xfrm>
         </p:spPr>
         <p:txBody>
@@ -6114,66 +6232,36 @@
                   <a:schemeClr val="tx1"/>
                 </a:solidFill>
               </a:rPr>
-              <a:t>						</a:t>
-            </a:r>
-            <a:r>
-              <a:rPr lang="en-US" sz="3200" dirty="0">
+              <a:t>	</a:t>
+            </a:r>
+            <a:r>
+              <a:rPr lang="en-US" sz="4000" b="1" cap="none" dirty="0">
                 <a:solidFill>
                   <a:schemeClr val="tx1"/>
                 </a:solidFill>
                 <a:latin typeface="Times New Roman" panose="02020603050405020304" pitchFamily="18" charset="0"/>
                 <a:cs typeface="Times New Roman" panose="02020603050405020304" pitchFamily="18" charset="0"/>
               </a:rPr>
-              <a:t>	By</a:t>
+              <a:t>By</a:t>
             </a:r>
           </a:p>
           <a:p>
             <a:pPr algn="r"/>
             <a:r>
-              <a:rPr lang="en-US" sz="3200" dirty="0" err="1">
+              <a:rPr lang="en-US" sz="4000" b="1" cap="none" dirty="0">
                 <a:solidFill>
                   <a:schemeClr val="tx1"/>
                 </a:solidFill>
                 <a:latin typeface="Times New Roman" panose="02020603050405020304" pitchFamily="18" charset="0"/>
                 <a:cs typeface="Times New Roman" panose="02020603050405020304" pitchFamily="18" charset="0"/>
               </a:rPr>
-              <a:t>Akhilesh</a:t>
-            </a:r>
-            <a:r>
-              <a:rPr lang="en-US" sz="3200" dirty="0">
-                <a:solidFill>
-                  <a:schemeClr val="tx1"/>
-                </a:solidFill>
-                <a:latin typeface="Times New Roman" panose="02020603050405020304" pitchFamily="18" charset="0"/>
-                <a:cs typeface="Times New Roman" panose="02020603050405020304" pitchFamily="18" charset="0"/>
-              </a:rPr>
-              <a:t> </a:t>
-            </a:r>
-            <a:r>
-              <a:rPr lang="en-US" sz="3200" dirty="0" err="1">
-                <a:solidFill>
-                  <a:schemeClr val="tx1"/>
-                </a:solidFill>
-                <a:latin typeface="Times New Roman" panose="02020603050405020304" pitchFamily="18" charset="0"/>
-                <a:cs typeface="Times New Roman" panose="02020603050405020304" pitchFamily="18" charset="0"/>
-              </a:rPr>
-              <a:t>Gattu</a:t>
-            </a:r>
-            <a:r>
-              <a:rPr lang="en-US" sz="3200" dirty="0">
-                <a:solidFill>
-                  <a:schemeClr val="tx1"/>
-                </a:solidFill>
-                <a:latin typeface="Times New Roman" panose="02020603050405020304" pitchFamily="18" charset="0"/>
-                <a:cs typeface="Times New Roman" panose="02020603050405020304" pitchFamily="18" charset="0"/>
-              </a:rPr>
-              <a:t> (5)</a:t>
+              <a:t>Akhilesh Gattu (5)</a:t>
             </a:r>
           </a:p>
           <a:p>
             <a:pPr algn="r"/>
             <a:r>
-              <a:rPr lang="en-US" sz="3200" dirty="0">
+              <a:rPr lang="en-US" sz="4000" b="1" cap="none" dirty="0">
                 <a:solidFill>
                   <a:schemeClr val="tx1"/>
                 </a:solidFill>
@@ -6183,7 +6271,7 @@
               <a:t>Latha Muddu (15</a:t>
             </a:r>
             <a:r>
-              <a:rPr lang="en-US" sz="3200" dirty="0">
+              <a:rPr lang="en-US" sz="4000" b="1" cap="none" dirty="0">
                 <a:solidFill>
                   <a:schemeClr val="tx1"/>
                 </a:solidFill>
@@ -6197,6 +6285,865 @@
     <p:extLst>
       <p:ext uri="{BB962C8B-B14F-4D97-AF65-F5344CB8AC3E}">
         <p14:creationId xmlns:p14="http://schemas.microsoft.com/office/powerpoint/2010/main" val="3977623874"/>
+      </p:ext>
+    </p:extLst>
+  </p:cSld>
+  <p:clrMapOvr>
+    <a:masterClrMapping/>
+  </p:clrMapOvr>
+</p:sld>
+</file>
+
+<file path=ppt/slides/slide10.xml><?xml version="1.0" encoding="utf-8"?>
+<p:sld xmlns:a="http://schemas.openxmlformats.org/drawingml/2006/main" xmlns:r="http://schemas.openxmlformats.org/officeDocument/2006/relationships" xmlns:p="http://schemas.openxmlformats.org/presentationml/2006/main">
+  <p:cSld>
+    <p:spTree>
+      <p:nvGrpSpPr>
+        <p:cNvPr id="1" name=""/>
+        <p:cNvGrpSpPr/>
+        <p:nvPr/>
+      </p:nvGrpSpPr>
+      <p:grpSpPr>
+        <a:xfrm>
+          <a:off x="0" y="0"/>
+          <a:ext cx="0" cy="0"/>
+          <a:chOff x="0" y="0"/>
+          <a:chExt cx="0" cy="0"/>
+        </a:xfrm>
+      </p:grpSpPr>
+      <p:sp>
+        <p:nvSpPr>
+          <p:cNvPr id="2" name="Title 1"/>
+          <p:cNvSpPr>
+            <a:spLocks noGrp="1"/>
+          </p:cNvSpPr>
+          <p:nvPr>
+            <p:ph type="title"/>
+          </p:nvPr>
+        </p:nvSpPr>
+        <p:spPr>
+          <a:xfrm>
+            <a:off x="861821" y="254836"/>
+            <a:ext cx="10364451" cy="940119"/>
+          </a:xfrm>
+        </p:spPr>
+        <p:txBody>
+          <a:bodyPr>
+            <a:normAutofit/>
+          </a:bodyPr>
+          <a:lstStyle/>
+          <a:p>
+            <a:r>
+              <a:rPr lang="en-US" sz="4000" dirty="0">
+                <a:latin typeface="Times New Roman" panose="02020603050405020304" pitchFamily="18" charset="0"/>
+                <a:cs typeface="Times New Roman" panose="02020603050405020304" pitchFamily="18" charset="0"/>
+              </a:rPr>
+              <a:t>Heron UI</a:t>
+            </a:r>
+          </a:p>
+        </p:txBody>
+      </p:sp>
+      <p:pic>
+        <p:nvPicPr>
+          <p:cNvPr id="5" name="Content Placeholder 4"/>
+          <p:cNvPicPr>
+            <a:picLocks noGrp="1" noChangeAspect="1"/>
+          </p:cNvPicPr>
+          <p:nvPr>
+            <p:ph sz="quarter" idx="13"/>
+          </p:nvPr>
+        </p:nvPicPr>
+        <p:blipFill>
+          <a:blip r:embed="rId2">
+            <a:extLst>
+              <a:ext uri="{28A0092B-C50C-407E-A947-70E740481C1C}">
+                <a14:useLocalDpi xmlns:a14="http://schemas.microsoft.com/office/drawing/2010/main" val="0"/>
+              </a:ext>
+            </a:extLst>
+          </a:blip>
+          <a:stretch>
+            <a:fillRect/>
+          </a:stretch>
+        </p:blipFill>
+        <p:spPr>
+          <a:xfrm>
+            <a:off x="1246909" y="1267692"/>
+            <a:ext cx="9653155" cy="5351318"/>
+          </a:xfrm>
+        </p:spPr>
+      </p:pic>
+    </p:spTree>
+    <p:extLst>
+      <p:ext uri="{BB962C8B-B14F-4D97-AF65-F5344CB8AC3E}">
+        <p14:creationId xmlns:p14="http://schemas.microsoft.com/office/powerpoint/2010/main" val="2018490905"/>
+      </p:ext>
+    </p:extLst>
+  </p:cSld>
+  <p:clrMapOvr>
+    <a:masterClrMapping/>
+  </p:clrMapOvr>
+</p:sld>
+</file>
+
+<file path=ppt/slides/slide11.xml><?xml version="1.0" encoding="utf-8"?>
+<p:sld xmlns:a="http://schemas.openxmlformats.org/drawingml/2006/main" xmlns:r="http://schemas.openxmlformats.org/officeDocument/2006/relationships" xmlns:p="http://schemas.openxmlformats.org/presentationml/2006/main">
+  <p:cSld>
+    <p:spTree>
+      <p:nvGrpSpPr>
+        <p:cNvPr id="1" name=""/>
+        <p:cNvGrpSpPr/>
+        <p:nvPr/>
+      </p:nvGrpSpPr>
+      <p:grpSpPr>
+        <a:xfrm>
+          <a:off x="0" y="0"/>
+          <a:ext cx="0" cy="0"/>
+          <a:chOff x="0" y="0"/>
+          <a:chExt cx="0" cy="0"/>
+        </a:xfrm>
+      </p:grpSpPr>
+      <p:sp>
+        <p:nvSpPr>
+          <p:cNvPr id="2" name="Title 1"/>
+          <p:cNvSpPr>
+            <a:spLocks noGrp="1"/>
+          </p:cNvSpPr>
+          <p:nvPr>
+            <p:ph type="title"/>
+          </p:nvPr>
+        </p:nvSpPr>
+        <p:spPr/>
+        <p:txBody>
+          <a:bodyPr>
+            <a:normAutofit/>
+          </a:bodyPr>
+          <a:lstStyle/>
+          <a:p>
+            <a:r>
+              <a:rPr lang="en-US" sz="4000" dirty="0">
+                <a:latin typeface="Times New Roman" panose="02020603050405020304" pitchFamily="18" charset="0"/>
+                <a:cs typeface="Times New Roman" panose="02020603050405020304" pitchFamily="18" charset="0"/>
+              </a:rPr>
+              <a:t>Heron vs storm Throughput and end to end latency</a:t>
+            </a:r>
+          </a:p>
+        </p:txBody>
+      </p:sp>
+      <p:pic>
+        <p:nvPicPr>
+          <p:cNvPr id="8" name="Content Placeholder 7"/>
+          <p:cNvPicPr>
+            <a:picLocks noGrp="1" noChangeAspect="1"/>
+          </p:cNvPicPr>
+          <p:nvPr>
+            <p:ph sz="quarter" idx="13"/>
+          </p:nvPr>
+        </p:nvPicPr>
+        <p:blipFill>
+          <a:blip r:embed="rId2"/>
+          <a:stretch>
+            <a:fillRect/>
+          </a:stretch>
+        </p:blipFill>
+        <p:spPr>
+          <a:xfrm>
+            <a:off x="1519237" y="2640806"/>
+            <a:ext cx="3895725" cy="2876550"/>
+          </a:xfrm>
+        </p:spPr>
+      </p:pic>
+      <p:pic>
+        <p:nvPicPr>
+          <p:cNvPr id="9" name="Content Placeholder 8"/>
+          <p:cNvPicPr>
+            <a:picLocks noGrp="1" noChangeAspect="1"/>
+          </p:cNvPicPr>
+          <p:nvPr>
+            <p:ph sz="quarter" idx="14"/>
+          </p:nvPr>
+        </p:nvPicPr>
+        <p:blipFill>
+          <a:blip r:embed="rId3"/>
+          <a:stretch>
+            <a:fillRect/>
+          </a:stretch>
+        </p:blipFill>
+        <p:spPr>
+          <a:xfrm>
+            <a:off x="6715125" y="2655094"/>
+            <a:ext cx="4019550" cy="2847975"/>
+          </a:xfrm>
+        </p:spPr>
+      </p:pic>
+    </p:spTree>
+    <p:extLst>
+      <p:ext uri="{BB962C8B-B14F-4D97-AF65-F5344CB8AC3E}">
+        <p14:creationId xmlns:p14="http://schemas.microsoft.com/office/powerpoint/2010/main" val="1357883946"/>
+      </p:ext>
+    </p:extLst>
+  </p:cSld>
+  <p:clrMapOvr>
+    <a:masterClrMapping/>
+  </p:clrMapOvr>
+</p:sld>
+</file>
+
+<file path=ppt/slides/slide12.xml><?xml version="1.0" encoding="utf-8"?>
+<p:sld xmlns:a="http://schemas.openxmlformats.org/drawingml/2006/main" xmlns:r="http://schemas.openxmlformats.org/officeDocument/2006/relationships" xmlns:p="http://schemas.openxmlformats.org/presentationml/2006/main">
+  <p:cSld>
+    <p:spTree>
+      <p:nvGrpSpPr>
+        <p:cNvPr id="1" name=""/>
+        <p:cNvGrpSpPr/>
+        <p:nvPr/>
+      </p:nvGrpSpPr>
+      <p:grpSpPr>
+        <a:xfrm>
+          <a:off x="0" y="0"/>
+          <a:ext cx="0" cy="0"/>
+          <a:chOff x="0" y="0"/>
+          <a:chExt cx="0" cy="0"/>
+        </a:xfrm>
+      </p:grpSpPr>
+      <p:sp>
+        <p:nvSpPr>
+          <p:cNvPr id="2" name="Title 1"/>
+          <p:cNvSpPr>
+            <a:spLocks noGrp="1"/>
+          </p:cNvSpPr>
+          <p:nvPr>
+            <p:ph type="title"/>
+          </p:nvPr>
+        </p:nvSpPr>
+        <p:spPr/>
+        <p:txBody>
+          <a:bodyPr>
+            <a:normAutofit/>
+          </a:bodyPr>
+          <a:lstStyle/>
+          <a:p>
+            <a:r>
+              <a:rPr lang="en-US" sz="4000" dirty="0">
+                <a:latin typeface="Times New Roman" panose="02020603050405020304" pitchFamily="18" charset="0"/>
+                <a:cs typeface="Times New Roman" panose="02020603050405020304" pitchFamily="18" charset="0"/>
+              </a:rPr>
+              <a:t>Heron vs storm </a:t>
+            </a:r>
+            <a:r>
+              <a:rPr lang="en-US" sz="4000" dirty="0" err="1">
+                <a:latin typeface="Times New Roman" panose="02020603050405020304" pitchFamily="18" charset="0"/>
+                <a:cs typeface="Times New Roman" panose="02020603050405020304" pitchFamily="18" charset="0"/>
+              </a:rPr>
+              <a:t>cpu</a:t>
+            </a:r>
+            <a:r>
+              <a:rPr lang="en-US" sz="4000" dirty="0">
+                <a:latin typeface="Times New Roman" panose="02020603050405020304" pitchFamily="18" charset="0"/>
+                <a:cs typeface="Times New Roman" panose="02020603050405020304" pitchFamily="18" charset="0"/>
+              </a:rPr>
+              <a:t> usage</a:t>
+            </a:r>
+          </a:p>
+        </p:txBody>
+      </p:sp>
+      <p:pic>
+        <p:nvPicPr>
+          <p:cNvPr id="5" name="Content Placeholder 4"/>
+          <p:cNvPicPr>
+            <a:picLocks noGrp="1" noChangeAspect="1"/>
+          </p:cNvPicPr>
+          <p:nvPr>
+            <p:ph sz="quarter" idx="13"/>
+          </p:nvPr>
+        </p:nvPicPr>
+        <p:blipFill>
+          <a:blip r:embed="rId2"/>
+          <a:stretch>
+            <a:fillRect/>
+          </a:stretch>
+        </p:blipFill>
+        <p:spPr>
+          <a:xfrm>
+            <a:off x="4114800" y="2650331"/>
+            <a:ext cx="3962400" cy="2857500"/>
+          </a:xfrm>
+        </p:spPr>
+      </p:pic>
+    </p:spTree>
+    <p:extLst>
+      <p:ext uri="{BB962C8B-B14F-4D97-AF65-F5344CB8AC3E}">
+        <p14:creationId xmlns:p14="http://schemas.microsoft.com/office/powerpoint/2010/main" val="225052243"/>
+      </p:ext>
+    </p:extLst>
+  </p:cSld>
+  <p:clrMapOvr>
+    <a:masterClrMapping/>
+  </p:clrMapOvr>
+</p:sld>
+</file>
+
+<file path=ppt/slides/slide13.xml><?xml version="1.0" encoding="utf-8"?>
+<p:sld xmlns:a="http://schemas.openxmlformats.org/drawingml/2006/main" xmlns:r="http://schemas.openxmlformats.org/officeDocument/2006/relationships" xmlns:p="http://schemas.openxmlformats.org/presentationml/2006/main">
+  <p:cSld>
+    <p:spTree>
+      <p:nvGrpSpPr>
+        <p:cNvPr id="1" name=""/>
+        <p:cNvGrpSpPr/>
+        <p:nvPr/>
+      </p:nvGrpSpPr>
+      <p:grpSpPr>
+        <a:xfrm>
+          <a:off x="0" y="0"/>
+          <a:ext cx="0" cy="0"/>
+          <a:chOff x="0" y="0"/>
+          <a:chExt cx="0" cy="0"/>
+        </a:xfrm>
+      </p:grpSpPr>
+      <p:sp>
+        <p:nvSpPr>
+          <p:cNvPr id="2" name="Title 1"/>
+          <p:cNvSpPr>
+            <a:spLocks noGrp="1"/>
+          </p:cNvSpPr>
+          <p:nvPr>
+            <p:ph type="title"/>
+          </p:nvPr>
+        </p:nvSpPr>
+        <p:spPr/>
+        <p:txBody>
+          <a:bodyPr/>
+          <a:lstStyle/>
+          <a:p>
+            <a:r>
+              <a:rPr lang="en-US" dirty="0"/>
+              <a:t>Twitter use case</a:t>
+            </a:r>
+          </a:p>
+        </p:txBody>
+      </p:sp>
+      <p:sp>
+        <p:nvSpPr>
+          <p:cNvPr id="3" name="Content Placeholder 2"/>
+          <p:cNvSpPr>
+            <a:spLocks noGrp="1"/>
+          </p:cNvSpPr>
+          <p:nvPr>
+            <p:ph sz="quarter" idx="13"/>
+          </p:nvPr>
+        </p:nvSpPr>
+        <p:spPr>
+          <a:xfrm>
+            <a:off x="913774" y="1870364"/>
+            <a:ext cx="10363826" cy="4675909"/>
+          </a:xfrm>
+        </p:spPr>
+        <p:txBody>
+          <a:bodyPr/>
+          <a:lstStyle/>
+          <a:p>
+            <a:r>
+              <a:rPr lang="en-US" dirty="0"/>
+              <a:t>Real Time Trends - Twitter is a continuous stream of tweets and in this stream, you need to identify the emerging top 10 trends.</a:t>
+            </a:r>
+          </a:p>
+          <a:p>
+            <a:pPr marL="0" indent="0">
+              <a:buNone/>
+            </a:pPr>
+            <a:endParaRPr lang="en-US" dirty="0"/>
+          </a:p>
+          <a:p>
+            <a:r>
+              <a:rPr lang="en-US" dirty="0"/>
+              <a:t>Real Time BI – Counting the number of tweets based on the source - break down by mobile/web, what mobile operating system, a crude sense of location, </a:t>
+            </a:r>
+            <a:r>
+              <a:rPr lang="en-US" dirty="0" err="1"/>
+              <a:t>etc</a:t>
+            </a:r>
+            <a:endParaRPr lang="en-US" dirty="0"/>
+          </a:p>
+          <a:p>
+            <a:pPr marL="0" indent="0">
+              <a:buNone/>
+            </a:pPr>
+            <a:endParaRPr lang="en-US" dirty="0"/>
+          </a:p>
+          <a:p>
+            <a:r>
+              <a:rPr lang="en-US" dirty="0" err="1"/>
+              <a:t>Heatmap</a:t>
+            </a:r>
+            <a:r>
+              <a:rPr lang="en-US" dirty="0"/>
+              <a:t> of Tweets - Some % of tweets contains latitude and longitude. Get those tweets continuously and update the google maps to see where the tweets are coming from and view them globally in a map</a:t>
+            </a:r>
+          </a:p>
+        </p:txBody>
+      </p:sp>
+    </p:spTree>
+    <p:extLst>
+      <p:ext uri="{BB962C8B-B14F-4D97-AF65-F5344CB8AC3E}">
+        <p14:creationId xmlns:p14="http://schemas.microsoft.com/office/powerpoint/2010/main" val="3139840273"/>
+      </p:ext>
+    </p:extLst>
+  </p:cSld>
+  <p:clrMapOvr>
+    <a:masterClrMapping/>
+  </p:clrMapOvr>
+</p:sld>
+</file>
+
+<file path=ppt/slides/slide14.xml><?xml version="1.0" encoding="utf-8"?>
+<p:sld xmlns:a="http://schemas.openxmlformats.org/drawingml/2006/main" xmlns:r="http://schemas.openxmlformats.org/officeDocument/2006/relationships" xmlns:p="http://schemas.openxmlformats.org/presentationml/2006/main">
+  <p:cSld>
+    <p:spTree>
+      <p:nvGrpSpPr>
+        <p:cNvPr id="1" name=""/>
+        <p:cNvGrpSpPr/>
+        <p:nvPr/>
+      </p:nvGrpSpPr>
+      <p:grpSpPr>
+        <a:xfrm>
+          <a:off x="0" y="0"/>
+          <a:ext cx="0" cy="0"/>
+          <a:chOff x="0" y="0"/>
+          <a:chExt cx="0" cy="0"/>
+        </a:xfrm>
+      </p:grpSpPr>
+      <p:sp>
+        <p:nvSpPr>
+          <p:cNvPr id="2" name="Title 1"/>
+          <p:cNvSpPr>
+            <a:spLocks noGrp="1"/>
+          </p:cNvSpPr>
+          <p:nvPr>
+            <p:ph type="title"/>
+          </p:nvPr>
+        </p:nvSpPr>
+        <p:spPr/>
+        <p:txBody>
+          <a:bodyPr/>
+          <a:lstStyle/>
+          <a:p>
+            <a:r>
+              <a:rPr lang="en-US" dirty="0"/>
+              <a:t>Twitter heron Use case architecture</a:t>
+            </a:r>
+          </a:p>
+        </p:txBody>
+      </p:sp>
+      <p:pic>
+        <p:nvPicPr>
+          <p:cNvPr id="4" name="Content Placeholder 3"/>
+          <p:cNvPicPr>
+            <a:picLocks noGrp="1" noChangeAspect="1"/>
+          </p:cNvPicPr>
+          <p:nvPr>
+            <p:ph sz="quarter" idx="13"/>
+          </p:nvPr>
+        </p:nvPicPr>
+        <p:blipFill>
+          <a:blip r:embed="rId2">
+            <a:extLst>
+              <a:ext uri="{28A0092B-C50C-407E-A947-70E740481C1C}">
+                <a14:useLocalDpi xmlns:a14="http://schemas.microsoft.com/office/drawing/2010/main" val="0"/>
+              </a:ext>
+            </a:extLst>
+          </a:blip>
+          <a:stretch>
+            <a:fillRect/>
+          </a:stretch>
+        </p:blipFill>
+        <p:spPr>
+          <a:xfrm>
+            <a:off x="1786597" y="2366963"/>
+            <a:ext cx="8018585" cy="3808754"/>
+          </a:xfrm>
+          <a:prstGeom prst="rect">
+            <a:avLst/>
+          </a:prstGeom>
+        </p:spPr>
+      </p:pic>
+    </p:spTree>
+    <p:extLst>
+      <p:ext uri="{BB962C8B-B14F-4D97-AF65-F5344CB8AC3E}">
+        <p14:creationId xmlns:p14="http://schemas.microsoft.com/office/powerpoint/2010/main" val="826093784"/>
+      </p:ext>
+    </p:extLst>
+  </p:cSld>
+  <p:clrMapOvr>
+    <a:masterClrMapping/>
+  </p:clrMapOvr>
+</p:sld>
+</file>
+
+<file path=ppt/slides/slide15.xml><?xml version="1.0" encoding="utf-8"?>
+<p:sld xmlns:a="http://schemas.openxmlformats.org/drawingml/2006/main" xmlns:r="http://schemas.openxmlformats.org/officeDocument/2006/relationships" xmlns:p="http://schemas.openxmlformats.org/presentationml/2006/main">
+  <p:cSld>
+    <p:spTree>
+      <p:nvGrpSpPr>
+        <p:cNvPr id="1" name=""/>
+        <p:cNvGrpSpPr/>
+        <p:nvPr/>
+      </p:nvGrpSpPr>
+      <p:grpSpPr>
+        <a:xfrm>
+          <a:off x="0" y="0"/>
+          <a:ext cx="0" cy="0"/>
+          <a:chOff x="0" y="0"/>
+          <a:chExt cx="0" cy="0"/>
+        </a:xfrm>
+      </p:grpSpPr>
+      <p:sp>
+        <p:nvSpPr>
+          <p:cNvPr id="2" name="Title 1"/>
+          <p:cNvSpPr>
+            <a:spLocks noGrp="1"/>
+          </p:cNvSpPr>
+          <p:nvPr>
+            <p:ph type="title"/>
+          </p:nvPr>
+        </p:nvSpPr>
+        <p:spPr/>
+        <p:txBody>
+          <a:bodyPr>
+            <a:normAutofit/>
+          </a:bodyPr>
+          <a:lstStyle/>
+          <a:p>
+            <a:r>
+              <a:rPr lang="en-US" sz="4000" dirty="0">
+                <a:latin typeface="Times New Roman" panose="02020603050405020304" pitchFamily="18" charset="0"/>
+                <a:cs typeface="Times New Roman" panose="02020603050405020304" pitchFamily="18" charset="0"/>
+              </a:rPr>
+              <a:t>Implementation</a:t>
+            </a:r>
+          </a:p>
+        </p:txBody>
+      </p:sp>
+      <p:pic>
+        <p:nvPicPr>
+          <p:cNvPr id="4" name="Content Placeholder 3"/>
+          <p:cNvPicPr>
+            <a:picLocks noGrp="1" noChangeAspect="1"/>
+          </p:cNvPicPr>
+          <p:nvPr>
+            <p:ph sz="quarter" idx="13"/>
+          </p:nvPr>
+        </p:nvPicPr>
+        <p:blipFill>
+          <a:blip r:embed="rId2"/>
+          <a:stretch>
+            <a:fillRect/>
+          </a:stretch>
+        </p:blipFill>
+        <p:spPr>
+          <a:xfrm>
+            <a:off x="3052234" y="2366963"/>
+            <a:ext cx="6087532" cy="3424237"/>
+          </a:xfrm>
+          <a:prstGeom prst="rect">
+            <a:avLst/>
+          </a:prstGeom>
+        </p:spPr>
+      </p:pic>
+    </p:spTree>
+    <p:extLst>
+      <p:ext uri="{BB962C8B-B14F-4D97-AF65-F5344CB8AC3E}">
+        <p14:creationId xmlns:p14="http://schemas.microsoft.com/office/powerpoint/2010/main" val="2560140790"/>
+      </p:ext>
+    </p:extLst>
+  </p:cSld>
+  <p:clrMapOvr>
+    <a:masterClrMapping/>
+  </p:clrMapOvr>
+</p:sld>
+</file>
+
+<file path=ppt/slides/slide16.xml><?xml version="1.0" encoding="utf-8"?>
+<p:sld xmlns:a="http://schemas.openxmlformats.org/drawingml/2006/main" xmlns:r="http://schemas.openxmlformats.org/officeDocument/2006/relationships" xmlns:p="http://schemas.openxmlformats.org/presentationml/2006/main">
+  <p:cSld>
+    <p:spTree>
+      <p:nvGrpSpPr>
+        <p:cNvPr id="1" name=""/>
+        <p:cNvGrpSpPr/>
+        <p:nvPr/>
+      </p:nvGrpSpPr>
+      <p:grpSpPr>
+        <a:xfrm>
+          <a:off x="0" y="0"/>
+          <a:ext cx="0" cy="0"/>
+          <a:chOff x="0" y="0"/>
+          <a:chExt cx="0" cy="0"/>
+        </a:xfrm>
+      </p:grpSpPr>
+      <p:sp>
+        <p:nvSpPr>
+          <p:cNvPr id="2" name="Title 1"/>
+          <p:cNvSpPr>
+            <a:spLocks noGrp="1"/>
+          </p:cNvSpPr>
+          <p:nvPr>
+            <p:ph type="title"/>
+          </p:nvPr>
+        </p:nvSpPr>
+        <p:spPr/>
+        <p:txBody>
+          <a:bodyPr>
+            <a:normAutofit/>
+          </a:bodyPr>
+          <a:lstStyle/>
+          <a:p>
+            <a:r>
+              <a:rPr lang="en-US" sz="4000" dirty="0">
+                <a:latin typeface="Times New Roman" panose="02020603050405020304" pitchFamily="18" charset="0"/>
+                <a:cs typeface="Times New Roman" panose="02020603050405020304" pitchFamily="18" charset="0"/>
+              </a:rPr>
+              <a:t>Cont..,</a:t>
+            </a:r>
+          </a:p>
+        </p:txBody>
+      </p:sp>
+      <p:pic>
+        <p:nvPicPr>
+          <p:cNvPr id="4" name="Content Placeholder 3"/>
+          <p:cNvPicPr>
+            <a:picLocks noGrp="1" noChangeAspect="1"/>
+          </p:cNvPicPr>
+          <p:nvPr>
+            <p:ph sz="quarter" idx="13"/>
+          </p:nvPr>
+        </p:nvPicPr>
+        <p:blipFill>
+          <a:blip r:embed="rId2"/>
+          <a:stretch>
+            <a:fillRect/>
+          </a:stretch>
+        </p:blipFill>
+        <p:spPr>
+          <a:xfrm>
+            <a:off x="3052234" y="2366963"/>
+            <a:ext cx="6087532" cy="3424237"/>
+          </a:xfrm>
+          <a:prstGeom prst="rect">
+            <a:avLst/>
+          </a:prstGeom>
+        </p:spPr>
+      </p:pic>
+    </p:spTree>
+    <p:extLst>
+      <p:ext uri="{BB962C8B-B14F-4D97-AF65-F5344CB8AC3E}">
+        <p14:creationId xmlns:p14="http://schemas.microsoft.com/office/powerpoint/2010/main" val="1980176151"/>
+      </p:ext>
+    </p:extLst>
+  </p:cSld>
+  <p:clrMapOvr>
+    <a:masterClrMapping/>
+  </p:clrMapOvr>
+</p:sld>
+</file>
+
+<file path=ppt/slides/slide17.xml><?xml version="1.0" encoding="utf-8"?>
+<p:sld xmlns:a="http://schemas.openxmlformats.org/drawingml/2006/main" xmlns:r="http://schemas.openxmlformats.org/officeDocument/2006/relationships" xmlns:p="http://schemas.openxmlformats.org/presentationml/2006/main">
+  <p:cSld>
+    <p:spTree>
+      <p:nvGrpSpPr>
+        <p:cNvPr id="1" name=""/>
+        <p:cNvGrpSpPr/>
+        <p:nvPr/>
+      </p:nvGrpSpPr>
+      <p:grpSpPr>
+        <a:xfrm>
+          <a:off x="0" y="0"/>
+          <a:ext cx="0" cy="0"/>
+          <a:chOff x="0" y="0"/>
+          <a:chExt cx="0" cy="0"/>
+        </a:xfrm>
+      </p:grpSpPr>
+      <p:sp>
+        <p:nvSpPr>
+          <p:cNvPr id="2" name="Title 1"/>
+          <p:cNvSpPr>
+            <a:spLocks noGrp="1"/>
+          </p:cNvSpPr>
+          <p:nvPr>
+            <p:ph type="title"/>
+          </p:nvPr>
+        </p:nvSpPr>
+        <p:spPr/>
+        <p:txBody>
+          <a:bodyPr/>
+          <a:lstStyle/>
+          <a:p>
+            <a:r>
+              <a:rPr lang="en-US" dirty="0">
+                <a:latin typeface="Times New Roman" panose="02020603050405020304" pitchFamily="18" charset="0"/>
+                <a:cs typeface="Times New Roman" panose="02020603050405020304" pitchFamily="18" charset="0"/>
+              </a:rPr>
+              <a:t>Cont..,</a:t>
+            </a:r>
+            <a:endParaRPr lang="en-US" dirty="0"/>
+          </a:p>
+        </p:txBody>
+      </p:sp>
+      <p:pic>
+        <p:nvPicPr>
+          <p:cNvPr id="4" name="Content Placeholder 3"/>
+          <p:cNvPicPr>
+            <a:picLocks noGrp="1" noChangeAspect="1"/>
+          </p:cNvPicPr>
+          <p:nvPr>
+            <p:ph sz="quarter" idx="13"/>
+          </p:nvPr>
+        </p:nvPicPr>
+        <p:blipFill>
+          <a:blip r:embed="rId2"/>
+          <a:stretch>
+            <a:fillRect/>
+          </a:stretch>
+        </p:blipFill>
+        <p:spPr>
+          <a:xfrm>
+            <a:off x="2191882" y="2366963"/>
+            <a:ext cx="7808236" cy="3424237"/>
+          </a:xfrm>
+          <a:prstGeom prst="rect">
+            <a:avLst/>
+          </a:prstGeom>
+        </p:spPr>
+      </p:pic>
+    </p:spTree>
+    <p:extLst>
+      <p:ext uri="{BB962C8B-B14F-4D97-AF65-F5344CB8AC3E}">
+        <p14:creationId xmlns:p14="http://schemas.microsoft.com/office/powerpoint/2010/main" val="3184762812"/>
+      </p:ext>
+    </p:extLst>
+  </p:cSld>
+  <p:clrMapOvr>
+    <a:masterClrMapping/>
+  </p:clrMapOvr>
+</p:sld>
+</file>
+
+<file path=ppt/slides/slide18.xml><?xml version="1.0" encoding="utf-8"?>
+<p:sld xmlns:a="http://schemas.openxmlformats.org/drawingml/2006/main" xmlns:r="http://schemas.openxmlformats.org/officeDocument/2006/relationships" xmlns:p="http://schemas.openxmlformats.org/presentationml/2006/main">
+  <p:cSld>
+    <p:spTree>
+      <p:nvGrpSpPr>
+        <p:cNvPr id="1" name=""/>
+        <p:cNvGrpSpPr/>
+        <p:nvPr/>
+      </p:nvGrpSpPr>
+      <p:grpSpPr>
+        <a:xfrm>
+          <a:off x="0" y="0"/>
+          <a:ext cx="0" cy="0"/>
+          <a:chOff x="0" y="0"/>
+          <a:chExt cx="0" cy="0"/>
+        </a:xfrm>
+      </p:grpSpPr>
+      <p:pic>
+        <p:nvPicPr>
+          <p:cNvPr id="1028" name="Picture 4" descr="Image result for any queries"/>
+          <p:cNvPicPr>
+            <a:picLocks noChangeAspect="1" noChangeArrowheads="1"/>
+          </p:cNvPicPr>
+          <p:nvPr/>
+        </p:nvPicPr>
+        <p:blipFill>
+          <a:blip r:embed="rId2">
+            <a:extLst>
+              <a:ext uri="{28A0092B-C50C-407E-A947-70E740481C1C}">
+                <a14:useLocalDpi xmlns:a14="http://schemas.microsoft.com/office/drawing/2010/main" val="0"/>
+              </a:ext>
+            </a:extLst>
+          </a:blip>
+          <a:srcRect/>
+          <a:stretch>
+            <a:fillRect/>
+          </a:stretch>
+        </p:blipFill>
+        <p:spPr bwMode="auto">
+          <a:xfrm>
+            <a:off x="0" y="0"/>
+            <a:ext cx="12192000" cy="6858000"/>
+          </a:xfrm>
+          <a:prstGeom prst="rect">
+            <a:avLst/>
+          </a:prstGeom>
+          <a:noFill/>
+          <a:extLst>
+            <a:ext uri="{909E8E84-426E-40DD-AFC4-6F175D3DCCD1}">
+              <a14:hiddenFill xmlns:a14="http://schemas.microsoft.com/office/drawing/2010/main">
+                <a:solidFill>
+                  <a:srgbClr val="FFFFFF"/>
+                </a:solidFill>
+              </a14:hiddenFill>
+            </a:ext>
+          </a:extLst>
+        </p:spPr>
+      </p:pic>
+    </p:spTree>
+    <p:extLst>
+      <p:ext uri="{BB962C8B-B14F-4D97-AF65-F5344CB8AC3E}">
+        <p14:creationId xmlns:p14="http://schemas.microsoft.com/office/powerpoint/2010/main" val="1017786524"/>
+      </p:ext>
+    </p:extLst>
+  </p:cSld>
+  <p:clrMapOvr>
+    <a:masterClrMapping/>
+  </p:clrMapOvr>
+</p:sld>
+</file>
+
+<file path=ppt/slides/slide19.xml><?xml version="1.0" encoding="utf-8"?>
+<p:sld xmlns:a="http://schemas.openxmlformats.org/drawingml/2006/main" xmlns:r="http://schemas.openxmlformats.org/officeDocument/2006/relationships" xmlns:p="http://schemas.openxmlformats.org/presentationml/2006/main">
+  <p:cSld>
+    <p:spTree>
+      <p:nvGrpSpPr>
+        <p:cNvPr id="1" name=""/>
+        <p:cNvGrpSpPr/>
+        <p:nvPr/>
+      </p:nvGrpSpPr>
+      <p:grpSpPr>
+        <a:xfrm>
+          <a:off x="0" y="0"/>
+          <a:ext cx="0" cy="0"/>
+          <a:chOff x="0" y="0"/>
+          <a:chExt cx="0" cy="0"/>
+        </a:xfrm>
+      </p:grpSpPr>
+      <p:pic>
+        <p:nvPicPr>
+          <p:cNvPr id="6" name="Content Placeholder 5"/>
+          <p:cNvPicPr>
+            <a:picLocks noGrp="1" noChangeAspect="1"/>
+          </p:cNvPicPr>
+          <p:nvPr>
+            <p:ph sz="quarter" idx="4294967295"/>
+          </p:nvPr>
+        </p:nvPicPr>
+        <p:blipFill>
+          <a:blip r:embed="rId2"/>
+          <a:stretch>
+            <a:fillRect/>
+          </a:stretch>
+        </p:blipFill>
+        <p:spPr>
+          <a:xfrm>
+            <a:off x="1431234" y="1775791"/>
+            <a:ext cx="9581322" cy="3809999"/>
+          </a:xfrm>
+          <a:prstGeom prst="rect">
+            <a:avLst/>
+          </a:prstGeom>
+        </p:spPr>
+      </p:pic>
+    </p:spTree>
+    <p:extLst>
+      <p:ext uri="{BB962C8B-B14F-4D97-AF65-F5344CB8AC3E}">
+        <p14:creationId xmlns:p14="http://schemas.microsoft.com/office/powerpoint/2010/main" val="2452726414"/>
       </p:ext>
     </p:extLst>
   </p:cSld>
@@ -6241,21 +7188,131 @@
           <a:lstStyle/>
           <a:p>
             <a:r>
-              <a:rPr lang="en-US" sz="6000" dirty="0"/>
-              <a:t>Architecture</a:t>
+              <a:rPr lang="en-US" sz="4000" dirty="0">
+                <a:latin typeface="Times New Roman" panose="02020603050405020304" pitchFamily="18" charset="0"/>
+                <a:cs typeface="Times New Roman" panose="02020603050405020304" pitchFamily="18" charset="0"/>
+              </a:rPr>
+              <a:t>Heron</a:t>
+            </a:r>
+          </a:p>
+        </p:txBody>
+      </p:sp>
+      <p:sp>
+        <p:nvSpPr>
+          <p:cNvPr id="3" name="Content Placeholder 2"/>
+          <p:cNvSpPr>
+            <a:spLocks noGrp="1"/>
+          </p:cNvSpPr>
+          <p:nvPr>
+            <p:ph sz="quarter" idx="13"/>
+          </p:nvPr>
+        </p:nvSpPr>
+        <p:spPr/>
+        <p:txBody>
+          <a:bodyPr/>
+          <a:lstStyle/>
+          <a:p>
+            <a:r>
+              <a:rPr lang="en-US" sz="3000" cap="none" dirty="0">
+                <a:latin typeface="Times New Roman" panose="02020603050405020304" pitchFamily="18" charset="0"/>
+                <a:cs typeface="Times New Roman" panose="02020603050405020304" pitchFamily="18" charset="0"/>
+              </a:rPr>
+              <a:t>Better debugging capabilities</a:t>
+            </a:r>
+          </a:p>
+          <a:p>
+            <a:r>
+              <a:rPr lang="en-US" sz="3000" cap="none" dirty="0">
+                <a:latin typeface="Times New Roman" panose="02020603050405020304" pitchFamily="18" charset="0"/>
+                <a:cs typeface="Times New Roman" panose="02020603050405020304" pitchFamily="18" charset="0"/>
+              </a:rPr>
+              <a:t>Performance</a:t>
+            </a:r>
+          </a:p>
+          <a:p>
+            <a:r>
+              <a:rPr lang="en-US" sz="3000" cap="none" dirty="0">
+                <a:latin typeface="Times New Roman" panose="02020603050405020304" pitchFamily="18" charset="0"/>
+                <a:cs typeface="Times New Roman" panose="02020603050405020304" pitchFamily="18" charset="0"/>
+              </a:rPr>
+              <a:t>Easy to manage </a:t>
+            </a:r>
+          </a:p>
+          <a:p>
+            <a:pPr marL="0" indent="0">
+              <a:buNone/>
+            </a:pPr>
+            <a:endParaRPr lang="en-US" dirty="0">
+              <a:latin typeface="Times New Roman" panose="02020603050405020304" pitchFamily="18" charset="0"/>
+              <a:cs typeface="Times New Roman" panose="02020603050405020304" pitchFamily="18" charset="0"/>
+            </a:endParaRPr>
+          </a:p>
+        </p:txBody>
+      </p:sp>
+    </p:spTree>
+    <p:extLst>
+      <p:ext uri="{BB962C8B-B14F-4D97-AF65-F5344CB8AC3E}">
+        <p14:creationId xmlns:p14="http://schemas.microsoft.com/office/powerpoint/2010/main" val="1896574495"/>
+      </p:ext>
+    </p:extLst>
+  </p:cSld>
+  <p:clrMapOvr>
+    <a:masterClrMapping/>
+  </p:clrMapOvr>
+</p:sld>
+</file>
+
+<file path=ppt/slides/slide3.xml><?xml version="1.0" encoding="utf-8"?>
+<p:sld xmlns:a="http://schemas.openxmlformats.org/drawingml/2006/main" xmlns:r="http://schemas.openxmlformats.org/officeDocument/2006/relationships" xmlns:p="http://schemas.openxmlformats.org/presentationml/2006/main">
+  <p:cSld>
+    <p:spTree>
+      <p:nvGrpSpPr>
+        <p:cNvPr id="1" name=""/>
+        <p:cNvGrpSpPr/>
+        <p:nvPr/>
+      </p:nvGrpSpPr>
+      <p:grpSpPr>
+        <a:xfrm>
+          <a:off x="0" y="0"/>
+          <a:ext cx="0" cy="0"/>
+          <a:chOff x="0" y="0"/>
+          <a:chExt cx="0" cy="0"/>
+        </a:xfrm>
+      </p:grpSpPr>
+      <p:sp>
+        <p:nvSpPr>
+          <p:cNvPr id="2" name="Title 1"/>
+          <p:cNvSpPr>
+            <a:spLocks noGrp="1"/>
+          </p:cNvSpPr>
+          <p:nvPr>
+            <p:ph type="ctrTitle"/>
+          </p:nvPr>
+        </p:nvSpPr>
+        <p:spPr>
+          <a:xfrm>
+            <a:off x="1512021" y="592281"/>
+            <a:ext cx="8689976" cy="973280"/>
+          </a:xfrm>
+        </p:spPr>
+        <p:txBody>
+          <a:bodyPr/>
+          <a:lstStyle/>
+          <a:p>
+            <a:r>
+              <a:rPr lang="en-US" dirty="0"/>
+              <a:t>Heron Topology</a:t>
             </a:r>
           </a:p>
         </p:txBody>
       </p:sp>
       <p:pic>
         <p:nvPicPr>
-          <p:cNvPr id="5" name="Content Placeholder 4"/>
+          <p:cNvPr id="4" name="Picture 3"/>
           <p:cNvPicPr>
-            <a:picLocks noGrp="1" noChangeAspect="1"/>
+            <a:picLocks noChangeAspect="1"/>
           </p:cNvPicPr>
-          <p:nvPr>
-            <p:ph sz="quarter" idx="13"/>
-          </p:nvPr>
+          <p:nvPr/>
         </p:nvPicPr>
         <p:blipFill>
           <a:blip r:embed="rId2"/>
@@ -6265,31 +7322,115 @@
         </p:blipFill>
         <p:spPr>
           <a:xfrm>
-            <a:off x="913775" y="2507531"/>
-            <a:ext cx="4968551" cy="4223208"/>
-          </a:xfrm>
+            <a:off x="1641764" y="1766456"/>
+            <a:ext cx="8385463" cy="4883726"/>
+          </a:xfrm>
+          <a:prstGeom prst="rect">
+            <a:avLst/>
+          </a:prstGeom>
         </p:spPr>
       </p:pic>
+      <p:sp>
+        <p:nvSpPr>
+          <p:cNvPr id="3" name="Subtitle 2"/>
+          <p:cNvSpPr>
+            <a:spLocks noGrp="1"/>
+          </p:cNvSpPr>
+          <p:nvPr>
+            <p:ph type="subTitle" idx="1"/>
+          </p:nvPr>
+        </p:nvSpPr>
+        <p:spPr>
+          <a:xfrm>
+            <a:off x="1641764" y="1766456"/>
+            <a:ext cx="8385463" cy="4883726"/>
+          </a:xfrm>
+        </p:spPr>
+        <p:txBody>
+          <a:bodyPr/>
+          <a:lstStyle/>
+          <a:p>
+            <a:endParaRPr lang="en-US" dirty="0"/>
+          </a:p>
+        </p:txBody>
+      </p:sp>
+    </p:spTree>
+    <p:extLst>
+      <p:ext uri="{BB962C8B-B14F-4D97-AF65-F5344CB8AC3E}">
+        <p14:creationId xmlns:p14="http://schemas.microsoft.com/office/powerpoint/2010/main" val="3716899123"/>
+      </p:ext>
+    </p:extLst>
+  </p:cSld>
+  <p:clrMapOvr>
+    <a:masterClrMapping/>
+  </p:clrMapOvr>
+</p:sld>
+</file>
+
+<file path=ppt/slides/slide4.xml><?xml version="1.0" encoding="utf-8"?>
+<p:sld xmlns:a="http://schemas.openxmlformats.org/drawingml/2006/main" xmlns:r="http://schemas.openxmlformats.org/officeDocument/2006/relationships" xmlns:p="http://schemas.openxmlformats.org/presentationml/2006/main">
+  <p:cSld>
+    <p:spTree>
+      <p:nvGrpSpPr>
+        <p:cNvPr id="1" name=""/>
+        <p:cNvGrpSpPr/>
+        <p:nvPr/>
+      </p:nvGrpSpPr>
+      <p:grpSpPr>
+        <a:xfrm>
+          <a:off x="0" y="0"/>
+          <a:ext cx="0" cy="0"/>
+          <a:chOff x="0" y="0"/>
+          <a:chExt cx="0" cy="0"/>
+        </a:xfrm>
+      </p:grpSpPr>
+      <p:sp>
+        <p:nvSpPr>
+          <p:cNvPr id="2" name="Title 1"/>
+          <p:cNvSpPr>
+            <a:spLocks noGrp="1"/>
+          </p:cNvSpPr>
+          <p:nvPr>
+            <p:ph type="title"/>
+          </p:nvPr>
+        </p:nvSpPr>
+        <p:spPr/>
+        <p:txBody>
+          <a:bodyPr>
+            <a:normAutofit/>
+          </a:bodyPr>
+          <a:lstStyle/>
+          <a:p>
+            <a:r>
+              <a:rPr lang="en-US" sz="4000" dirty="0">
+                <a:latin typeface="Times New Roman" panose="02020603050405020304" pitchFamily="18" charset="0"/>
+                <a:cs typeface="Times New Roman" panose="02020603050405020304" pitchFamily="18" charset="0"/>
+              </a:rPr>
+              <a:t>Architecture</a:t>
+            </a:r>
+          </a:p>
+        </p:txBody>
+      </p:sp>
       <p:pic>
         <p:nvPicPr>
-          <p:cNvPr id="6" name="Content Placeholder 5"/>
+          <p:cNvPr id="5" name="Content Placeholder 4"/>
           <p:cNvPicPr>
             <a:picLocks noGrp="1" noChangeAspect="1"/>
           </p:cNvPicPr>
           <p:nvPr>
-            <p:ph sz="quarter" idx="14"/>
+            <p:ph sz="quarter" idx="13"/>
           </p:nvPr>
         </p:nvPicPr>
         <p:blipFill>
-          <a:blip r:embed="rId3"/>
+          <a:blip r:embed="rId2"/>
           <a:stretch>
             <a:fillRect/>
           </a:stretch>
         </p:blipFill>
         <p:spPr>
           <a:xfrm>
-            <a:off x="6014301" y="2507530"/>
-            <a:ext cx="5263925" cy="4223208"/>
+            <a:off x="1457739" y="2358887"/>
+            <a:ext cx="8825948" cy="3538330"/>
           </a:xfrm>
         </p:spPr>
       </p:pic>
@@ -6297,6 +7438,520 @@
     <p:extLst>
       <p:ext uri="{BB962C8B-B14F-4D97-AF65-F5344CB8AC3E}">
         <p14:creationId xmlns:p14="http://schemas.microsoft.com/office/powerpoint/2010/main" val="3204967620"/>
+      </p:ext>
+    </p:extLst>
+  </p:cSld>
+  <p:clrMapOvr>
+    <a:masterClrMapping/>
+  </p:clrMapOvr>
+</p:sld>
+</file>
+
+<file path=ppt/slides/slide5.xml><?xml version="1.0" encoding="utf-8"?>
+<p:sld xmlns:a="http://schemas.openxmlformats.org/drawingml/2006/main" xmlns:r="http://schemas.openxmlformats.org/officeDocument/2006/relationships" xmlns:p="http://schemas.openxmlformats.org/presentationml/2006/main">
+  <p:cSld>
+    <p:spTree>
+      <p:nvGrpSpPr>
+        <p:cNvPr id="1" name=""/>
+        <p:cNvGrpSpPr/>
+        <p:nvPr/>
+      </p:nvGrpSpPr>
+      <p:grpSpPr>
+        <a:xfrm>
+          <a:off x="0" y="0"/>
+          <a:ext cx="0" cy="0"/>
+          <a:chOff x="0" y="0"/>
+          <a:chExt cx="0" cy="0"/>
+        </a:xfrm>
+      </p:grpSpPr>
+      <p:sp>
+        <p:nvSpPr>
+          <p:cNvPr id="2" name="Title 1"/>
+          <p:cNvSpPr>
+            <a:spLocks noGrp="1"/>
+          </p:cNvSpPr>
+          <p:nvPr>
+            <p:ph type="title"/>
+          </p:nvPr>
+        </p:nvSpPr>
+        <p:spPr/>
+        <p:txBody>
+          <a:bodyPr/>
+          <a:lstStyle/>
+          <a:p>
+            <a:r>
+              <a:rPr lang="en-US" dirty="0"/>
+              <a:t>Aurora scheduler</a:t>
+            </a:r>
+          </a:p>
+        </p:txBody>
+      </p:sp>
+      <p:sp>
+        <p:nvSpPr>
+          <p:cNvPr id="3" name="Content Placeholder 2"/>
+          <p:cNvSpPr>
+            <a:spLocks noGrp="1"/>
+          </p:cNvSpPr>
+          <p:nvPr>
+            <p:ph sz="quarter" idx="13"/>
+          </p:nvPr>
+        </p:nvSpPr>
+        <p:spPr/>
+        <p:txBody>
+          <a:bodyPr>
+            <a:normAutofit/>
+          </a:bodyPr>
+          <a:lstStyle/>
+          <a:p>
+            <a:r>
+              <a:rPr lang="en-US" sz="3000" cap="none" dirty="0">
+                <a:latin typeface="Times New Roman" panose="02020603050405020304" pitchFamily="18" charset="0"/>
+                <a:cs typeface="Times New Roman" panose="02020603050405020304" pitchFamily="18" charset="0"/>
+              </a:rPr>
+              <a:t>Users employ heron API to create and deploy topologies to aurora scheduler</a:t>
+            </a:r>
+          </a:p>
+          <a:p>
+            <a:r>
+              <a:rPr lang="en-US" sz="3000" cap="none" dirty="0">
+                <a:latin typeface="Times New Roman" panose="02020603050405020304" pitchFamily="18" charset="0"/>
+                <a:cs typeface="Times New Roman" panose="02020603050405020304" pitchFamily="18" charset="0"/>
+              </a:rPr>
+              <a:t>Each heron topology consists of multiple containers, allocating and scheduling these containers is done by Aurora.</a:t>
+            </a:r>
+          </a:p>
+          <a:p>
+            <a:endParaRPr lang="en-US" sz="3000" cap="none" dirty="0">
+              <a:latin typeface="Times New Roman" panose="02020603050405020304" pitchFamily="18" charset="0"/>
+              <a:cs typeface="Times New Roman" panose="02020603050405020304" pitchFamily="18" charset="0"/>
+            </a:endParaRPr>
+          </a:p>
+          <a:p>
+            <a:pPr marL="0" indent="0">
+              <a:buNone/>
+            </a:pPr>
+            <a:endParaRPr lang="en-US" sz="3000" cap="none" dirty="0">
+              <a:latin typeface="Times New Roman" panose="02020603050405020304" pitchFamily="18" charset="0"/>
+              <a:cs typeface="Times New Roman" panose="02020603050405020304" pitchFamily="18" charset="0"/>
+            </a:endParaRPr>
+          </a:p>
+        </p:txBody>
+      </p:sp>
+    </p:spTree>
+    <p:extLst>
+      <p:ext uri="{BB962C8B-B14F-4D97-AF65-F5344CB8AC3E}">
+        <p14:creationId xmlns:p14="http://schemas.microsoft.com/office/powerpoint/2010/main" val="3283994384"/>
+      </p:ext>
+    </p:extLst>
+  </p:cSld>
+  <p:clrMapOvr>
+    <a:masterClrMapping/>
+  </p:clrMapOvr>
+</p:sld>
+</file>
+
+<file path=ppt/slides/slide6.xml><?xml version="1.0" encoding="utf-8"?>
+<p:sld xmlns:a="http://schemas.openxmlformats.org/drawingml/2006/main" xmlns:r="http://schemas.openxmlformats.org/officeDocument/2006/relationships" xmlns:p="http://schemas.openxmlformats.org/presentationml/2006/main">
+  <p:cSld>
+    <p:spTree>
+      <p:nvGrpSpPr>
+        <p:cNvPr id="1" name=""/>
+        <p:cNvGrpSpPr/>
+        <p:nvPr/>
+      </p:nvGrpSpPr>
+      <p:grpSpPr>
+        <a:xfrm>
+          <a:off x="0" y="0"/>
+          <a:ext cx="0" cy="0"/>
+          <a:chOff x="0" y="0"/>
+          <a:chExt cx="0" cy="0"/>
+        </a:xfrm>
+      </p:grpSpPr>
+      <p:sp>
+        <p:nvSpPr>
+          <p:cNvPr id="5" name="Title 4"/>
+          <p:cNvSpPr>
+            <a:spLocks noGrp="1"/>
+          </p:cNvSpPr>
+          <p:nvPr>
+            <p:ph type="title"/>
+          </p:nvPr>
+        </p:nvSpPr>
+        <p:spPr>
+          <a:xfrm>
+            <a:off x="993288" y="114935"/>
+            <a:ext cx="10364451" cy="1596177"/>
+          </a:xfrm>
+        </p:spPr>
+        <p:txBody>
+          <a:bodyPr>
+            <a:normAutofit/>
+          </a:bodyPr>
+          <a:lstStyle/>
+          <a:p>
+            <a:r>
+              <a:rPr lang="en-US" sz="4000" dirty="0">
+                <a:latin typeface="Times New Roman" panose="02020603050405020304" pitchFamily="18" charset="0"/>
+                <a:cs typeface="Times New Roman" panose="02020603050405020304" pitchFamily="18" charset="0"/>
+              </a:rPr>
+              <a:t>Topology architecture</a:t>
+            </a:r>
+          </a:p>
+        </p:txBody>
+      </p:sp>
+      <p:pic>
+        <p:nvPicPr>
+          <p:cNvPr id="7" name="Content Placeholder 5"/>
+          <p:cNvPicPr>
+            <a:picLocks noGrp="1" noChangeAspect="1"/>
+          </p:cNvPicPr>
+          <p:nvPr>
+            <p:ph sz="quarter" idx="13"/>
+          </p:nvPr>
+        </p:nvPicPr>
+        <p:blipFill>
+          <a:blip r:embed="rId2"/>
+          <a:stretch>
+            <a:fillRect/>
+          </a:stretch>
+        </p:blipFill>
+        <p:spPr>
+          <a:xfrm>
+            <a:off x="1497496" y="1711112"/>
+            <a:ext cx="9581321" cy="4214191"/>
+          </a:xfrm>
+        </p:spPr>
+      </p:pic>
+    </p:spTree>
+    <p:extLst>
+      <p:ext uri="{BB962C8B-B14F-4D97-AF65-F5344CB8AC3E}">
+        <p14:creationId xmlns:p14="http://schemas.microsoft.com/office/powerpoint/2010/main" val="3975141323"/>
+      </p:ext>
+    </p:extLst>
+  </p:cSld>
+  <p:clrMapOvr>
+    <a:masterClrMapping/>
+  </p:clrMapOvr>
+</p:sld>
+</file>
+
+<file path=ppt/slides/slide7.xml><?xml version="1.0" encoding="utf-8"?>
+<p:sld xmlns:a="http://schemas.openxmlformats.org/drawingml/2006/main" xmlns:r="http://schemas.openxmlformats.org/officeDocument/2006/relationships" xmlns:p="http://schemas.openxmlformats.org/presentationml/2006/main">
+  <p:cSld>
+    <p:spTree>
+      <p:nvGrpSpPr>
+        <p:cNvPr id="1" name=""/>
+        <p:cNvGrpSpPr/>
+        <p:nvPr/>
+      </p:nvGrpSpPr>
+      <p:grpSpPr>
+        <a:xfrm>
+          <a:off x="0" y="0"/>
+          <a:ext cx="0" cy="0"/>
+          <a:chOff x="0" y="0"/>
+          <a:chExt cx="0" cy="0"/>
+        </a:xfrm>
+      </p:grpSpPr>
+      <p:sp>
+        <p:nvSpPr>
+          <p:cNvPr id="2" name="Title 1"/>
+          <p:cNvSpPr>
+            <a:spLocks noGrp="1"/>
+          </p:cNvSpPr>
+          <p:nvPr>
+            <p:ph type="title"/>
+          </p:nvPr>
+        </p:nvSpPr>
+        <p:spPr/>
+        <p:txBody>
+          <a:bodyPr/>
+          <a:lstStyle/>
+          <a:p>
+            <a:r>
+              <a:rPr lang="en-US" dirty="0">
+                <a:latin typeface="Times New Roman" panose="02020603050405020304" pitchFamily="18" charset="0"/>
+                <a:cs typeface="Times New Roman" panose="02020603050405020304" pitchFamily="18" charset="0"/>
+              </a:rPr>
+              <a:t>Heron architecture  </a:t>
+            </a:r>
+            <a:r>
+              <a:rPr lang="en-US" sz="1200" cap="none" dirty="0" err="1">
+                <a:latin typeface="Times New Roman" panose="02020603050405020304" pitchFamily="18" charset="0"/>
+                <a:cs typeface="Times New Roman" panose="02020603050405020304" pitchFamily="18" charset="0"/>
+              </a:rPr>
+              <a:t>Contd</a:t>
+            </a:r>
+            <a:r>
+              <a:rPr lang="en-US" dirty="0">
+                <a:latin typeface="Times New Roman" panose="02020603050405020304" pitchFamily="18" charset="0"/>
+                <a:cs typeface="Times New Roman" panose="02020603050405020304" pitchFamily="18" charset="0"/>
+              </a:rPr>
+              <a:t>…</a:t>
+            </a:r>
+            <a:endParaRPr lang="en-US" dirty="0"/>
+          </a:p>
+        </p:txBody>
+      </p:sp>
+      <p:sp>
+        <p:nvSpPr>
+          <p:cNvPr id="3" name="Content Placeholder 2"/>
+          <p:cNvSpPr>
+            <a:spLocks noGrp="1"/>
+          </p:cNvSpPr>
+          <p:nvPr>
+            <p:ph sz="quarter" idx="13"/>
+          </p:nvPr>
+        </p:nvSpPr>
+        <p:spPr/>
+        <p:txBody>
+          <a:bodyPr>
+            <a:normAutofit fontScale="85000" lnSpcReduction="20000"/>
+          </a:bodyPr>
+          <a:lstStyle/>
+          <a:p>
+            <a:r>
+              <a:rPr lang="en-US" sz="3000" cap="none" dirty="0">
+                <a:latin typeface="Times New Roman" panose="02020603050405020304" pitchFamily="18" charset="0"/>
+                <a:cs typeface="Times New Roman" panose="02020603050405020304" pitchFamily="18" charset="0"/>
+              </a:rPr>
+              <a:t>Topology Master – Responsible for managing topology throughout the existence of the topology</a:t>
+            </a:r>
+          </a:p>
+          <a:p>
+            <a:r>
+              <a:rPr lang="en-US" sz="3000" cap="none" dirty="0">
+                <a:latin typeface="Times New Roman" panose="02020603050405020304" pitchFamily="18" charset="0"/>
+                <a:cs typeface="Times New Roman" panose="02020603050405020304" pitchFamily="18" charset="0"/>
+              </a:rPr>
+              <a:t>Zookeeper – Responsible for maintaining state</a:t>
+            </a:r>
+          </a:p>
+          <a:p>
+            <a:r>
+              <a:rPr lang="en-US" sz="3000" cap="none" dirty="0">
+                <a:latin typeface="Times New Roman" panose="02020603050405020304" pitchFamily="18" charset="0"/>
+                <a:cs typeface="Times New Roman" panose="02020603050405020304" pitchFamily="18" charset="0"/>
+              </a:rPr>
+              <a:t>Stream manager- Manages routing of tuples between topology components</a:t>
+            </a:r>
+          </a:p>
+          <a:p>
+            <a:r>
+              <a:rPr lang="en-US" sz="3000" cap="none" dirty="0">
+                <a:latin typeface="Times New Roman" panose="02020603050405020304" pitchFamily="18" charset="0"/>
+                <a:cs typeface="Times New Roman" panose="02020603050405020304" pitchFamily="18" charset="0"/>
+              </a:rPr>
+              <a:t>Metrics manager – Collects and exports metrics from all the components in the system</a:t>
+            </a:r>
+          </a:p>
+          <a:p>
+            <a:r>
+              <a:rPr lang="en-US" sz="3000" cap="none" dirty="0">
+                <a:latin typeface="Times New Roman" panose="02020603050405020304" pitchFamily="18" charset="0"/>
+                <a:cs typeface="Times New Roman" panose="02020603050405020304" pitchFamily="18" charset="0"/>
+              </a:rPr>
+              <a:t>Heron Instance – It is a process that handles single task of spout or bolt</a:t>
+            </a:r>
+            <a:endParaRPr lang="en-US" dirty="0"/>
+          </a:p>
+          <a:p>
+            <a:endParaRPr lang="en-US" dirty="0"/>
+          </a:p>
+        </p:txBody>
+      </p:sp>
+    </p:spTree>
+    <p:extLst>
+      <p:ext uri="{BB962C8B-B14F-4D97-AF65-F5344CB8AC3E}">
+        <p14:creationId xmlns:p14="http://schemas.microsoft.com/office/powerpoint/2010/main" val="2840017711"/>
+      </p:ext>
+    </p:extLst>
+  </p:cSld>
+  <p:clrMapOvr>
+    <a:masterClrMapping/>
+  </p:clrMapOvr>
+</p:sld>
+</file>
+
+<file path=ppt/slides/slide8.xml><?xml version="1.0" encoding="utf-8"?>
+<p:sld xmlns:a="http://schemas.openxmlformats.org/drawingml/2006/main" xmlns:r="http://schemas.openxmlformats.org/officeDocument/2006/relationships" xmlns:p="http://schemas.openxmlformats.org/presentationml/2006/main">
+  <p:cSld>
+    <p:spTree>
+      <p:nvGrpSpPr>
+        <p:cNvPr id="1" name=""/>
+        <p:cNvGrpSpPr/>
+        <p:nvPr/>
+      </p:nvGrpSpPr>
+      <p:grpSpPr>
+        <a:xfrm>
+          <a:off x="0" y="0"/>
+          <a:ext cx="0" cy="0"/>
+          <a:chOff x="0" y="0"/>
+          <a:chExt cx="0" cy="0"/>
+        </a:xfrm>
+      </p:grpSpPr>
+      <p:sp>
+        <p:nvSpPr>
+          <p:cNvPr id="2" name="Title 1"/>
+          <p:cNvSpPr>
+            <a:spLocks noGrp="1"/>
+          </p:cNvSpPr>
+          <p:nvPr>
+            <p:ph type="title"/>
+          </p:nvPr>
+        </p:nvSpPr>
+        <p:spPr>
+          <a:xfrm>
+            <a:off x="913775" y="145775"/>
+            <a:ext cx="10364451" cy="1457738"/>
+          </a:xfrm>
+        </p:spPr>
+        <p:txBody>
+          <a:bodyPr>
+            <a:normAutofit/>
+          </a:bodyPr>
+          <a:lstStyle/>
+          <a:p>
+            <a:r>
+              <a:rPr lang="en-US" sz="4000" cap="none" dirty="0">
+                <a:latin typeface="Times New Roman" panose="02020603050405020304" pitchFamily="18" charset="0"/>
+                <a:cs typeface="Times New Roman" panose="02020603050405020304" pitchFamily="18" charset="0"/>
+              </a:rPr>
+              <a:t>Tuple Processing</a:t>
+            </a:r>
+          </a:p>
+        </p:txBody>
+      </p:sp>
+      <p:sp>
+        <p:nvSpPr>
+          <p:cNvPr id="3" name="Content Placeholder 2"/>
+          <p:cNvSpPr>
+            <a:spLocks noGrp="1"/>
+          </p:cNvSpPr>
+          <p:nvPr>
+            <p:ph sz="quarter" idx="13"/>
+          </p:nvPr>
+        </p:nvSpPr>
+        <p:spPr>
+          <a:xfrm>
+            <a:off x="913774" y="1603514"/>
+            <a:ext cx="10363826" cy="4187686"/>
+          </a:xfrm>
+        </p:spPr>
+        <p:txBody>
+          <a:bodyPr>
+            <a:noAutofit/>
+          </a:bodyPr>
+          <a:lstStyle/>
+          <a:p>
+            <a:r>
+              <a:rPr lang="en-US" sz="3000" cap="none" dirty="0">
+                <a:latin typeface="Times New Roman" panose="02020603050405020304" pitchFamily="18" charset="0"/>
+                <a:cs typeface="Times New Roman" panose="02020603050405020304" pitchFamily="18" charset="0"/>
+              </a:rPr>
+              <a:t>At most once - no tuple is processed more than once, although some tuples may be dropped, and thus may miss being analyzed by the topology</a:t>
+            </a:r>
+          </a:p>
+          <a:p>
+            <a:endParaRPr lang="en-US" sz="3000" cap="none" dirty="0">
+              <a:latin typeface="Times New Roman" panose="02020603050405020304" pitchFamily="18" charset="0"/>
+              <a:cs typeface="Times New Roman" panose="02020603050405020304" pitchFamily="18" charset="0"/>
+            </a:endParaRPr>
+          </a:p>
+          <a:p>
+            <a:r>
+              <a:rPr lang="en-US" sz="3000" cap="none" dirty="0">
+                <a:latin typeface="Times New Roman" panose="02020603050405020304" pitchFamily="18" charset="0"/>
+                <a:cs typeface="Times New Roman" panose="02020603050405020304" pitchFamily="18" charset="0"/>
+              </a:rPr>
+              <a:t>At least once - – each tuple is guaranteed to be processed at least once, although some tuples may be processed more than once, and may contribute to the result of the topology multiple times. </a:t>
+            </a:r>
+          </a:p>
+        </p:txBody>
+      </p:sp>
+    </p:spTree>
+    <p:extLst>
+      <p:ext uri="{BB962C8B-B14F-4D97-AF65-F5344CB8AC3E}">
+        <p14:creationId xmlns:p14="http://schemas.microsoft.com/office/powerpoint/2010/main" val="888952492"/>
+      </p:ext>
+    </p:extLst>
+  </p:cSld>
+  <p:clrMapOvr>
+    <a:masterClrMapping/>
+  </p:clrMapOvr>
+</p:sld>
+</file>
+
+<file path=ppt/slides/slide9.xml><?xml version="1.0" encoding="utf-8"?>
+<p:sld xmlns:a="http://schemas.openxmlformats.org/drawingml/2006/main" xmlns:r="http://schemas.openxmlformats.org/officeDocument/2006/relationships" xmlns:p="http://schemas.openxmlformats.org/presentationml/2006/main">
+  <p:cSld>
+    <p:spTree>
+      <p:nvGrpSpPr>
+        <p:cNvPr id="1" name=""/>
+        <p:cNvGrpSpPr/>
+        <p:nvPr/>
+      </p:nvGrpSpPr>
+      <p:grpSpPr>
+        <a:xfrm>
+          <a:off x="0" y="0"/>
+          <a:ext cx="0" cy="0"/>
+          <a:chOff x="0" y="0"/>
+          <a:chExt cx="0" cy="0"/>
+        </a:xfrm>
+      </p:grpSpPr>
+      <p:sp>
+        <p:nvSpPr>
+          <p:cNvPr id="2" name="Title 1"/>
+          <p:cNvSpPr>
+            <a:spLocks noGrp="1"/>
+          </p:cNvSpPr>
+          <p:nvPr>
+            <p:ph type="title"/>
+          </p:nvPr>
+        </p:nvSpPr>
+        <p:spPr/>
+        <p:txBody>
+          <a:bodyPr>
+            <a:normAutofit/>
+          </a:bodyPr>
+          <a:lstStyle/>
+          <a:p>
+            <a:r>
+              <a:rPr lang="en-US" sz="4000" cap="none" dirty="0">
+                <a:latin typeface="Times New Roman" panose="02020603050405020304" pitchFamily="18" charset="0"/>
+                <a:cs typeface="Times New Roman" panose="02020603050405020304" pitchFamily="18" charset="0"/>
+              </a:rPr>
+              <a:t>Heron instance and services</a:t>
+            </a:r>
+          </a:p>
+        </p:txBody>
+      </p:sp>
+      <p:pic>
+        <p:nvPicPr>
+          <p:cNvPr id="4" name="Content Placeholder 3"/>
+          <p:cNvPicPr>
+            <a:picLocks noGrp="1" noChangeAspect="1"/>
+          </p:cNvPicPr>
+          <p:nvPr>
+            <p:ph sz="quarter" idx="13"/>
+          </p:nvPr>
+        </p:nvPicPr>
+        <p:blipFill>
+          <a:blip r:embed="rId2"/>
+          <a:stretch>
+            <a:fillRect/>
+          </a:stretch>
+        </p:blipFill>
+        <p:spPr>
+          <a:xfrm>
+            <a:off x="689113" y="2516981"/>
+            <a:ext cx="10734261" cy="3671784"/>
+          </a:xfrm>
+        </p:spPr>
+      </p:pic>
+    </p:spTree>
+    <p:extLst>
+      <p:ext uri="{BB962C8B-B14F-4D97-AF65-F5344CB8AC3E}">
+        <p14:creationId xmlns:p14="http://schemas.microsoft.com/office/powerpoint/2010/main" val="1716092105"/>
       </p:ext>
     </p:extLst>
   </p:cSld>
@@ -6317,34 +7972,34 @@
         <a:sysClr val="window" lastClr="FFFFFF"/>
       </a:lt1>
       <a:dk2>
-        <a:srgbClr val="355071"/>
+        <a:srgbClr val="1C647B"/>
       </a:dk2>
       <a:lt2>
-        <a:srgbClr val="AABED7"/>
+        <a:srgbClr val="98B7D3"/>
       </a:lt2>
       <a:accent1>
-        <a:srgbClr val="2FA3EE"/>
+        <a:srgbClr val="274FA4"/>
       </a:accent1>
       <a:accent2>
-        <a:srgbClr val="4BCAAD"/>
+        <a:srgbClr val="48A8D0"/>
       </a:accent2>
       <a:accent3>
-        <a:srgbClr val="86C157"/>
+        <a:srgbClr val="53B18F"/>
       </a:accent3>
       <a:accent4>
-        <a:srgbClr val="D99C3F"/>
+        <a:srgbClr val="D78D38"/>
       </a:accent4>
       <a:accent5>
-        <a:srgbClr val="CE6633"/>
+        <a:srgbClr val="BA3F51"/>
       </a:accent5>
       <a:accent6>
-        <a:srgbClr val="A35DD1"/>
+        <a:srgbClr val="AE52D9"/>
       </a:accent6>
       <a:hlink>
-        <a:srgbClr val="56BCFE"/>
+        <a:srgbClr val="2AA2DA"/>
       </a:hlink>
       <a:folHlink>
-        <a:srgbClr val="97C5E3"/>
+        <a:srgbClr val="76A3B8"/>
       </a:folHlink>
     </a:clrScheme>
     <a:fontScheme name="Droplet">
@@ -6542,16 +8197,16 @@
               <a:schemeClr val="phClr">
                 <a:tint val="84000"/>
                 <a:shade val="100000"/>
-                <a:hueMod val="130000"/>
-                <a:satMod val="150000"/>
-                <a:lumMod val="112000"/>
+                <a:hueMod val="92000"/>
+                <a:satMod val="180000"/>
+                <a:lumMod val="114000"/>
               </a:schemeClr>
             </a:gs>
             <a:gs pos="100000">
               <a:schemeClr val="phClr">
                 <a:shade val="92000"/>
-                <a:satMod val="140000"/>
-                <a:lumMod val="110000"/>
+                <a:satMod val="170000"/>
+                <a:lumMod val="96000"/>
               </a:schemeClr>
             </a:gs>
           </a:gsLst>
@@ -6564,7 +8219,7 @@
   <a:extraClrSchemeLst/>
   <a:extLst>
     <a:ext uri="{05A4C25C-085E-4340-85A3-A5531E510DB2}">
-      <thm15:themeFamily xmlns:thm15="http://schemas.microsoft.com/office/thememl/2012/main" name="Droplet" id="{8984A317-299A-4E50-B45D-BFC9EDE2337A}" vid="{A633B6A3-9E7F-4C10-9C98-2517A3134361}"/>
+      <thm15:themeFamily xmlns:thm15="http://schemas.microsoft.com/office/thememl/2012/main" name="Droplet" id="{8984A317-299A-4E50-B45D-BFC9EDE2337A}" vid="{DEB094D4-7FD8-4F86-93D5-B0F1341EF586}"/>
     </a:ext>
   </a:extLst>
 </a:theme>
